--- a/C#/Day2/PPT/strings.pptx
+++ b/C#/Day2/PPT/strings.pptx
@@ -5,20 +5,18 @@
     <p:sldMasterId id="2147483672" r:id="rId1"/>
   </p:sldMasterIdLst>
   <p:notesMasterIdLst>
-    <p:notesMasterId r:id="rId13"/>
+    <p:notesMasterId r:id="rId11"/>
   </p:notesMasterIdLst>
   <p:sldIdLst>
-    <p:sldId id="315" r:id="rId2"/>
-    <p:sldId id="1798" r:id="rId3"/>
-    <p:sldId id="693" r:id="rId4"/>
-    <p:sldId id="256" r:id="rId5"/>
-    <p:sldId id="257" r:id="rId6"/>
-    <p:sldId id="258" r:id="rId7"/>
-    <p:sldId id="259" r:id="rId8"/>
-    <p:sldId id="260" r:id="rId9"/>
-    <p:sldId id="261" r:id="rId10"/>
-    <p:sldId id="697" r:id="rId11"/>
-    <p:sldId id="694" r:id="rId12"/>
+    <p:sldId id="693" r:id="rId2"/>
+    <p:sldId id="256" r:id="rId3"/>
+    <p:sldId id="257" r:id="rId4"/>
+    <p:sldId id="258" r:id="rId5"/>
+    <p:sldId id="259" r:id="rId6"/>
+    <p:sldId id="260" r:id="rId7"/>
+    <p:sldId id="261" r:id="rId8"/>
+    <p:sldId id="697" r:id="rId9"/>
+    <p:sldId id="694" r:id="rId10"/>
   </p:sldIdLst>
   <p:sldSz cx="9144000" cy="6858000" type="screen4x3"/>
   <p:notesSz cx="6858000" cy="9144000"/>
@@ -218,7 +216,7 @@
           <a:p>
             <a:fld id="{258310FC-E8A1-4C88-93BE-CFF8A50B7DD6}" type="datetimeFigureOut">
               <a:rPr lang="en-US" smtClean="0"/>
-              <a:t>12/20/2023</a:t>
+              <a:t>12/22/2023</a:t>
             </a:fld>
             <a:endParaRPr lang="en-US"/>
           </a:p>
@@ -485,324 +483,6 @@
 </p:notesMaster>
 </file>
 
-<file path=ppt/notesSlides/notesSlide1.xml><?xml version="1.0" encoding="utf-8"?>
-<p:notes xmlns:a="http://schemas.openxmlformats.org/drawingml/2006/main" xmlns:r="http://schemas.openxmlformats.org/officeDocument/2006/relationships" xmlns:p="http://schemas.openxmlformats.org/presentationml/2006/main" showMasterSp="0" showMasterPhAnim="0">
-  <p:cSld>
-    <p:spTree>
-      <p:nvGrpSpPr>
-        <p:cNvPr id="1" name="Shape 206"/>
-        <p:cNvGrpSpPr/>
-        <p:nvPr/>
-      </p:nvGrpSpPr>
-      <p:grpSpPr>
-        <a:xfrm>
-          <a:off x="0" y="0"/>
-          <a:ext cx="0" cy="0"/>
-          <a:chOff x="0" y="0"/>
-          <a:chExt cx="0" cy="0"/>
-        </a:xfrm>
-      </p:grpSpPr>
-      <p:sp>
-        <p:nvSpPr>
-          <p:cNvPr id="207" name="Google Shape;207;p1:notes"/>
-          <p:cNvSpPr txBox="1">
-            <a:spLocks noGrp="1"/>
-          </p:cNvSpPr>
-          <p:nvPr>
-            <p:ph type="body" idx="1"/>
-          </p:nvPr>
-        </p:nvSpPr>
-        <p:spPr>
-          <a:xfrm>
-            <a:off x="685800" y="4400550"/>
-            <a:ext cx="5486400" cy="3600450"/>
-          </a:xfrm>
-          <a:prstGeom prst="rect">
-            <a:avLst/>
-          </a:prstGeom>
-        </p:spPr>
-        <p:txBody>
-          <a:bodyPr spcFirstLastPara="1" wrap="square" lIns="91425" tIns="45700" rIns="91425" bIns="45700" anchor="t" anchorCtr="0">
-            <a:noAutofit/>
-          </a:bodyPr>
-          <a:lstStyle/>
-          <a:p>
-            <a:pPr marL="0" lvl="0" indent="0" algn="l" rtl="0">
-              <a:spcBef>
-                <a:spcPts val="0"/>
-              </a:spcBef>
-              <a:spcAft>
-                <a:spcPts val="0"/>
-              </a:spcAft>
-              <a:buNone/>
-            </a:pPr>
-            <a:endParaRPr dirty="0"/>
-          </a:p>
-        </p:txBody>
-      </p:sp>
-      <p:sp>
-        <p:nvSpPr>
-          <p:cNvPr id="208" name="Google Shape;208;p1:notes"/>
-          <p:cNvSpPr>
-            <a:spLocks noGrp="1" noRot="1" noChangeAspect="1"/>
-          </p:cNvSpPr>
-          <p:nvPr>
-            <p:ph type="sldImg" idx="2"/>
-          </p:nvPr>
-        </p:nvSpPr>
-        <p:spPr>
-          <a:xfrm>
-            <a:off x="1371600" y="1143000"/>
-            <a:ext cx="4114800" cy="3086100"/>
-          </a:xfrm>
-          <a:custGeom>
-            <a:avLst/>
-            <a:gdLst/>
-            <a:ahLst/>
-            <a:cxnLst/>
-            <a:rect l="l" t="t" r="r" b="b"/>
-            <a:pathLst>
-              <a:path w="120000" h="120000" extrusionOk="0">
-                <a:moveTo>
-                  <a:pt x="0" y="0"/>
-                </a:moveTo>
-                <a:lnTo>
-                  <a:pt x="120000" y="0"/>
-                </a:lnTo>
-                <a:lnTo>
-                  <a:pt x="120000" y="120000"/>
-                </a:lnTo>
-                <a:lnTo>
-                  <a:pt x="0" y="120000"/>
-                </a:lnTo>
-                <a:close/>
-              </a:path>
-            </a:pathLst>
-          </a:custGeom>
-        </p:spPr>
-      </p:sp>
-    </p:spTree>
-  </p:cSld>
-  <p:clrMapOvr>
-    <a:masterClrMapping/>
-  </p:clrMapOvr>
-</p:notes>
-</file>
-
-<file path=ppt/notesSlides/notesSlide2.xml><?xml version="1.0" encoding="utf-8"?>
-<p:notes xmlns:a="http://schemas.openxmlformats.org/drawingml/2006/main" xmlns:r="http://schemas.openxmlformats.org/officeDocument/2006/relationships" xmlns:p="http://schemas.openxmlformats.org/presentationml/2006/main">
-  <p:cSld>
-    <p:spTree>
-      <p:nvGrpSpPr>
-        <p:cNvPr id="1" name=""/>
-        <p:cNvGrpSpPr/>
-        <p:nvPr/>
-      </p:nvGrpSpPr>
-      <p:grpSpPr>
-        <a:xfrm>
-          <a:off x="0" y="0"/>
-          <a:ext cx="0" cy="0"/>
-          <a:chOff x="0" y="0"/>
-          <a:chExt cx="0" cy="0"/>
-        </a:xfrm>
-      </p:grpSpPr>
-      <p:sp>
-        <p:nvSpPr>
-          <p:cNvPr id="11266" name="Rectangle 7">
-            <a:extLst>
-              <a:ext uri="{FF2B5EF4-FFF2-40B4-BE49-F238E27FC236}">
-                <a16:creationId xmlns:a16="http://schemas.microsoft.com/office/drawing/2014/main" id="{D71BEEBA-F5E7-47CD-860C-0FE77774A5CF}"/>
-              </a:ext>
-            </a:extLst>
-          </p:cNvPr>
-          <p:cNvSpPr>
-            <a:spLocks noGrp="1" noChangeArrowheads="1"/>
-          </p:cNvSpPr>
-          <p:nvPr>
-            <p:ph type="sldNum" sz="quarter" idx="5"/>
-          </p:nvPr>
-        </p:nvSpPr>
-        <p:spPr>
-          <a:noFill/>
-        </p:spPr>
-        <p:txBody>
-          <a:bodyPr/>
-          <a:lstStyle>
-            <a:lvl1pPr>
-              <a:defRPr sz="2400">
-                <a:solidFill>
-                  <a:schemeClr val="tx1"/>
-                </a:solidFill>
-                <a:latin typeface="Times New Roman" panose="02020603050405020304" pitchFamily="18" charset="0"/>
-              </a:defRPr>
-            </a:lvl1pPr>
-            <a:lvl2pPr marL="742950" indent="-285750">
-              <a:defRPr sz="2400">
-                <a:solidFill>
-                  <a:schemeClr val="tx1"/>
-                </a:solidFill>
-                <a:latin typeface="Times New Roman" panose="02020603050405020304" pitchFamily="18" charset="0"/>
-              </a:defRPr>
-            </a:lvl2pPr>
-            <a:lvl3pPr marL="1143000" indent="-228600">
-              <a:defRPr sz="2400">
-                <a:solidFill>
-                  <a:schemeClr val="tx1"/>
-                </a:solidFill>
-                <a:latin typeface="Times New Roman" panose="02020603050405020304" pitchFamily="18" charset="0"/>
-              </a:defRPr>
-            </a:lvl3pPr>
-            <a:lvl4pPr marL="1600200" indent="-228600">
-              <a:defRPr sz="2400">
-                <a:solidFill>
-                  <a:schemeClr val="tx1"/>
-                </a:solidFill>
-                <a:latin typeface="Times New Roman" panose="02020603050405020304" pitchFamily="18" charset="0"/>
-              </a:defRPr>
-            </a:lvl4pPr>
-            <a:lvl5pPr marL="2057400" indent="-228600">
-              <a:defRPr sz="2400">
-                <a:solidFill>
-                  <a:schemeClr val="tx1"/>
-                </a:solidFill>
-                <a:latin typeface="Times New Roman" panose="02020603050405020304" pitchFamily="18" charset="0"/>
-              </a:defRPr>
-            </a:lvl5pPr>
-            <a:lvl6pPr marL="2514600" indent="-228600" eaLnBrk="0" fontAlgn="base" hangingPunct="0">
-              <a:spcBef>
-                <a:spcPct val="0"/>
-              </a:spcBef>
-              <a:spcAft>
-                <a:spcPct val="0"/>
-              </a:spcAft>
-              <a:defRPr sz="2400">
-                <a:solidFill>
-                  <a:schemeClr val="tx1"/>
-                </a:solidFill>
-                <a:latin typeface="Times New Roman" panose="02020603050405020304" pitchFamily="18" charset="0"/>
-              </a:defRPr>
-            </a:lvl6pPr>
-            <a:lvl7pPr marL="2971800" indent="-228600" eaLnBrk="0" fontAlgn="base" hangingPunct="0">
-              <a:spcBef>
-                <a:spcPct val="0"/>
-              </a:spcBef>
-              <a:spcAft>
-                <a:spcPct val="0"/>
-              </a:spcAft>
-              <a:defRPr sz="2400">
-                <a:solidFill>
-                  <a:schemeClr val="tx1"/>
-                </a:solidFill>
-                <a:latin typeface="Times New Roman" panose="02020603050405020304" pitchFamily="18" charset="0"/>
-              </a:defRPr>
-            </a:lvl7pPr>
-            <a:lvl8pPr marL="3429000" indent="-228600" eaLnBrk="0" fontAlgn="base" hangingPunct="0">
-              <a:spcBef>
-                <a:spcPct val="0"/>
-              </a:spcBef>
-              <a:spcAft>
-                <a:spcPct val="0"/>
-              </a:spcAft>
-              <a:defRPr sz="2400">
-                <a:solidFill>
-                  <a:schemeClr val="tx1"/>
-                </a:solidFill>
-                <a:latin typeface="Times New Roman" panose="02020603050405020304" pitchFamily="18" charset="0"/>
-              </a:defRPr>
-            </a:lvl8pPr>
-            <a:lvl9pPr marL="3886200" indent="-228600" eaLnBrk="0" fontAlgn="base" hangingPunct="0">
-              <a:spcBef>
-                <a:spcPct val="0"/>
-              </a:spcBef>
-              <a:spcAft>
-                <a:spcPct val="0"/>
-              </a:spcAft>
-              <a:defRPr sz="2400">
-                <a:solidFill>
-                  <a:schemeClr val="tx1"/>
-                </a:solidFill>
-                <a:latin typeface="Times New Roman" panose="02020603050405020304" pitchFamily="18" charset="0"/>
-              </a:defRPr>
-            </a:lvl9pPr>
-          </a:lstStyle>
-          <a:p>
-            <a:fld id="{14D6B635-A2D2-4B0C-8437-876125D6C05F}" type="slidenum">
-              <a:rPr lang="en-US" altLang="en-US" sz="1200" smtClean="0"/>
-              <a:pPr/>
-              <a:t>2</a:t>
-            </a:fld>
-            <a:endParaRPr lang="en-US" altLang="en-US" sz="1200"/>
-          </a:p>
-        </p:txBody>
-      </p:sp>
-      <p:sp>
-        <p:nvSpPr>
-          <p:cNvPr id="11267" name="Rectangle 2">
-            <a:extLst>
-              <a:ext uri="{FF2B5EF4-FFF2-40B4-BE49-F238E27FC236}">
-                <a16:creationId xmlns:a16="http://schemas.microsoft.com/office/drawing/2014/main" id="{F7B5BA8E-807B-4A00-AFCC-75A419BB3F93}"/>
-              </a:ext>
-            </a:extLst>
-          </p:cNvPr>
-          <p:cNvSpPr>
-            <a:spLocks noGrp="1" noRot="1" noChangeAspect="1" noChangeArrowheads="1" noTextEdit="1"/>
-          </p:cNvSpPr>
-          <p:nvPr>
-            <p:ph type="sldImg"/>
-          </p:nvPr>
-        </p:nvSpPr>
-        <p:spPr>
-          <a:solidFill>
-            <a:srgbClr val="FFFFFF"/>
-          </a:solidFill>
-          <a:ln/>
-        </p:spPr>
-      </p:sp>
-      <p:sp>
-        <p:nvSpPr>
-          <p:cNvPr id="11268" name="Rectangle 3">
-            <a:extLst>
-              <a:ext uri="{FF2B5EF4-FFF2-40B4-BE49-F238E27FC236}">
-                <a16:creationId xmlns:a16="http://schemas.microsoft.com/office/drawing/2014/main" id="{EE6D46B9-58B1-49D5-BB64-BD9E495F4F47}"/>
-              </a:ext>
-            </a:extLst>
-          </p:cNvPr>
-          <p:cNvSpPr>
-            <a:spLocks noGrp="1" noChangeArrowheads="1"/>
-          </p:cNvSpPr>
-          <p:nvPr>
-            <p:ph type="body" idx="1"/>
-          </p:nvPr>
-        </p:nvSpPr>
-        <p:spPr>
-          <a:solidFill>
-            <a:srgbClr val="FFFFFF"/>
-          </a:solidFill>
-          <a:ln>
-            <a:solidFill>
-              <a:srgbClr val="000000"/>
-            </a:solidFill>
-            <a:miter lim="800000"/>
-            <a:headEnd/>
-            <a:tailEnd/>
-          </a:ln>
-        </p:spPr>
-        <p:txBody>
-          <a:bodyPr/>
-          <a:lstStyle/>
-          <a:p>
-            <a:endParaRPr lang="en-US" altLang="en-US"/>
-          </a:p>
-        </p:txBody>
-      </p:sp>
-    </p:spTree>
-  </p:cSld>
-  <p:clrMapOvr>
-    <a:masterClrMapping/>
-  </p:clrMapOvr>
-</p:notes>
-</file>
-
 <file path=ppt/slideLayouts/slideLayout1.xml><?xml version="1.0" encoding="utf-8"?>
 <p:sldLayout xmlns:a="http://schemas.openxmlformats.org/drawingml/2006/main" xmlns:r="http://schemas.openxmlformats.org/officeDocument/2006/relationships" xmlns:p="http://schemas.openxmlformats.org/presentationml/2006/main" showMasterSp="0" type="title" preserve="1">
   <p:cSld name="Title Slide">
@@ -1029,7 +709,7 @@
           <a:p>
             <a:fld id="{96DFF08F-DC6B-4601-B491-B0F83F6DD2DA}" type="datetimeFigureOut">
               <a:rPr lang="en-US" dirty="0"/>
-              <a:t>12/20/2023</a:t>
+              <a:t>12/22/2023</a:t>
             </a:fld>
             <a:endParaRPr lang="en-US" dirty="0"/>
           </a:p>
@@ -1237,7 +917,7 @@
           <a:p>
             <a:fld id="{96DFF08F-DC6B-4601-B491-B0F83F6DD2DA}" type="datetimeFigureOut">
               <a:rPr lang="en-US" dirty="0"/>
-              <a:t>12/20/2023</a:t>
+              <a:t>12/22/2023</a:t>
             </a:fld>
             <a:endParaRPr lang="en-US" dirty="0"/>
           </a:p>
@@ -1493,7 +1173,7 @@
           <a:p>
             <a:fld id="{96DFF08F-DC6B-4601-B491-B0F83F6DD2DA}" type="datetimeFigureOut">
               <a:rPr lang="en-US" dirty="0"/>
-              <a:t>12/20/2023</a:t>
+              <a:t>12/22/2023</a:t>
             </a:fld>
             <a:endParaRPr lang="en-US" dirty="0"/>
           </a:p>
@@ -1663,7 +1343,7 @@
           <a:p>
             <a:fld id="{A3E28D29-1ECB-41DF-951B-2A23F95AD026}" type="datetimeFigureOut">
               <a:rPr lang="en-US" dirty="0"/>
-              <a:t>12/20/2023</a:t>
+              <a:t>12/22/2023</a:t>
             </a:fld>
             <a:endParaRPr lang="en-US" dirty="0"/>
           </a:p>
@@ -2006,7 +1686,7 @@
           <a:p>
             <a:fld id="{96DFF08F-DC6B-4601-B491-B0F83F6DD2DA}" type="datetimeFigureOut">
               <a:rPr lang="en-US" dirty="0"/>
-              <a:t>12/20/2023</a:t>
+              <a:t>12/22/2023</a:t>
             </a:fld>
             <a:endParaRPr lang="en-US" dirty="0"/>
           </a:p>
@@ -2281,7 +1961,7 @@
           <a:p>
             <a:fld id="{96DFF08F-DC6B-4601-B491-B0F83F6DD2DA}" type="datetimeFigureOut">
               <a:rPr lang="en-US" dirty="0"/>
-              <a:t>12/20/2023</a:t>
+              <a:t>12/22/2023</a:t>
             </a:fld>
             <a:endParaRPr lang="en-US" dirty="0"/>
           </a:p>
@@ -2660,7 +2340,7 @@
           <a:p>
             <a:fld id="{96DFF08F-DC6B-4601-B491-B0F83F6DD2DA}" type="datetimeFigureOut">
               <a:rPr lang="en-US" dirty="0"/>
-              <a:t>12/20/2023</a:t>
+              <a:t>12/22/2023</a:t>
             </a:fld>
             <a:endParaRPr lang="en-US" dirty="0"/>
           </a:p>
@@ -2778,7 +2458,7 @@
           <a:p>
             <a:fld id="{96DFF08F-DC6B-4601-B491-B0F83F6DD2DA}" type="datetimeFigureOut">
               <a:rPr lang="en-US" dirty="0"/>
-              <a:t>12/20/2023</a:t>
+              <a:t>12/22/2023</a:t>
             </a:fld>
             <a:endParaRPr lang="en-US" dirty="0"/>
           </a:p>
@@ -2950,7 +2630,7 @@
             <a:fld id="{96DFF08F-DC6B-4601-B491-B0F83F6DD2DA}" type="datetimeFigureOut">
               <a:rPr lang="en-US" dirty="0"/>
               <a:pPr/>
-              <a:t>12/20/2023</a:t>
+              <a:t>12/22/2023</a:t>
             </a:fld>
             <a:endParaRPr lang="en-US" dirty="0"/>
           </a:p>
@@ -3306,7 +2986,7 @@
             <a:fld id="{96DFF08F-DC6B-4601-B491-B0F83F6DD2DA}" type="datetimeFigureOut">
               <a:rPr lang="en-US" dirty="0"/>
               <a:pPr/>
-              <a:t>12/20/2023</a:t>
+              <a:t>12/22/2023</a:t>
             </a:fld>
             <a:endParaRPr lang="en-US" dirty="0"/>
           </a:p>
@@ -3689,7 +3369,7 @@
           <a:p>
             <a:fld id="{96DFF08F-DC6B-4601-B491-B0F83F6DD2DA}" type="datetimeFigureOut">
               <a:rPr lang="en-US" dirty="0"/>
-              <a:t>12/20/2023</a:t>
+              <a:t>12/22/2023</a:t>
             </a:fld>
             <a:endParaRPr lang="en-US" dirty="0"/>
           </a:p>
@@ -3977,7 +3657,7 @@
             <a:fld id="{96DFF08F-DC6B-4601-B491-B0F83F6DD2DA}" type="datetimeFigureOut">
               <a:rPr lang="en-US" dirty="0"/>
               <a:pPr/>
-              <a:t>12/20/2023</a:t>
+              <a:t>12/22/2023</a:t>
             </a:fld>
             <a:endParaRPr lang="en-US" dirty="0"/>
           </a:p>
@@ -4490,205 +4170,6 @@
   <p:cSld>
     <p:spTree>
       <p:nvGrpSpPr>
-        <p:cNvPr id="1" name="Shape 209"/>
-        <p:cNvGrpSpPr/>
-        <p:nvPr/>
-      </p:nvGrpSpPr>
-      <p:grpSpPr>
-        <a:xfrm>
-          <a:off x="0" y="0"/>
-          <a:ext cx="0" cy="0"/>
-          <a:chOff x="0" y="0"/>
-          <a:chExt cx="0" cy="0"/>
-        </a:xfrm>
-      </p:grpSpPr>
-      <p:sp>
-        <p:nvSpPr>
-          <p:cNvPr id="210" name="Google Shape;210;p1"/>
-          <p:cNvSpPr/>
-          <p:nvPr/>
-        </p:nvSpPr>
-        <p:spPr>
-          <a:xfrm>
-            <a:off x="1816879" y="2519264"/>
-            <a:ext cx="6855854" cy="1915879"/>
-          </a:xfrm>
-          <a:prstGeom prst="rect">
-            <a:avLst/>
-          </a:prstGeom>
-          <a:noFill/>
-          <a:ln>
-            <a:noFill/>
-          </a:ln>
-        </p:spPr>
-        <p:txBody>
-          <a:bodyPr spcFirstLastPara="1" wrap="square" lIns="68569" tIns="34275" rIns="68569" bIns="34275" anchor="t" anchorCtr="0">
-            <a:spAutoFit/>
-          </a:bodyPr>
-          <a:lstStyle/>
-          <a:p>
-            <a:pPr algn="ctr" defTabSz="685800">
-              <a:buClr>
-                <a:srgbClr val="EB5B29"/>
-              </a:buClr>
-              <a:buSzPts val="4400"/>
-              <a:defRPr/>
-            </a:pPr>
-            <a:r>
-              <a:rPr lang="en-US" sz="3000" b="1" kern="0" dirty="0">
-                <a:solidFill>
-                  <a:srgbClr val="EB5B29"/>
-                </a:solidFill>
-                <a:latin typeface="Candara"/>
-                <a:ea typeface="Candara"/>
-                <a:cs typeface="Candara"/>
-                <a:sym typeface="Candara"/>
-              </a:rPr>
-              <a:t>HDFC - Data Digits-Programming with C#   </a:t>
-            </a:r>
-          </a:p>
-          <a:p>
-            <a:pPr algn="ctr" defTabSz="685800">
-              <a:buClr>
-                <a:srgbClr val="EB5B29"/>
-              </a:buClr>
-              <a:buSzPts val="4400"/>
-              <a:defRPr/>
-            </a:pPr>
-            <a:r>
-              <a:rPr lang="en-US" sz="3000" b="1" kern="0" dirty="0">
-                <a:solidFill>
-                  <a:srgbClr val="EB5B29"/>
-                </a:solidFill>
-                <a:latin typeface="Candara"/>
-                <a:ea typeface="Candara"/>
-                <a:cs typeface="Candara"/>
-                <a:sym typeface="Candara"/>
-              </a:rPr>
-              <a:t>Arrays &amp; Strings</a:t>
-            </a:r>
-          </a:p>
-          <a:p>
-            <a:pPr algn="ctr" defTabSz="685800">
-              <a:buClr>
-                <a:srgbClr val="EB5B29"/>
-              </a:buClr>
-              <a:buSzPts val="4400"/>
-              <a:defRPr/>
-            </a:pPr>
-            <a:r>
-              <a:rPr lang="en-US" sz="3000" b="1" kern="0" dirty="0">
-                <a:solidFill>
-                  <a:srgbClr val="EB5B29"/>
-                </a:solidFill>
-                <a:latin typeface="Candara"/>
-                <a:ea typeface="Candara"/>
-                <a:cs typeface="Candara"/>
-                <a:sym typeface="Candara"/>
-              </a:rPr>
-              <a:t>10/19/2022 </a:t>
-            </a:r>
-          </a:p>
-          <a:p>
-            <a:pPr algn="ctr" defTabSz="685800">
-              <a:buClr>
-                <a:srgbClr val="EB5B29"/>
-              </a:buClr>
-              <a:buSzPts val="4400"/>
-              <a:defRPr/>
-            </a:pPr>
-            <a:endParaRPr lang="en-US" sz="3000" b="1" kern="0" dirty="0">
-              <a:solidFill>
-                <a:srgbClr val="EB5B29"/>
-              </a:solidFill>
-              <a:latin typeface="Candara"/>
-              <a:ea typeface="Candara"/>
-              <a:cs typeface="Candara"/>
-              <a:sym typeface="Candara"/>
-            </a:endParaRPr>
-          </a:p>
-        </p:txBody>
-      </p:sp>
-      <p:sp>
-        <p:nvSpPr>
-          <p:cNvPr id="212" name="Google Shape;212;p1"/>
-          <p:cNvSpPr txBox="1"/>
-          <p:nvPr/>
-        </p:nvSpPr>
-        <p:spPr>
-          <a:xfrm>
-            <a:off x="3575354" y="5055116"/>
-            <a:ext cx="3545060" cy="623217"/>
-          </a:xfrm>
-          <a:prstGeom prst="rect">
-            <a:avLst/>
-          </a:prstGeom>
-          <a:noFill/>
-          <a:ln>
-            <a:noFill/>
-          </a:ln>
-        </p:spPr>
-        <p:txBody>
-          <a:bodyPr spcFirstLastPara="1" wrap="square" lIns="68569" tIns="34275" rIns="68569" bIns="34275" anchor="t" anchorCtr="0">
-            <a:spAutoFit/>
-          </a:bodyPr>
-          <a:lstStyle/>
-          <a:p>
-            <a:pPr algn="ctr" defTabSz="685800">
-              <a:buClr>
-                <a:srgbClr val="E2490C"/>
-              </a:buClr>
-              <a:buSzPts val="2400"/>
-              <a:defRPr/>
-            </a:pPr>
-            <a:r>
-              <a:rPr lang="en-IN" kern="0" dirty="0">
-                <a:solidFill>
-                  <a:srgbClr val="E2490C"/>
-                </a:solidFill>
-                <a:latin typeface="Candara"/>
-                <a:ea typeface="Candara"/>
-                <a:cs typeface="Candara"/>
-                <a:sym typeface="Candara"/>
-              </a:rPr>
-              <a:t>EMPOWERING </a:t>
-            </a:r>
-            <a:r>
-              <a:rPr lang="en-IN" kern="0" dirty="0">
-                <a:solidFill>
-                  <a:srgbClr val="262626"/>
-                </a:solidFill>
-                <a:latin typeface="Candara"/>
-                <a:ea typeface="Candara"/>
-                <a:cs typeface="Candara"/>
-                <a:sym typeface="Candara"/>
-              </a:rPr>
-              <a:t>High Performance Technology Teams</a:t>
-            </a:r>
-            <a:endParaRPr sz="1050" kern="0" dirty="0">
-              <a:solidFill>
-                <a:srgbClr val="000000"/>
-              </a:solidFill>
-              <a:latin typeface="Arial"/>
-              <a:cs typeface="Arial"/>
-              <a:sym typeface="Arial"/>
-            </a:endParaRPr>
-          </a:p>
-        </p:txBody>
-      </p:sp>
-    </p:spTree>
-  </p:cSld>
-  <p:clrMapOvr>
-    <a:masterClrMapping/>
-  </p:clrMapOvr>
-</p:sld>
-</file>
-
-<file path=ppt/slides/slide10.xml><?xml version="1.0" encoding="utf-8"?>
-<p:sld xmlns:a="http://schemas.openxmlformats.org/drawingml/2006/main" xmlns:r="http://schemas.openxmlformats.org/officeDocument/2006/relationships" xmlns:p="http://schemas.openxmlformats.org/presentationml/2006/main">
-  <p:cSld>
-    <p:spTree>
-      <p:nvGrpSpPr>
         <p:cNvPr id="1" name=""/>
         <p:cNvGrpSpPr/>
         <p:nvPr/>
@@ -4740,2635 +4221,6 @@
                 <a:cs typeface="Arial"/>
                 <a:sym typeface="Arial"/>
               </a:rPr>
-              <a:t>Overall Summary</a:t>
-            </a:r>
-          </a:p>
-        </p:txBody>
-      </p:sp>
-      <p:sp>
-        <p:nvSpPr>
-          <p:cNvPr id="3" name="Content Placeholder 6">
-            <a:extLst>
-              <a:ext uri="{FF2B5EF4-FFF2-40B4-BE49-F238E27FC236}">
-                <a16:creationId xmlns:a16="http://schemas.microsoft.com/office/drawing/2014/main" id="{CF71614C-6C6F-F4EF-F0D3-3D460CB1F025}"/>
-              </a:ext>
-            </a:extLst>
-          </p:cNvPr>
-          <p:cNvSpPr txBox="1">
-            <a:spLocks/>
-          </p:cNvSpPr>
-          <p:nvPr/>
-        </p:nvSpPr>
-        <p:spPr>
-          <a:xfrm>
-            <a:off x="382605" y="1709086"/>
-            <a:ext cx="8132746" cy="3780887"/>
-          </a:xfrm>
-          <a:prstGeom prst="rect">
-            <a:avLst/>
-          </a:prstGeom>
-        </p:spPr>
-        <p:txBody>
-          <a:bodyPr/>
-          <a:lstStyle>
-            <a:lvl1pPr marL="228600" indent="-228600" algn="l" defTabSz="914400" rtl="0" eaLnBrk="1" latinLnBrk="0" hangingPunct="1">
-              <a:lnSpc>
-                <a:spcPct val="90000"/>
-              </a:lnSpc>
-              <a:spcBef>
-                <a:spcPts val="1000"/>
-              </a:spcBef>
-              <a:buFont typeface="Arial" panose="020B0604020202020204" pitchFamily="34" charset="0"/>
-              <a:buChar char="•"/>
-              <a:defRPr sz="2800" kern="1200">
-                <a:solidFill>
-                  <a:schemeClr val="tx1"/>
-                </a:solidFill>
-                <a:latin typeface="+mn-lt"/>
-                <a:ea typeface="+mn-ea"/>
-                <a:cs typeface="+mn-cs"/>
-              </a:defRPr>
-            </a:lvl1pPr>
-            <a:lvl2pPr marL="685800" indent="-228600" algn="l" defTabSz="914400" rtl="0" eaLnBrk="1" latinLnBrk="0" hangingPunct="1">
-              <a:lnSpc>
-                <a:spcPct val="90000"/>
-              </a:lnSpc>
-              <a:spcBef>
-                <a:spcPts val="500"/>
-              </a:spcBef>
-              <a:buFont typeface="Arial" panose="020B0604020202020204" pitchFamily="34" charset="0"/>
-              <a:buChar char="•"/>
-              <a:defRPr sz="2400" kern="1200">
-                <a:solidFill>
-                  <a:schemeClr val="tx1"/>
-                </a:solidFill>
-                <a:latin typeface="+mn-lt"/>
-                <a:ea typeface="+mn-ea"/>
-                <a:cs typeface="+mn-cs"/>
-              </a:defRPr>
-            </a:lvl2pPr>
-            <a:lvl3pPr marL="1143000" indent="-228600" algn="l" defTabSz="914400" rtl="0" eaLnBrk="1" latinLnBrk="0" hangingPunct="1">
-              <a:lnSpc>
-                <a:spcPct val="90000"/>
-              </a:lnSpc>
-              <a:spcBef>
-                <a:spcPts val="500"/>
-              </a:spcBef>
-              <a:buFont typeface="Arial" panose="020B0604020202020204" pitchFamily="34" charset="0"/>
-              <a:buChar char="•"/>
-              <a:defRPr sz="2000" kern="1200">
-                <a:solidFill>
-                  <a:schemeClr val="tx1"/>
-                </a:solidFill>
-                <a:latin typeface="+mn-lt"/>
-                <a:ea typeface="+mn-ea"/>
-                <a:cs typeface="+mn-cs"/>
-              </a:defRPr>
-            </a:lvl3pPr>
-            <a:lvl4pPr marL="1600200" indent="-228600" algn="l" defTabSz="914400" rtl="0" eaLnBrk="1" latinLnBrk="0" hangingPunct="1">
-              <a:lnSpc>
-                <a:spcPct val="90000"/>
-              </a:lnSpc>
-              <a:spcBef>
-                <a:spcPts val="500"/>
-              </a:spcBef>
-              <a:buFont typeface="Arial" panose="020B0604020202020204" pitchFamily="34" charset="0"/>
-              <a:buChar char="•"/>
-              <a:defRPr sz="1800" kern="1200">
-                <a:solidFill>
-                  <a:schemeClr val="tx1"/>
-                </a:solidFill>
-                <a:latin typeface="+mn-lt"/>
-                <a:ea typeface="+mn-ea"/>
-                <a:cs typeface="+mn-cs"/>
-              </a:defRPr>
-            </a:lvl4pPr>
-            <a:lvl5pPr marL="2057400" indent="-228600" algn="l" defTabSz="914400" rtl="0" eaLnBrk="1" latinLnBrk="0" hangingPunct="1">
-              <a:lnSpc>
-                <a:spcPct val="90000"/>
-              </a:lnSpc>
-              <a:spcBef>
-                <a:spcPts val="500"/>
-              </a:spcBef>
-              <a:buFont typeface="Arial" panose="020B0604020202020204" pitchFamily="34" charset="0"/>
-              <a:buChar char="•"/>
-              <a:defRPr sz="1800" kern="1200">
-                <a:solidFill>
-                  <a:schemeClr val="tx1"/>
-                </a:solidFill>
-                <a:latin typeface="+mn-lt"/>
-                <a:ea typeface="+mn-ea"/>
-                <a:cs typeface="+mn-cs"/>
-              </a:defRPr>
-            </a:lvl5pPr>
-            <a:lvl6pPr marL="2514600" indent="-228600" algn="l" defTabSz="914400" rtl="0" eaLnBrk="1" latinLnBrk="0" hangingPunct="1">
-              <a:lnSpc>
-                <a:spcPct val="90000"/>
-              </a:lnSpc>
-              <a:spcBef>
-                <a:spcPts val="500"/>
-              </a:spcBef>
-              <a:buFont typeface="Arial" panose="020B0604020202020204" pitchFamily="34" charset="0"/>
-              <a:buChar char="•"/>
-              <a:defRPr sz="1800" kern="1200">
-                <a:solidFill>
-                  <a:schemeClr val="tx1"/>
-                </a:solidFill>
-                <a:latin typeface="+mn-lt"/>
-                <a:ea typeface="+mn-ea"/>
-                <a:cs typeface="+mn-cs"/>
-              </a:defRPr>
-            </a:lvl6pPr>
-            <a:lvl7pPr marL="2971800" indent="-228600" algn="l" defTabSz="914400" rtl="0" eaLnBrk="1" latinLnBrk="0" hangingPunct="1">
-              <a:lnSpc>
-                <a:spcPct val="90000"/>
-              </a:lnSpc>
-              <a:spcBef>
-                <a:spcPts val="500"/>
-              </a:spcBef>
-              <a:buFont typeface="Arial" panose="020B0604020202020204" pitchFamily="34" charset="0"/>
-              <a:buChar char="•"/>
-              <a:defRPr sz="1800" kern="1200">
-                <a:solidFill>
-                  <a:schemeClr val="tx1"/>
-                </a:solidFill>
-                <a:latin typeface="+mn-lt"/>
-                <a:ea typeface="+mn-ea"/>
-                <a:cs typeface="+mn-cs"/>
-              </a:defRPr>
-            </a:lvl7pPr>
-            <a:lvl8pPr marL="3429000" indent="-228600" algn="l" defTabSz="914400" rtl="0" eaLnBrk="1" latinLnBrk="0" hangingPunct="1">
-              <a:lnSpc>
-                <a:spcPct val="90000"/>
-              </a:lnSpc>
-              <a:spcBef>
-                <a:spcPts val="500"/>
-              </a:spcBef>
-              <a:buFont typeface="Arial" panose="020B0604020202020204" pitchFamily="34" charset="0"/>
-              <a:buChar char="•"/>
-              <a:defRPr sz="1800" kern="1200">
-                <a:solidFill>
-                  <a:schemeClr val="tx1"/>
-                </a:solidFill>
-                <a:latin typeface="+mn-lt"/>
-                <a:ea typeface="+mn-ea"/>
-                <a:cs typeface="+mn-cs"/>
-              </a:defRPr>
-            </a:lvl8pPr>
-            <a:lvl9pPr marL="3886200" indent="-228600" algn="l" defTabSz="914400" rtl="0" eaLnBrk="1" latinLnBrk="0" hangingPunct="1">
-              <a:lnSpc>
-                <a:spcPct val="90000"/>
-              </a:lnSpc>
-              <a:spcBef>
-                <a:spcPts val="500"/>
-              </a:spcBef>
-              <a:buFont typeface="Arial" panose="020B0604020202020204" pitchFamily="34" charset="0"/>
-              <a:buChar char="•"/>
-              <a:defRPr sz="1800" kern="1200">
-                <a:solidFill>
-                  <a:schemeClr val="tx1"/>
-                </a:solidFill>
-                <a:latin typeface="+mn-lt"/>
-                <a:ea typeface="+mn-ea"/>
-                <a:cs typeface="+mn-cs"/>
-              </a:defRPr>
-            </a:lvl9pPr>
-          </a:lstStyle>
-          <a:p>
-            <a:r>
-              <a:rPr lang="en-US" sz="2000" dirty="0">
-                <a:latin typeface="Candara" panose="020E0502030303020204" pitchFamily="34" charset="0"/>
-              </a:rPr>
-              <a:t>Arrays</a:t>
-            </a:r>
-          </a:p>
-          <a:p>
-            <a:r>
-              <a:rPr lang="en-US" sz="2000" dirty="0">
-                <a:latin typeface="Candara" panose="020E0502030303020204" pitchFamily="34" charset="0"/>
-              </a:rPr>
-              <a:t>Rectangle Array</a:t>
-            </a:r>
-          </a:p>
-          <a:p>
-            <a:r>
-              <a:rPr lang="en-US" sz="2000" dirty="0">
-                <a:latin typeface="Candara" panose="020E0502030303020204" pitchFamily="34" charset="0"/>
-              </a:rPr>
-              <a:t>Jagged Array</a:t>
-            </a:r>
-          </a:p>
-          <a:p>
-            <a:r>
-              <a:rPr lang="en-US" sz="2000" dirty="0">
-                <a:latin typeface="Candara" panose="020E0502030303020204" pitchFamily="34" charset="0"/>
-              </a:rPr>
-              <a:t>Strings</a:t>
-            </a:r>
-          </a:p>
-          <a:p>
-            <a:r>
-              <a:rPr lang="en-US" sz="2000" dirty="0">
-                <a:latin typeface="Candara" panose="020E0502030303020204" pitchFamily="34" charset="0"/>
-              </a:rPr>
-              <a:t>String Builder</a:t>
-            </a:r>
-          </a:p>
-          <a:p>
-            <a:endParaRPr lang="en-US" sz="2100" dirty="0"/>
-          </a:p>
-        </p:txBody>
-      </p:sp>
-    </p:spTree>
-    <p:extLst>
-      <p:ext uri="{BB962C8B-B14F-4D97-AF65-F5344CB8AC3E}">
-        <p14:creationId xmlns:p14="http://schemas.microsoft.com/office/powerpoint/2010/main" val="1600188569"/>
-      </p:ext>
-    </p:extLst>
-  </p:cSld>
-  <p:clrMapOvr>
-    <a:masterClrMapping/>
-  </p:clrMapOvr>
-</p:sld>
-</file>
-
-<file path=ppt/slides/slide11.xml><?xml version="1.0" encoding="utf-8"?>
-<p:sld xmlns:a="http://schemas.openxmlformats.org/drawingml/2006/main" xmlns:r="http://schemas.openxmlformats.org/officeDocument/2006/relationships" xmlns:p="http://schemas.openxmlformats.org/presentationml/2006/main">
-  <p:cSld>
-    <p:spTree>
-      <p:nvGrpSpPr>
-        <p:cNvPr id="1" name=""/>
-        <p:cNvGrpSpPr/>
-        <p:nvPr/>
-      </p:nvGrpSpPr>
-      <p:grpSpPr>
-        <a:xfrm>
-          <a:off x="0" y="0"/>
-          <a:ext cx="0" cy="0"/>
-          <a:chOff x="0" y="0"/>
-          <a:chExt cx="0" cy="0"/>
-        </a:xfrm>
-      </p:grpSpPr>
-      <p:sp>
-        <p:nvSpPr>
-          <p:cNvPr id="2" name="Rectangle 1">
-            <a:extLst>
-              <a:ext uri="{FF2B5EF4-FFF2-40B4-BE49-F238E27FC236}">
-                <a16:creationId xmlns:a16="http://schemas.microsoft.com/office/drawing/2014/main" id="{E7D599C0-D44B-4BD8-BA8F-ADA415B80AA4}"/>
-              </a:ext>
-            </a:extLst>
-          </p:cNvPr>
-          <p:cNvSpPr/>
-          <p:nvPr/>
-        </p:nvSpPr>
-        <p:spPr>
-          <a:xfrm>
-            <a:off x="3013582" y="3002488"/>
-            <a:ext cx="4265900" cy="507831"/>
-          </a:xfrm>
-          <a:prstGeom prst="rect">
-            <a:avLst/>
-          </a:prstGeom>
-        </p:spPr>
-        <p:txBody>
-          <a:bodyPr wrap="square">
-            <a:spAutoFit/>
-          </a:bodyPr>
-          <a:lstStyle/>
-          <a:p>
-            <a:pPr defTabSz="685800">
-              <a:defRPr/>
-            </a:pPr>
-            <a:r>
-              <a:rPr lang="en-IN" sz="2700" b="1" dirty="0">
-                <a:solidFill>
-                  <a:srgbClr val="E95332"/>
-                </a:solidFill>
-                <a:latin typeface="Candara" panose="020E0502030303020204" pitchFamily="34" charset="0"/>
-                <a:cs typeface="Arial"/>
-                <a:sym typeface="Arial"/>
-              </a:rPr>
-              <a:t>THANK YOU </a:t>
-            </a:r>
-          </a:p>
-        </p:txBody>
-      </p:sp>
-    </p:spTree>
-    <p:extLst>
-      <p:ext uri="{BB962C8B-B14F-4D97-AF65-F5344CB8AC3E}">
-        <p14:creationId xmlns:p14="http://schemas.microsoft.com/office/powerpoint/2010/main" val="2700154142"/>
-      </p:ext>
-    </p:extLst>
-  </p:cSld>
-  <p:clrMapOvr>
-    <a:masterClrMapping/>
-  </p:clrMapOvr>
-</p:sld>
-</file>
-
-<file path=ppt/slides/slide2.xml><?xml version="1.0" encoding="utf-8"?>
-<p:sld xmlns:a="http://schemas.openxmlformats.org/drawingml/2006/main" xmlns:r="http://schemas.openxmlformats.org/officeDocument/2006/relationships" xmlns:p="http://schemas.openxmlformats.org/presentationml/2006/main">
-  <p:cSld>
-    <p:spTree>
-      <p:nvGrpSpPr>
-        <p:cNvPr id="1" name=""/>
-        <p:cNvGrpSpPr/>
-        <p:nvPr/>
-      </p:nvGrpSpPr>
-      <p:grpSpPr>
-        <a:xfrm>
-          <a:off x="0" y="0"/>
-          <a:ext cx="0" cy="0"/>
-          <a:chOff x="0" y="0"/>
-          <a:chExt cx="0" cy="0"/>
-        </a:xfrm>
-      </p:grpSpPr>
-      <p:sp>
-        <p:nvSpPr>
-          <p:cNvPr id="10242" name="Rectangle 2">
-            <a:extLst>
-              <a:ext uri="{FF2B5EF4-FFF2-40B4-BE49-F238E27FC236}">
-                <a16:creationId xmlns:a16="http://schemas.microsoft.com/office/drawing/2014/main" id="{A94DFAB3-3840-468F-AEEC-10E7E65510DE}"/>
-              </a:ext>
-            </a:extLst>
-          </p:cNvPr>
-          <p:cNvSpPr txBox="1">
-            <a:spLocks noGrp="1" noChangeArrowheads="1"/>
-          </p:cNvSpPr>
-          <p:nvPr>
-            <p:ph type="title"/>
-          </p:nvPr>
-        </p:nvSpPr>
-        <p:spPr>
-          <a:xfrm>
-            <a:off x="628650" y="1075568"/>
-            <a:ext cx="7886699" cy="699516"/>
-          </a:xfrm>
-        </p:spPr>
-        <p:txBody>
-          <a:bodyPr vert="horz" lIns="68580" tIns="34290" rIns="68580" bIns="34290" rtlCol="0" anchor="b">
-            <a:normAutofit/>
-          </a:bodyPr>
-          <a:lstStyle/>
-          <a:p>
-            <a:r>
-              <a:rPr lang="en-US" altLang="en-US" b="1" dirty="0">
-                <a:solidFill>
-                  <a:srgbClr val="E95335"/>
-                </a:solidFill>
-                <a:latin typeface="Candara" panose="020E0502030303020204" pitchFamily="34" charset="0"/>
-                <a:ea typeface="+mn-ea"/>
-                <a:cs typeface="+mn-cs"/>
-                <a:sym typeface="Calibri" panose="020F0502020204030204" pitchFamily="34" charset="0"/>
-              </a:rPr>
-              <a:t>Schedule</a:t>
-            </a:r>
-          </a:p>
-        </p:txBody>
-      </p:sp>
-      <p:graphicFrame>
-        <p:nvGraphicFramePr>
-          <p:cNvPr id="2" name="Table 1">
-            <a:extLst>
-              <a:ext uri="{FF2B5EF4-FFF2-40B4-BE49-F238E27FC236}">
-                <a16:creationId xmlns:a16="http://schemas.microsoft.com/office/drawing/2014/main" id="{BA5BD821-4E74-06CA-A7E0-BFBF300FA247}"/>
-              </a:ext>
-            </a:extLst>
-          </p:cNvPr>
-          <p:cNvGraphicFramePr>
-            <a:graphicFrameLocks noGrp="1"/>
-          </p:cNvGraphicFramePr>
-          <p:nvPr/>
-        </p:nvGraphicFramePr>
-        <p:xfrm>
-          <a:off x="628650" y="2050257"/>
-          <a:ext cx="6507956" cy="2160823"/>
-        </p:xfrm>
-        <a:graphic>
-          <a:graphicData uri="http://schemas.openxmlformats.org/drawingml/2006/table">
-            <a:tbl>
-              <a:tblPr/>
-              <a:tblGrid>
-                <a:gridCol w="479903">
-                  <a:extLst>
-                    <a:ext uri="{9D8B030D-6E8A-4147-A177-3AD203B41FA5}">
-                      <a16:colId xmlns:a16="http://schemas.microsoft.com/office/drawing/2014/main" val="565633506"/>
-                    </a:ext>
-                  </a:extLst>
-                </a:gridCol>
-                <a:gridCol w="339444">
-                  <a:extLst>
-                    <a:ext uri="{9D8B030D-6E8A-4147-A177-3AD203B41FA5}">
-                      <a16:colId xmlns:a16="http://schemas.microsoft.com/office/drawing/2014/main" val="3524309699"/>
-                    </a:ext>
-                  </a:extLst>
-                </a:gridCol>
-                <a:gridCol w="3125224">
-                  <a:extLst>
-                    <a:ext uri="{9D8B030D-6E8A-4147-A177-3AD203B41FA5}">
-                      <a16:colId xmlns:a16="http://schemas.microsoft.com/office/drawing/2014/main" val="3406173551"/>
-                    </a:ext>
-                  </a:extLst>
-                </a:gridCol>
-                <a:gridCol w="1240725">
-                  <a:extLst>
-                    <a:ext uri="{9D8B030D-6E8A-4147-A177-3AD203B41FA5}">
-                      <a16:colId xmlns:a16="http://schemas.microsoft.com/office/drawing/2014/main" val="3909824908"/>
-                    </a:ext>
-                  </a:extLst>
-                </a:gridCol>
-                <a:gridCol w="1322660">
-                  <a:extLst>
-                    <a:ext uri="{9D8B030D-6E8A-4147-A177-3AD203B41FA5}">
-                      <a16:colId xmlns:a16="http://schemas.microsoft.com/office/drawing/2014/main" val="401820126"/>
-                    </a:ext>
-                  </a:extLst>
-                </a:gridCol>
-              </a:tblGrid>
-              <a:tr h="681739">
-                <a:tc>
-                  <a:txBody>
-                    <a:bodyPr/>
-                    <a:lstStyle/>
-                    <a:p>
-                      <a:pPr algn="ctr" fontAlgn="ctr"/>
-                      <a:r>
-                        <a:rPr lang="en-IN" sz="800" b="1" i="0" u="none" strike="noStrike" dirty="0">
-                          <a:solidFill>
-                            <a:srgbClr val="FFFFFF"/>
-                          </a:solidFill>
-                          <a:effectLst/>
-                          <a:latin typeface="Candara" panose="020E0502030303020204" pitchFamily="34" charset="0"/>
-                        </a:rPr>
-                        <a:t>Date</a:t>
-                      </a:r>
-                    </a:p>
-                  </a:txBody>
-                  <a:tcPr marL="4763" marR="4763" marT="4763" marB="0" anchor="ctr">
-                    <a:lnL w="6350" cap="flat" cmpd="sng" algn="ctr">
-                      <a:solidFill>
-                        <a:srgbClr val="000000"/>
-                      </a:solidFill>
-                      <a:prstDash val="solid"/>
-                      <a:round/>
-                      <a:headEnd type="none" w="med" len="med"/>
-                      <a:tailEnd type="none" w="med" len="med"/>
-                    </a:lnL>
-                    <a:lnR w="6350" cap="flat" cmpd="sng" algn="ctr">
-                      <a:solidFill>
-                        <a:srgbClr val="000000"/>
-                      </a:solidFill>
-                      <a:prstDash val="solid"/>
-                      <a:round/>
-                      <a:headEnd type="none" w="med" len="med"/>
-                      <a:tailEnd type="none" w="med" len="med"/>
-                    </a:lnR>
-                    <a:lnT w="6350" cap="flat" cmpd="sng" algn="ctr">
-                      <a:solidFill>
-                        <a:srgbClr val="000000"/>
-                      </a:solidFill>
-                      <a:prstDash val="solid"/>
-                      <a:round/>
-                      <a:headEnd type="none" w="med" len="med"/>
-                      <a:tailEnd type="none" w="med" len="med"/>
-                    </a:lnT>
-                    <a:lnB w="6350" cap="flat" cmpd="sng" algn="ctr">
-                      <a:solidFill>
-                        <a:srgbClr val="000000"/>
-                      </a:solidFill>
-                      <a:prstDash val="solid"/>
-                      <a:round/>
-                      <a:headEnd type="none" w="med" len="med"/>
-                      <a:tailEnd type="none" w="med" len="med"/>
-                    </a:lnB>
-                    <a:solidFill>
-                      <a:srgbClr val="E95335"/>
-                    </a:solidFill>
-                  </a:tcPr>
-                </a:tc>
-                <a:tc>
-                  <a:txBody>
-                    <a:bodyPr/>
-                    <a:lstStyle/>
-                    <a:p>
-                      <a:pPr algn="ctr" fontAlgn="ctr"/>
-                      <a:r>
-                        <a:rPr lang="en-IN" sz="800" b="1" i="0" u="none" strike="noStrike">
-                          <a:solidFill>
-                            <a:srgbClr val="FFFFFF"/>
-                          </a:solidFill>
-                          <a:effectLst/>
-                          <a:latin typeface="Candara" panose="020E0502030303020204" pitchFamily="34" charset="0"/>
-                        </a:rPr>
-                        <a:t>Day</a:t>
-                      </a:r>
-                    </a:p>
-                  </a:txBody>
-                  <a:tcPr marL="4763" marR="4763" marT="4763" marB="0" anchor="ctr">
-                    <a:lnL w="6350" cap="flat" cmpd="sng" algn="ctr">
-                      <a:solidFill>
-                        <a:srgbClr val="000000"/>
-                      </a:solidFill>
-                      <a:prstDash val="solid"/>
-                      <a:round/>
-                      <a:headEnd type="none" w="med" len="med"/>
-                      <a:tailEnd type="none" w="med" len="med"/>
-                    </a:lnL>
-                    <a:lnR w="6350" cap="flat" cmpd="sng" algn="ctr">
-                      <a:solidFill>
-                        <a:srgbClr val="000000"/>
-                      </a:solidFill>
-                      <a:prstDash val="solid"/>
-                      <a:round/>
-                      <a:headEnd type="none" w="med" len="med"/>
-                      <a:tailEnd type="none" w="med" len="med"/>
-                    </a:lnR>
-                    <a:lnT w="6350" cap="flat" cmpd="sng" algn="ctr">
-                      <a:solidFill>
-                        <a:srgbClr val="000000"/>
-                      </a:solidFill>
-                      <a:prstDash val="solid"/>
-                      <a:round/>
-                      <a:headEnd type="none" w="med" len="med"/>
-                      <a:tailEnd type="none" w="med" len="med"/>
-                    </a:lnT>
-                    <a:lnB w="6350" cap="flat" cmpd="sng" algn="ctr">
-                      <a:solidFill>
-                        <a:srgbClr val="000000"/>
-                      </a:solidFill>
-                      <a:prstDash val="solid"/>
-                      <a:round/>
-                      <a:headEnd type="none" w="med" len="med"/>
-                      <a:tailEnd type="none" w="med" len="med"/>
-                    </a:lnB>
-                    <a:solidFill>
-                      <a:srgbClr val="E95335"/>
-                    </a:solidFill>
-                  </a:tcPr>
-                </a:tc>
-                <a:tc>
-                  <a:txBody>
-                    <a:bodyPr/>
-                    <a:lstStyle/>
-                    <a:p>
-                      <a:pPr algn="ctr" fontAlgn="ctr"/>
-                      <a:r>
-                        <a:rPr lang="en-IN" sz="800" b="1" i="0" u="none" strike="noStrike">
-                          <a:solidFill>
-                            <a:srgbClr val="FFFFFF"/>
-                          </a:solidFill>
-                          <a:effectLst/>
-                          <a:latin typeface="Candara" panose="020E0502030303020204" pitchFamily="34" charset="0"/>
-                        </a:rPr>
-                        <a:t>Module </a:t>
-                      </a:r>
-                      <a:br>
-                        <a:rPr lang="en-IN" sz="800" b="1" i="0" u="none" strike="noStrike">
-                          <a:solidFill>
-                            <a:srgbClr val="FFFFFF"/>
-                          </a:solidFill>
-                          <a:effectLst/>
-                          <a:latin typeface="Candara" panose="020E0502030303020204" pitchFamily="34" charset="0"/>
-                        </a:rPr>
-                      </a:br>
-                      <a:r>
-                        <a:rPr lang="en-IN" sz="800" b="1" i="0" u="none" strike="noStrike">
-                          <a:solidFill>
-                            <a:srgbClr val="FFFFFF"/>
-                          </a:solidFill>
-                          <a:effectLst/>
-                          <a:latin typeface="Candara" panose="020E0502030303020204" pitchFamily="34" charset="0"/>
-                        </a:rPr>
-                        <a:t>&amp; </a:t>
-                      </a:r>
-                      <a:br>
-                        <a:rPr lang="en-IN" sz="800" b="1" i="0" u="none" strike="noStrike">
-                          <a:solidFill>
-                            <a:srgbClr val="FFFFFF"/>
-                          </a:solidFill>
-                          <a:effectLst/>
-                          <a:latin typeface="Candara" panose="020E0502030303020204" pitchFamily="34" charset="0"/>
-                        </a:rPr>
-                      </a:br>
-                      <a:r>
-                        <a:rPr lang="en-IN" sz="800" b="1" i="0" u="none" strike="noStrike">
-                          <a:solidFill>
-                            <a:srgbClr val="FFFFFF"/>
-                          </a:solidFill>
-                          <a:effectLst/>
-                          <a:latin typeface="Candara" panose="020E0502030303020204" pitchFamily="34" charset="0"/>
-                        </a:rPr>
-                        <a:t>Session</a:t>
-                      </a:r>
-                    </a:p>
-                  </a:txBody>
-                  <a:tcPr marL="4763" marR="4763" marT="4763" marB="0" anchor="ctr">
-                    <a:lnL w="6350" cap="flat" cmpd="sng" algn="ctr">
-                      <a:solidFill>
-                        <a:srgbClr val="000000"/>
-                      </a:solidFill>
-                      <a:prstDash val="solid"/>
-                      <a:round/>
-                      <a:headEnd type="none" w="med" len="med"/>
-                      <a:tailEnd type="none" w="med" len="med"/>
-                    </a:lnL>
-                    <a:lnR w="6350" cap="flat" cmpd="sng" algn="ctr">
-                      <a:solidFill>
-                        <a:srgbClr val="000000"/>
-                      </a:solidFill>
-                      <a:prstDash val="solid"/>
-                      <a:round/>
-                      <a:headEnd type="none" w="med" len="med"/>
-                      <a:tailEnd type="none" w="med" len="med"/>
-                    </a:lnR>
-                    <a:lnT w="6350" cap="flat" cmpd="sng" algn="ctr">
-                      <a:solidFill>
-                        <a:srgbClr val="000000"/>
-                      </a:solidFill>
-                      <a:prstDash val="solid"/>
-                      <a:round/>
-                      <a:headEnd type="none" w="med" len="med"/>
-                      <a:tailEnd type="none" w="med" len="med"/>
-                    </a:lnT>
-                    <a:lnB w="6350" cap="flat" cmpd="sng" algn="ctr">
-                      <a:solidFill>
-                        <a:srgbClr val="000000"/>
-                      </a:solidFill>
-                      <a:prstDash val="solid"/>
-                      <a:round/>
-                      <a:headEnd type="none" w="med" len="med"/>
-                      <a:tailEnd type="none" w="med" len="med"/>
-                    </a:lnB>
-                    <a:solidFill>
-                      <a:srgbClr val="E95335"/>
-                    </a:solidFill>
-                  </a:tcPr>
-                </a:tc>
-                <a:tc>
-                  <a:txBody>
-                    <a:bodyPr/>
-                    <a:lstStyle/>
-                    <a:p>
-                      <a:pPr algn="ctr" fontAlgn="ctr"/>
-                      <a:r>
-                        <a:rPr lang="en-IN" sz="800" b="1" i="0" u="none" strike="noStrike" dirty="0">
-                          <a:solidFill>
-                            <a:srgbClr val="FFFFFF"/>
-                          </a:solidFill>
-                          <a:effectLst/>
-                          <a:latin typeface="Candara" panose="020E0502030303020204" pitchFamily="34" charset="0"/>
-                        </a:rPr>
-                        <a:t>Session </a:t>
-                      </a:r>
-                      <a:br>
-                        <a:rPr lang="en-IN" sz="800" b="1" i="0" u="none" strike="noStrike" dirty="0">
-                          <a:solidFill>
-                            <a:srgbClr val="FFFFFF"/>
-                          </a:solidFill>
-                          <a:effectLst/>
-                          <a:latin typeface="Candara" panose="020E0502030303020204" pitchFamily="34" charset="0"/>
-                        </a:rPr>
-                      </a:br>
-                      <a:r>
-                        <a:rPr lang="en-IN" sz="800" b="1" i="0" u="none" strike="noStrike" dirty="0">
-                          <a:solidFill>
-                            <a:srgbClr val="FFFFFF"/>
-                          </a:solidFill>
-                          <a:effectLst/>
-                          <a:latin typeface="Candara" panose="020E0502030303020204" pitchFamily="34" charset="0"/>
-                        </a:rPr>
-                        <a:t>(Hrs.)</a:t>
-                      </a:r>
-                    </a:p>
-                  </a:txBody>
-                  <a:tcPr marL="4763" marR="4763" marT="4763" marB="0" anchor="ctr">
-                    <a:lnL w="6350" cap="flat" cmpd="sng" algn="ctr">
-                      <a:solidFill>
-                        <a:srgbClr val="000000"/>
-                      </a:solidFill>
-                      <a:prstDash val="solid"/>
-                      <a:round/>
-                      <a:headEnd type="none" w="med" len="med"/>
-                      <a:tailEnd type="none" w="med" len="med"/>
-                    </a:lnL>
-                    <a:lnR w="6350" cap="flat" cmpd="sng" algn="ctr">
-                      <a:solidFill>
-                        <a:srgbClr val="000000"/>
-                      </a:solidFill>
-                      <a:prstDash val="solid"/>
-                      <a:round/>
-                      <a:headEnd type="none" w="med" len="med"/>
-                      <a:tailEnd type="none" w="med" len="med"/>
-                    </a:lnR>
-                    <a:lnT w="6350" cap="flat" cmpd="sng" algn="ctr">
-                      <a:solidFill>
-                        <a:srgbClr val="000000"/>
-                      </a:solidFill>
-                      <a:prstDash val="solid"/>
-                      <a:round/>
-                      <a:headEnd type="none" w="med" len="med"/>
-                      <a:tailEnd type="none" w="med" len="med"/>
-                    </a:lnT>
-                    <a:lnB w="6350" cap="flat" cmpd="sng" algn="ctr">
-                      <a:solidFill>
-                        <a:srgbClr val="000000"/>
-                      </a:solidFill>
-                      <a:prstDash val="solid"/>
-                      <a:round/>
-                      <a:headEnd type="none" w="med" len="med"/>
-                      <a:tailEnd type="none" w="med" len="med"/>
-                    </a:lnB>
-                    <a:solidFill>
-                      <a:srgbClr val="E95335"/>
-                    </a:solidFill>
-                  </a:tcPr>
-                </a:tc>
-                <a:tc>
-                  <a:txBody>
-                    <a:bodyPr/>
-                    <a:lstStyle/>
-                    <a:p>
-                      <a:pPr algn="ctr" fontAlgn="ctr"/>
-                      <a:r>
-                        <a:rPr lang="en-IN" sz="800" b="1" i="0" u="none" strike="noStrike">
-                          <a:solidFill>
-                            <a:srgbClr val="FFFFFF"/>
-                          </a:solidFill>
-                          <a:effectLst/>
-                          <a:latin typeface="Candara" panose="020E0502030303020204" pitchFamily="34" charset="0"/>
-                        </a:rPr>
-                        <a:t>Session Timing</a:t>
-                      </a:r>
-                    </a:p>
-                  </a:txBody>
-                  <a:tcPr marL="4763" marR="4763" marT="4763" marB="0" anchor="ctr">
-                    <a:lnL w="6350" cap="flat" cmpd="sng" algn="ctr">
-                      <a:solidFill>
-                        <a:srgbClr val="000000"/>
-                      </a:solidFill>
-                      <a:prstDash val="solid"/>
-                      <a:round/>
-                      <a:headEnd type="none" w="med" len="med"/>
-                      <a:tailEnd type="none" w="med" len="med"/>
-                    </a:lnL>
-                    <a:lnR w="6350" cap="flat" cmpd="sng" algn="ctr">
-                      <a:solidFill>
-                        <a:srgbClr val="000000"/>
-                      </a:solidFill>
-                      <a:prstDash val="solid"/>
-                      <a:round/>
-                      <a:headEnd type="none" w="med" len="med"/>
-                      <a:tailEnd type="none" w="med" len="med"/>
-                    </a:lnR>
-                    <a:lnT w="6350" cap="flat" cmpd="sng" algn="ctr">
-                      <a:solidFill>
-                        <a:srgbClr val="000000"/>
-                      </a:solidFill>
-                      <a:prstDash val="solid"/>
-                      <a:round/>
-                      <a:headEnd type="none" w="med" len="med"/>
-                      <a:tailEnd type="none" w="med" len="med"/>
-                    </a:lnT>
-                    <a:lnB w="6350" cap="flat" cmpd="sng" algn="ctr">
-                      <a:solidFill>
-                        <a:srgbClr val="000000"/>
-                      </a:solidFill>
-                      <a:prstDash val="solid"/>
-                      <a:round/>
-                      <a:headEnd type="none" w="med" len="med"/>
-                      <a:tailEnd type="none" w="med" len="med"/>
-                    </a:lnB>
-                    <a:solidFill>
-                      <a:srgbClr val="E95335"/>
-                    </a:solidFill>
-                  </a:tcPr>
-                </a:tc>
-                <a:extLst>
-                  <a:ext uri="{0D108BD9-81ED-4DB2-BD59-A6C34878D82A}">
-                    <a16:rowId xmlns:a16="http://schemas.microsoft.com/office/drawing/2014/main" val="410047959"/>
-                  </a:ext>
-                </a:extLst>
-              </a:tr>
-              <a:tr h="246514">
-                <a:tc>
-                  <a:txBody>
-                    <a:bodyPr/>
-                    <a:lstStyle/>
-                    <a:p>
-                      <a:pPr algn="ctr" fontAlgn="ctr"/>
-                      <a:r>
-                        <a:rPr lang="en-IN" sz="800" b="0" i="0" u="none" strike="noStrike" dirty="0">
-                          <a:solidFill>
-                            <a:srgbClr val="000000"/>
-                          </a:solidFill>
-                          <a:effectLst/>
-                          <a:latin typeface="Candara" panose="020E0502030303020204" pitchFamily="34" charset="0"/>
-                        </a:rPr>
-                        <a:t>18-Oct</a:t>
-                      </a:r>
-                    </a:p>
-                  </a:txBody>
-                  <a:tcPr marL="4763" marR="4763" marT="4763" marB="0" anchor="ctr">
-                    <a:lnL w="6350" cap="flat" cmpd="sng" algn="ctr">
-                      <a:solidFill>
-                        <a:srgbClr val="000000"/>
-                      </a:solidFill>
-                      <a:prstDash val="solid"/>
-                      <a:round/>
-                      <a:headEnd type="none" w="med" len="med"/>
-                      <a:tailEnd type="none" w="med" len="med"/>
-                    </a:lnL>
-                    <a:lnR w="6350" cap="flat" cmpd="sng" algn="ctr">
-                      <a:solidFill>
-                        <a:srgbClr val="000000"/>
-                      </a:solidFill>
-                      <a:prstDash val="solid"/>
-                      <a:round/>
-                      <a:headEnd type="none" w="med" len="med"/>
-                      <a:tailEnd type="none" w="med" len="med"/>
-                    </a:lnR>
-                    <a:lnT w="6350" cap="flat" cmpd="sng" algn="ctr">
-                      <a:solidFill>
-                        <a:srgbClr val="000000"/>
-                      </a:solidFill>
-                      <a:prstDash val="solid"/>
-                      <a:round/>
-                      <a:headEnd type="none" w="med" len="med"/>
-                      <a:tailEnd type="none" w="med" len="med"/>
-                    </a:lnT>
-                    <a:lnB w="6350" cap="flat" cmpd="sng" algn="ctr">
-                      <a:solidFill>
-                        <a:srgbClr val="000000"/>
-                      </a:solidFill>
-                      <a:prstDash val="solid"/>
-                      <a:round/>
-                      <a:headEnd type="none" w="med" len="med"/>
-                      <a:tailEnd type="none" w="med" len="med"/>
-                    </a:lnB>
-                  </a:tcPr>
-                </a:tc>
-                <a:tc>
-                  <a:txBody>
-                    <a:bodyPr/>
-                    <a:lstStyle/>
-                    <a:p>
-                      <a:pPr algn="ctr" fontAlgn="ctr"/>
-                      <a:r>
-                        <a:rPr lang="en-IN" sz="800" b="0" i="0" u="none" strike="noStrike" dirty="0">
-                          <a:solidFill>
-                            <a:srgbClr val="000000"/>
-                          </a:solidFill>
-                          <a:effectLst/>
-                          <a:latin typeface="Candara" panose="020E0502030303020204" pitchFamily="34" charset="0"/>
-                        </a:rPr>
-                        <a:t>Tue</a:t>
-                      </a:r>
-                    </a:p>
-                  </a:txBody>
-                  <a:tcPr marL="4763" marR="4763" marT="4763" marB="0" anchor="ctr">
-                    <a:lnL w="6350" cap="flat" cmpd="sng" algn="ctr">
-                      <a:solidFill>
-                        <a:srgbClr val="000000"/>
-                      </a:solidFill>
-                      <a:prstDash val="solid"/>
-                      <a:round/>
-                      <a:headEnd type="none" w="med" len="med"/>
-                      <a:tailEnd type="none" w="med" len="med"/>
-                    </a:lnL>
-                    <a:lnR w="6350" cap="flat" cmpd="sng" algn="ctr">
-                      <a:solidFill>
-                        <a:srgbClr val="000000"/>
-                      </a:solidFill>
-                      <a:prstDash val="solid"/>
-                      <a:round/>
-                      <a:headEnd type="none" w="med" len="med"/>
-                      <a:tailEnd type="none" w="med" len="med"/>
-                    </a:lnR>
-                    <a:lnT w="6350" cap="flat" cmpd="sng" algn="ctr">
-                      <a:solidFill>
-                        <a:srgbClr val="000000"/>
-                      </a:solidFill>
-                      <a:prstDash val="solid"/>
-                      <a:round/>
-                      <a:headEnd type="none" w="med" len="med"/>
-                      <a:tailEnd type="none" w="med" len="med"/>
-                    </a:lnT>
-                    <a:lnB w="6350" cap="flat" cmpd="sng" algn="ctr">
-                      <a:solidFill>
-                        <a:srgbClr val="000000"/>
-                      </a:solidFill>
-                      <a:prstDash val="solid"/>
-                      <a:round/>
-                      <a:headEnd type="none" w="med" len="med"/>
-                      <a:tailEnd type="none" w="med" len="med"/>
-                    </a:lnB>
-                  </a:tcPr>
-                </a:tc>
-                <a:tc>
-                  <a:txBody>
-                    <a:bodyPr/>
-                    <a:lstStyle/>
-                    <a:p>
-                      <a:pPr algn="l" fontAlgn="ctr"/>
-                      <a:r>
-                        <a:rPr lang="en-IN" sz="800" b="0" i="0" u="none" strike="noStrike" dirty="0">
-                          <a:solidFill>
-                            <a:srgbClr val="000000"/>
-                          </a:solidFill>
-                          <a:effectLst/>
-                          <a:latin typeface="Candara" panose="020E0502030303020204" pitchFamily="34" charset="0"/>
-                        </a:rPr>
-                        <a:t>C#: Session 1</a:t>
-                      </a:r>
-                    </a:p>
-                  </a:txBody>
-                  <a:tcPr marL="4763" marR="4763" marT="4763" marB="0" anchor="ctr">
-                    <a:lnL w="6350" cap="flat" cmpd="sng" algn="ctr">
-                      <a:solidFill>
-                        <a:srgbClr val="000000"/>
-                      </a:solidFill>
-                      <a:prstDash val="solid"/>
-                      <a:round/>
-                      <a:headEnd type="none" w="med" len="med"/>
-                      <a:tailEnd type="none" w="med" len="med"/>
-                    </a:lnL>
-                    <a:lnR w="6350" cap="flat" cmpd="sng" algn="ctr">
-                      <a:solidFill>
-                        <a:srgbClr val="000000"/>
-                      </a:solidFill>
-                      <a:prstDash val="solid"/>
-                      <a:round/>
-                      <a:headEnd type="none" w="med" len="med"/>
-                      <a:tailEnd type="none" w="med" len="med"/>
-                    </a:lnR>
-                    <a:lnT w="6350" cap="flat" cmpd="sng" algn="ctr">
-                      <a:solidFill>
-                        <a:srgbClr val="000000"/>
-                      </a:solidFill>
-                      <a:prstDash val="solid"/>
-                      <a:round/>
-                      <a:headEnd type="none" w="med" len="med"/>
-                      <a:tailEnd type="none" w="med" len="med"/>
-                    </a:lnT>
-                    <a:lnB w="6350" cap="flat" cmpd="sng" algn="ctr">
-                      <a:solidFill>
-                        <a:srgbClr val="000000"/>
-                      </a:solidFill>
-                      <a:prstDash val="solid"/>
-                      <a:round/>
-                      <a:headEnd type="none" w="med" len="med"/>
-                      <a:tailEnd type="none" w="med" len="med"/>
-                    </a:lnB>
-                  </a:tcPr>
-                </a:tc>
-                <a:tc>
-                  <a:txBody>
-                    <a:bodyPr/>
-                    <a:lstStyle/>
-                    <a:p>
-                      <a:pPr algn="ctr" fontAlgn="ctr"/>
-                      <a:r>
-                        <a:rPr lang="en-IN" sz="800" b="0" i="0" u="none" strike="noStrike" dirty="0">
-                          <a:solidFill>
-                            <a:srgbClr val="000000"/>
-                          </a:solidFill>
-                          <a:effectLst/>
-                          <a:latin typeface="Candara" panose="020E0502030303020204" pitchFamily="34" charset="0"/>
-                        </a:rPr>
-                        <a:t>8</a:t>
-                      </a:r>
-                    </a:p>
-                  </a:txBody>
-                  <a:tcPr marL="4763" marR="4763" marT="4763" marB="0" anchor="ctr">
-                    <a:lnL w="6350" cap="flat" cmpd="sng" algn="ctr">
-                      <a:solidFill>
-                        <a:srgbClr val="000000"/>
-                      </a:solidFill>
-                      <a:prstDash val="solid"/>
-                      <a:round/>
-                      <a:headEnd type="none" w="med" len="med"/>
-                      <a:tailEnd type="none" w="med" len="med"/>
-                    </a:lnL>
-                    <a:lnR w="6350" cap="flat" cmpd="sng" algn="ctr">
-                      <a:solidFill>
-                        <a:srgbClr val="000000"/>
-                      </a:solidFill>
-                      <a:prstDash val="solid"/>
-                      <a:round/>
-                      <a:headEnd type="none" w="med" len="med"/>
-                      <a:tailEnd type="none" w="med" len="med"/>
-                    </a:lnR>
-                    <a:lnT w="6350" cap="flat" cmpd="sng" algn="ctr">
-                      <a:solidFill>
-                        <a:srgbClr val="000000"/>
-                      </a:solidFill>
-                      <a:prstDash val="solid"/>
-                      <a:round/>
-                      <a:headEnd type="none" w="med" len="med"/>
-                      <a:tailEnd type="none" w="med" len="med"/>
-                    </a:lnT>
-                    <a:lnB w="6350" cap="flat" cmpd="sng" algn="ctr">
-                      <a:solidFill>
-                        <a:srgbClr val="000000"/>
-                      </a:solidFill>
-                      <a:prstDash val="solid"/>
-                      <a:round/>
-                      <a:headEnd type="none" w="med" len="med"/>
-                      <a:tailEnd type="none" w="med" len="med"/>
-                    </a:lnB>
-                  </a:tcPr>
-                </a:tc>
-                <a:tc>
-                  <a:txBody>
-                    <a:bodyPr/>
-                    <a:lstStyle/>
-                    <a:p>
-                      <a:pPr algn="ctr" fontAlgn="ctr"/>
-                      <a:r>
-                        <a:rPr lang="en-IN" sz="800" b="0" i="0" u="none" strike="noStrike" dirty="0">
-                          <a:solidFill>
-                            <a:srgbClr val="000000"/>
-                          </a:solidFill>
-                          <a:effectLst/>
-                          <a:latin typeface="Candara" panose="020E0502030303020204" pitchFamily="34" charset="0"/>
-                        </a:rPr>
-                        <a:t>09:30AM to 5:30 PM</a:t>
-                      </a:r>
-                    </a:p>
-                  </a:txBody>
-                  <a:tcPr marL="4763" marR="4763" marT="4763" marB="0" anchor="ctr">
-                    <a:lnL w="6350" cap="flat" cmpd="sng" algn="ctr">
-                      <a:solidFill>
-                        <a:srgbClr val="000000"/>
-                      </a:solidFill>
-                      <a:prstDash val="solid"/>
-                      <a:round/>
-                      <a:headEnd type="none" w="med" len="med"/>
-                      <a:tailEnd type="none" w="med" len="med"/>
-                    </a:lnL>
-                    <a:lnR w="6350" cap="flat" cmpd="sng" algn="ctr">
-                      <a:solidFill>
-                        <a:srgbClr val="000000"/>
-                      </a:solidFill>
-                      <a:prstDash val="solid"/>
-                      <a:round/>
-                      <a:headEnd type="none" w="med" len="med"/>
-                      <a:tailEnd type="none" w="med" len="med"/>
-                    </a:lnR>
-                    <a:lnT w="6350" cap="flat" cmpd="sng" algn="ctr">
-                      <a:solidFill>
-                        <a:srgbClr val="000000"/>
-                      </a:solidFill>
-                      <a:prstDash val="solid"/>
-                      <a:round/>
-                      <a:headEnd type="none" w="med" len="med"/>
-                      <a:tailEnd type="none" w="med" len="med"/>
-                    </a:lnT>
-                    <a:lnB w="6350" cap="flat" cmpd="sng" algn="ctr">
-                      <a:solidFill>
-                        <a:srgbClr val="000000"/>
-                      </a:solidFill>
-                      <a:prstDash val="solid"/>
-                      <a:round/>
-                      <a:headEnd type="none" w="med" len="med"/>
-                      <a:tailEnd type="none" w="med" len="med"/>
-                    </a:lnB>
-                  </a:tcPr>
-                </a:tc>
-                <a:extLst>
-                  <a:ext uri="{0D108BD9-81ED-4DB2-BD59-A6C34878D82A}">
-                    <a16:rowId xmlns:a16="http://schemas.microsoft.com/office/drawing/2014/main" val="1398545480"/>
-                  </a:ext>
-                </a:extLst>
-              </a:tr>
-              <a:tr h="246514">
-                <a:tc>
-                  <a:txBody>
-                    <a:bodyPr/>
-                    <a:lstStyle/>
-                    <a:p>
-                      <a:pPr algn="ctr" fontAlgn="ctr"/>
-                      <a:r>
-                        <a:rPr lang="en-IN" sz="800" b="0" i="0" u="none" strike="noStrike" dirty="0">
-                          <a:solidFill>
-                            <a:srgbClr val="000000"/>
-                          </a:solidFill>
-                          <a:effectLst/>
-                          <a:latin typeface="Candara" panose="020E0502030303020204" pitchFamily="34" charset="0"/>
-                        </a:rPr>
-                        <a:t>19-Oct</a:t>
-                      </a:r>
-                    </a:p>
-                  </a:txBody>
-                  <a:tcPr marL="4763" marR="4763" marT="4763" marB="0" anchor="ctr">
-                    <a:lnL w="6350" cap="flat" cmpd="sng" algn="ctr">
-                      <a:solidFill>
-                        <a:srgbClr val="000000"/>
-                      </a:solidFill>
-                      <a:prstDash val="solid"/>
-                      <a:round/>
-                      <a:headEnd type="none" w="med" len="med"/>
-                      <a:tailEnd type="none" w="med" len="med"/>
-                    </a:lnL>
-                    <a:lnR w="6350" cap="flat" cmpd="sng" algn="ctr">
-                      <a:solidFill>
-                        <a:srgbClr val="000000"/>
-                      </a:solidFill>
-                      <a:prstDash val="solid"/>
-                      <a:round/>
-                      <a:headEnd type="none" w="med" len="med"/>
-                      <a:tailEnd type="none" w="med" len="med"/>
-                    </a:lnR>
-                    <a:lnT w="6350" cap="flat" cmpd="sng" algn="ctr">
-                      <a:solidFill>
-                        <a:srgbClr val="000000"/>
-                      </a:solidFill>
-                      <a:prstDash val="solid"/>
-                      <a:round/>
-                      <a:headEnd type="none" w="med" len="med"/>
-                      <a:tailEnd type="none" w="med" len="med"/>
-                    </a:lnT>
-                    <a:lnB w="6350" cap="flat" cmpd="sng" algn="ctr">
-                      <a:solidFill>
-                        <a:srgbClr val="000000"/>
-                      </a:solidFill>
-                      <a:prstDash val="solid"/>
-                      <a:round/>
-                      <a:headEnd type="none" w="med" len="med"/>
-                      <a:tailEnd type="none" w="med" len="med"/>
-                    </a:lnB>
-                  </a:tcPr>
-                </a:tc>
-                <a:tc>
-                  <a:txBody>
-                    <a:bodyPr/>
-                    <a:lstStyle/>
-                    <a:p>
-                      <a:pPr algn="ctr" fontAlgn="ctr"/>
-                      <a:r>
-                        <a:rPr lang="en-IN" sz="800" b="0" i="0" u="none" strike="noStrike" dirty="0">
-                          <a:solidFill>
-                            <a:srgbClr val="000000"/>
-                          </a:solidFill>
-                          <a:effectLst/>
-                          <a:latin typeface="Candara" panose="020E0502030303020204" pitchFamily="34" charset="0"/>
-                        </a:rPr>
-                        <a:t>Wed</a:t>
-                      </a:r>
-                    </a:p>
-                  </a:txBody>
-                  <a:tcPr marL="4763" marR="4763" marT="4763" marB="0" anchor="ctr">
-                    <a:lnL w="6350" cap="flat" cmpd="sng" algn="ctr">
-                      <a:solidFill>
-                        <a:srgbClr val="000000"/>
-                      </a:solidFill>
-                      <a:prstDash val="solid"/>
-                      <a:round/>
-                      <a:headEnd type="none" w="med" len="med"/>
-                      <a:tailEnd type="none" w="med" len="med"/>
-                    </a:lnL>
-                    <a:lnR w="6350" cap="flat" cmpd="sng" algn="ctr">
-                      <a:solidFill>
-                        <a:srgbClr val="000000"/>
-                      </a:solidFill>
-                      <a:prstDash val="solid"/>
-                      <a:round/>
-                      <a:headEnd type="none" w="med" len="med"/>
-                      <a:tailEnd type="none" w="med" len="med"/>
-                    </a:lnR>
-                    <a:lnT w="6350" cap="flat" cmpd="sng" algn="ctr">
-                      <a:solidFill>
-                        <a:srgbClr val="000000"/>
-                      </a:solidFill>
-                      <a:prstDash val="solid"/>
-                      <a:round/>
-                      <a:headEnd type="none" w="med" len="med"/>
-                      <a:tailEnd type="none" w="med" len="med"/>
-                    </a:lnT>
-                    <a:lnB w="6350" cap="flat" cmpd="sng" algn="ctr">
-                      <a:solidFill>
-                        <a:srgbClr val="000000"/>
-                      </a:solidFill>
-                      <a:prstDash val="solid"/>
-                      <a:round/>
-                      <a:headEnd type="none" w="med" len="med"/>
-                      <a:tailEnd type="none" w="med" len="med"/>
-                    </a:lnB>
-                  </a:tcPr>
-                </a:tc>
-                <a:tc>
-                  <a:txBody>
-                    <a:bodyPr/>
-                    <a:lstStyle/>
-                    <a:p>
-                      <a:pPr algn="l" fontAlgn="ctr"/>
-                      <a:r>
-                        <a:rPr lang="en-IN" sz="800" b="0" i="0" u="none" strike="noStrike" dirty="0">
-                          <a:solidFill>
-                            <a:srgbClr val="000000"/>
-                          </a:solidFill>
-                          <a:effectLst/>
-                          <a:latin typeface="Candara" panose="020E0502030303020204" pitchFamily="34" charset="0"/>
-                        </a:rPr>
-                        <a:t>C#: Session 2</a:t>
-                      </a:r>
-                    </a:p>
-                  </a:txBody>
-                  <a:tcPr marL="4763" marR="4763" marT="4763" marB="0" anchor="ctr">
-                    <a:lnL w="6350" cap="flat" cmpd="sng" algn="ctr">
-                      <a:solidFill>
-                        <a:srgbClr val="000000"/>
-                      </a:solidFill>
-                      <a:prstDash val="solid"/>
-                      <a:round/>
-                      <a:headEnd type="none" w="med" len="med"/>
-                      <a:tailEnd type="none" w="med" len="med"/>
-                    </a:lnL>
-                    <a:lnR w="6350" cap="flat" cmpd="sng" algn="ctr">
-                      <a:solidFill>
-                        <a:srgbClr val="000000"/>
-                      </a:solidFill>
-                      <a:prstDash val="solid"/>
-                      <a:round/>
-                      <a:headEnd type="none" w="med" len="med"/>
-                      <a:tailEnd type="none" w="med" len="med"/>
-                    </a:lnR>
-                    <a:lnT w="6350" cap="flat" cmpd="sng" algn="ctr">
-                      <a:solidFill>
-                        <a:srgbClr val="000000"/>
-                      </a:solidFill>
-                      <a:prstDash val="solid"/>
-                      <a:round/>
-                      <a:headEnd type="none" w="med" len="med"/>
-                      <a:tailEnd type="none" w="med" len="med"/>
-                    </a:lnT>
-                    <a:lnB w="6350" cap="flat" cmpd="sng" algn="ctr">
-                      <a:solidFill>
-                        <a:srgbClr val="000000"/>
-                      </a:solidFill>
-                      <a:prstDash val="solid"/>
-                      <a:round/>
-                      <a:headEnd type="none" w="med" len="med"/>
-                      <a:tailEnd type="none" w="med" len="med"/>
-                    </a:lnB>
-                  </a:tcPr>
-                </a:tc>
-                <a:tc>
-                  <a:txBody>
-                    <a:bodyPr/>
-                    <a:lstStyle/>
-                    <a:p>
-                      <a:pPr algn="ctr" fontAlgn="ctr"/>
-                      <a:r>
-                        <a:rPr lang="en-IN" sz="800" b="0" i="0" u="none" strike="noStrike" dirty="0">
-                          <a:solidFill>
-                            <a:srgbClr val="000000"/>
-                          </a:solidFill>
-                          <a:effectLst/>
-                          <a:latin typeface="Candara" panose="020E0502030303020204" pitchFamily="34" charset="0"/>
-                        </a:rPr>
-                        <a:t>8</a:t>
-                      </a:r>
-                    </a:p>
-                  </a:txBody>
-                  <a:tcPr marL="4763" marR="4763" marT="4763" marB="0" anchor="ctr">
-                    <a:lnL w="6350" cap="flat" cmpd="sng" algn="ctr">
-                      <a:solidFill>
-                        <a:srgbClr val="000000"/>
-                      </a:solidFill>
-                      <a:prstDash val="solid"/>
-                      <a:round/>
-                      <a:headEnd type="none" w="med" len="med"/>
-                      <a:tailEnd type="none" w="med" len="med"/>
-                    </a:lnL>
-                    <a:lnR w="6350" cap="flat" cmpd="sng" algn="ctr">
-                      <a:solidFill>
-                        <a:srgbClr val="000000"/>
-                      </a:solidFill>
-                      <a:prstDash val="solid"/>
-                      <a:round/>
-                      <a:headEnd type="none" w="med" len="med"/>
-                      <a:tailEnd type="none" w="med" len="med"/>
-                    </a:lnR>
-                    <a:lnT w="6350" cap="flat" cmpd="sng" algn="ctr">
-                      <a:solidFill>
-                        <a:srgbClr val="000000"/>
-                      </a:solidFill>
-                      <a:prstDash val="solid"/>
-                      <a:round/>
-                      <a:headEnd type="none" w="med" len="med"/>
-                      <a:tailEnd type="none" w="med" len="med"/>
-                    </a:lnT>
-                    <a:lnB w="6350" cap="flat" cmpd="sng" algn="ctr">
-                      <a:solidFill>
-                        <a:srgbClr val="000000"/>
-                      </a:solidFill>
-                      <a:prstDash val="solid"/>
-                      <a:round/>
-                      <a:headEnd type="none" w="med" len="med"/>
-                      <a:tailEnd type="none" w="med" len="med"/>
-                    </a:lnB>
-                  </a:tcPr>
-                </a:tc>
-                <a:tc>
-                  <a:txBody>
-                    <a:bodyPr/>
-                    <a:lstStyle/>
-                    <a:p>
-                      <a:pPr algn="ctr" fontAlgn="ctr"/>
-                      <a:r>
-                        <a:rPr lang="en-IN" sz="800" b="0" i="0" u="none" strike="noStrike" dirty="0">
-                          <a:solidFill>
-                            <a:srgbClr val="000000"/>
-                          </a:solidFill>
-                          <a:effectLst/>
-                          <a:latin typeface="Candara" panose="020E0502030303020204" pitchFamily="34" charset="0"/>
-                        </a:rPr>
-                        <a:t>09:30AM to 5:30 PM</a:t>
-                      </a:r>
-                    </a:p>
-                  </a:txBody>
-                  <a:tcPr marL="4763" marR="4763" marT="4763" marB="0" anchor="ctr">
-                    <a:lnL w="6350" cap="flat" cmpd="sng" algn="ctr">
-                      <a:solidFill>
-                        <a:srgbClr val="000000"/>
-                      </a:solidFill>
-                      <a:prstDash val="solid"/>
-                      <a:round/>
-                      <a:headEnd type="none" w="med" len="med"/>
-                      <a:tailEnd type="none" w="med" len="med"/>
-                    </a:lnL>
-                    <a:lnR w="6350" cap="flat" cmpd="sng" algn="ctr">
-                      <a:solidFill>
-                        <a:srgbClr val="000000"/>
-                      </a:solidFill>
-                      <a:prstDash val="solid"/>
-                      <a:round/>
-                      <a:headEnd type="none" w="med" len="med"/>
-                      <a:tailEnd type="none" w="med" len="med"/>
-                    </a:lnR>
-                    <a:lnT w="6350" cap="flat" cmpd="sng" algn="ctr">
-                      <a:solidFill>
-                        <a:srgbClr val="000000"/>
-                      </a:solidFill>
-                      <a:prstDash val="solid"/>
-                      <a:round/>
-                      <a:headEnd type="none" w="med" len="med"/>
-                      <a:tailEnd type="none" w="med" len="med"/>
-                    </a:lnT>
-                    <a:lnB w="6350" cap="flat" cmpd="sng" algn="ctr">
-                      <a:solidFill>
-                        <a:srgbClr val="000000"/>
-                      </a:solidFill>
-                      <a:prstDash val="solid"/>
-                      <a:round/>
-                      <a:headEnd type="none" w="med" len="med"/>
-                      <a:tailEnd type="none" w="med" len="med"/>
-                    </a:lnB>
-                  </a:tcPr>
-                </a:tc>
-                <a:extLst>
-                  <a:ext uri="{0D108BD9-81ED-4DB2-BD59-A6C34878D82A}">
-                    <a16:rowId xmlns:a16="http://schemas.microsoft.com/office/drawing/2014/main" val="917138667"/>
-                  </a:ext>
-                </a:extLst>
-              </a:tr>
-              <a:tr h="246514">
-                <a:tc>
-                  <a:txBody>
-                    <a:bodyPr/>
-                    <a:lstStyle/>
-                    <a:p>
-                      <a:pPr algn="ctr" fontAlgn="ctr"/>
-                      <a:r>
-                        <a:rPr lang="en-IN" sz="800" b="0" i="0" u="none" strike="noStrike" dirty="0">
-                          <a:solidFill>
-                            <a:srgbClr val="000000"/>
-                          </a:solidFill>
-                          <a:effectLst/>
-                          <a:latin typeface="Candara" panose="020E0502030303020204" pitchFamily="34" charset="0"/>
-                        </a:rPr>
-                        <a:t>20-Oct</a:t>
-                      </a:r>
-                    </a:p>
-                  </a:txBody>
-                  <a:tcPr marL="4763" marR="4763" marT="4763" marB="0" anchor="ctr">
-                    <a:lnL w="6350" cap="flat" cmpd="sng" algn="ctr">
-                      <a:solidFill>
-                        <a:srgbClr val="000000"/>
-                      </a:solidFill>
-                      <a:prstDash val="solid"/>
-                      <a:round/>
-                      <a:headEnd type="none" w="med" len="med"/>
-                      <a:tailEnd type="none" w="med" len="med"/>
-                    </a:lnL>
-                    <a:lnR w="6350" cap="flat" cmpd="sng" algn="ctr">
-                      <a:solidFill>
-                        <a:srgbClr val="000000"/>
-                      </a:solidFill>
-                      <a:prstDash val="solid"/>
-                      <a:round/>
-                      <a:headEnd type="none" w="med" len="med"/>
-                      <a:tailEnd type="none" w="med" len="med"/>
-                    </a:lnR>
-                    <a:lnT w="6350" cap="flat" cmpd="sng" algn="ctr">
-                      <a:solidFill>
-                        <a:srgbClr val="000000"/>
-                      </a:solidFill>
-                      <a:prstDash val="solid"/>
-                      <a:round/>
-                      <a:headEnd type="none" w="med" len="med"/>
-                      <a:tailEnd type="none" w="med" len="med"/>
-                    </a:lnT>
-                    <a:lnB w="6350" cap="flat" cmpd="sng" algn="ctr">
-                      <a:solidFill>
-                        <a:srgbClr val="000000"/>
-                      </a:solidFill>
-                      <a:prstDash val="solid"/>
-                      <a:round/>
-                      <a:headEnd type="none" w="med" len="med"/>
-                      <a:tailEnd type="none" w="med" len="med"/>
-                    </a:lnB>
-                  </a:tcPr>
-                </a:tc>
-                <a:tc>
-                  <a:txBody>
-                    <a:bodyPr/>
-                    <a:lstStyle/>
-                    <a:p>
-                      <a:pPr algn="ctr" fontAlgn="ctr"/>
-                      <a:r>
-                        <a:rPr lang="en-IN" sz="800" b="0" i="0" u="none" strike="noStrike" dirty="0">
-                          <a:solidFill>
-                            <a:srgbClr val="000000"/>
-                          </a:solidFill>
-                          <a:effectLst/>
-                          <a:latin typeface="Candara" panose="020E0502030303020204" pitchFamily="34" charset="0"/>
-                        </a:rPr>
-                        <a:t>Thu</a:t>
-                      </a:r>
-                    </a:p>
-                  </a:txBody>
-                  <a:tcPr marL="4763" marR="4763" marT="4763" marB="0" anchor="ctr">
-                    <a:lnL w="6350" cap="flat" cmpd="sng" algn="ctr">
-                      <a:solidFill>
-                        <a:srgbClr val="000000"/>
-                      </a:solidFill>
-                      <a:prstDash val="solid"/>
-                      <a:round/>
-                      <a:headEnd type="none" w="med" len="med"/>
-                      <a:tailEnd type="none" w="med" len="med"/>
-                    </a:lnL>
-                    <a:lnR w="6350" cap="flat" cmpd="sng" algn="ctr">
-                      <a:solidFill>
-                        <a:srgbClr val="000000"/>
-                      </a:solidFill>
-                      <a:prstDash val="solid"/>
-                      <a:round/>
-                      <a:headEnd type="none" w="med" len="med"/>
-                      <a:tailEnd type="none" w="med" len="med"/>
-                    </a:lnR>
-                    <a:lnT w="6350" cap="flat" cmpd="sng" algn="ctr">
-                      <a:solidFill>
-                        <a:srgbClr val="000000"/>
-                      </a:solidFill>
-                      <a:prstDash val="solid"/>
-                      <a:round/>
-                      <a:headEnd type="none" w="med" len="med"/>
-                      <a:tailEnd type="none" w="med" len="med"/>
-                    </a:lnT>
-                    <a:lnB w="6350" cap="flat" cmpd="sng" algn="ctr">
-                      <a:solidFill>
-                        <a:srgbClr val="000000"/>
-                      </a:solidFill>
-                      <a:prstDash val="solid"/>
-                      <a:round/>
-                      <a:headEnd type="none" w="med" len="med"/>
-                      <a:tailEnd type="none" w="med" len="med"/>
-                    </a:lnB>
-                  </a:tcPr>
-                </a:tc>
-                <a:tc>
-                  <a:txBody>
-                    <a:bodyPr/>
-                    <a:lstStyle/>
-                    <a:p>
-                      <a:pPr algn="l" fontAlgn="ctr"/>
-                      <a:r>
-                        <a:rPr lang="en-IN" sz="800" b="0" i="0" u="none" strike="noStrike" dirty="0">
-                          <a:solidFill>
-                            <a:srgbClr val="000000"/>
-                          </a:solidFill>
-                          <a:effectLst/>
-                          <a:latin typeface="Candara" panose="020E0502030303020204" pitchFamily="34" charset="0"/>
-                        </a:rPr>
-                        <a:t>C#: Session 3</a:t>
-                      </a:r>
-                    </a:p>
-                  </a:txBody>
-                  <a:tcPr marL="4763" marR="4763" marT="4763" marB="0" anchor="ctr">
-                    <a:lnL w="6350" cap="flat" cmpd="sng" algn="ctr">
-                      <a:solidFill>
-                        <a:srgbClr val="000000"/>
-                      </a:solidFill>
-                      <a:prstDash val="solid"/>
-                      <a:round/>
-                      <a:headEnd type="none" w="med" len="med"/>
-                      <a:tailEnd type="none" w="med" len="med"/>
-                    </a:lnL>
-                    <a:lnR w="6350" cap="flat" cmpd="sng" algn="ctr">
-                      <a:solidFill>
-                        <a:srgbClr val="000000"/>
-                      </a:solidFill>
-                      <a:prstDash val="solid"/>
-                      <a:round/>
-                      <a:headEnd type="none" w="med" len="med"/>
-                      <a:tailEnd type="none" w="med" len="med"/>
-                    </a:lnR>
-                    <a:lnT w="6350" cap="flat" cmpd="sng" algn="ctr">
-                      <a:solidFill>
-                        <a:srgbClr val="000000"/>
-                      </a:solidFill>
-                      <a:prstDash val="solid"/>
-                      <a:round/>
-                      <a:headEnd type="none" w="med" len="med"/>
-                      <a:tailEnd type="none" w="med" len="med"/>
-                    </a:lnT>
-                    <a:lnB w="6350" cap="flat" cmpd="sng" algn="ctr">
-                      <a:solidFill>
-                        <a:srgbClr val="000000"/>
-                      </a:solidFill>
-                      <a:prstDash val="solid"/>
-                      <a:round/>
-                      <a:headEnd type="none" w="med" len="med"/>
-                      <a:tailEnd type="none" w="med" len="med"/>
-                    </a:lnB>
-                  </a:tcPr>
-                </a:tc>
-                <a:tc>
-                  <a:txBody>
-                    <a:bodyPr/>
-                    <a:lstStyle/>
-                    <a:p>
-                      <a:pPr algn="ctr" fontAlgn="ctr"/>
-                      <a:r>
-                        <a:rPr lang="en-IN" sz="800" b="0" i="0" u="none" strike="noStrike" dirty="0">
-                          <a:solidFill>
-                            <a:srgbClr val="000000"/>
-                          </a:solidFill>
-                          <a:effectLst/>
-                          <a:latin typeface="Candara" panose="020E0502030303020204" pitchFamily="34" charset="0"/>
-                        </a:rPr>
-                        <a:t>8</a:t>
-                      </a:r>
-                    </a:p>
-                  </a:txBody>
-                  <a:tcPr marL="4763" marR="4763" marT="4763" marB="0" anchor="ctr">
-                    <a:lnL w="6350" cap="flat" cmpd="sng" algn="ctr">
-                      <a:solidFill>
-                        <a:srgbClr val="000000"/>
-                      </a:solidFill>
-                      <a:prstDash val="solid"/>
-                      <a:round/>
-                      <a:headEnd type="none" w="med" len="med"/>
-                      <a:tailEnd type="none" w="med" len="med"/>
-                    </a:lnL>
-                    <a:lnR w="6350" cap="flat" cmpd="sng" algn="ctr">
-                      <a:solidFill>
-                        <a:srgbClr val="000000"/>
-                      </a:solidFill>
-                      <a:prstDash val="solid"/>
-                      <a:round/>
-                      <a:headEnd type="none" w="med" len="med"/>
-                      <a:tailEnd type="none" w="med" len="med"/>
-                    </a:lnR>
-                    <a:lnT w="6350" cap="flat" cmpd="sng" algn="ctr">
-                      <a:solidFill>
-                        <a:srgbClr val="000000"/>
-                      </a:solidFill>
-                      <a:prstDash val="solid"/>
-                      <a:round/>
-                      <a:headEnd type="none" w="med" len="med"/>
-                      <a:tailEnd type="none" w="med" len="med"/>
-                    </a:lnT>
-                    <a:lnB w="6350" cap="flat" cmpd="sng" algn="ctr">
-                      <a:solidFill>
-                        <a:srgbClr val="000000"/>
-                      </a:solidFill>
-                      <a:prstDash val="solid"/>
-                      <a:round/>
-                      <a:headEnd type="none" w="med" len="med"/>
-                      <a:tailEnd type="none" w="med" len="med"/>
-                    </a:lnB>
-                  </a:tcPr>
-                </a:tc>
-                <a:tc>
-                  <a:txBody>
-                    <a:bodyPr/>
-                    <a:lstStyle/>
-                    <a:p>
-                      <a:pPr algn="ctr" fontAlgn="ctr"/>
-                      <a:r>
-                        <a:rPr lang="en-IN" sz="800" b="0" i="0" u="none" strike="noStrike" dirty="0">
-                          <a:solidFill>
-                            <a:srgbClr val="000000"/>
-                          </a:solidFill>
-                          <a:effectLst/>
-                          <a:latin typeface="Candara" panose="020E0502030303020204" pitchFamily="34" charset="0"/>
-                        </a:rPr>
-                        <a:t>09:30AM to 5:30 PM</a:t>
-                      </a:r>
-                    </a:p>
-                  </a:txBody>
-                  <a:tcPr marL="4763" marR="4763" marT="4763" marB="0" anchor="ctr">
-                    <a:lnL w="6350" cap="flat" cmpd="sng" algn="ctr">
-                      <a:solidFill>
-                        <a:srgbClr val="000000"/>
-                      </a:solidFill>
-                      <a:prstDash val="solid"/>
-                      <a:round/>
-                      <a:headEnd type="none" w="med" len="med"/>
-                      <a:tailEnd type="none" w="med" len="med"/>
-                    </a:lnL>
-                    <a:lnR w="6350" cap="flat" cmpd="sng" algn="ctr">
-                      <a:solidFill>
-                        <a:srgbClr val="000000"/>
-                      </a:solidFill>
-                      <a:prstDash val="solid"/>
-                      <a:round/>
-                      <a:headEnd type="none" w="med" len="med"/>
-                      <a:tailEnd type="none" w="med" len="med"/>
-                    </a:lnR>
-                    <a:lnT w="6350" cap="flat" cmpd="sng" algn="ctr">
-                      <a:solidFill>
-                        <a:srgbClr val="000000"/>
-                      </a:solidFill>
-                      <a:prstDash val="solid"/>
-                      <a:round/>
-                      <a:headEnd type="none" w="med" len="med"/>
-                      <a:tailEnd type="none" w="med" len="med"/>
-                    </a:lnT>
-                    <a:lnB w="6350" cap="flat" cmpd="sng" algn="ctr">
-                      <a:solidFill>
-                        <a:srgbClr val="000000"/>
-                      </a:solidFill>
-                      <a:prstDash val="solid"/>
-                      <a:round/>
-                      <a:headEnd type="none" w="med" len="med"/>
-                      <a:tailEnd type="none" w="med" len="med"/>
-                    </a:lnB>
-                  </a:tcPr>
-                </a:tc>
-                <a:extLst>
-                  <a:ext uri="{0D108BD9-81ED-4DB2-BD59-A6C34878D82A}">
-                    <a16:rowId xmlns:a16="http://schemas.microsoft.com/office/drawing/2014/main" val="75463939"/>
-                  </a:ext>
-                </a:extLst>
-              </a:tr>
-              <a:tr h="246514">
-                <a:tc>
-                  <a:txBody>
-                    <a:bodyPr/>
-                    <a:lstStyle/>
-                    <a:p>
-                      <a:pPr algn="ctr" fontAlgn="ctr"/>
-                      <a:r>
-                        <a:rPr lang="en-IN" sz="800" b="0" i="0" u="none" strike="noStrike" dirty="0">
-                          <a:solidFill>
-                            <a:srgbClr val="000000"/>
-                          </a:solidFill>
-                          <a:effectLst/>
-                          <a:latin typeface="Candara" panose="020E0502030303020204" pitchFamily="34" charset="0"/>
-                        </a:rPr>
-                        <a:t>21-Oct</a:t>
-                      </a:r>
-                    </a:p>
-                  </a:txBody>
-                  <a:tcPr marL="4763" marR="4763" marT="4763" marB="0" anchor="ctr">
-                    <a:lnL w="6350" cap="flat" cmpd="sng" algn="ctr">
-                      <a:solidFill>
-                        <a:srgbClr val="000000"/>
-                      </a:solidFill>
-                      <a:prstDash val="solid"/>
-                      <a:round/>
-                      <a:headEnd type="none" w="med" len="med"/>
-                      <a:tailEnd type="none" w="med" len="med"/>
-                    </a:lnL>
-                    <a:lnR w="6350" cap="flat" cmpd="sng" algn="ctr">
-                      <a:solidFill>
-                        <a:srgbClr val="000000"/>
-                      </a:solidFill>
-                      <a:prstDash val="solid"/>
-                      <a:round/>
-                      <a:headEnd type="none" w="med" len="med"/>
-                      <a:tailEnd type="none" w="med" len="med"/>
-                    </a:lnR>
-                    <a:lnT w="6350" cap="flat" cmpd="sng" algn="ctr">
-                      <a:solidFill>
-                        <a:srgbClr val="000000"/>
-                      </a:solidFill>
-                      <a:prstDash val="solid"/>
-                      <a:round/>
-                      <a:headEnd type="none" w="med" len="med"/>
-                      <a:tailEnd type="none" w="med" len="med"/>
-                    </a:lnT>
-                    <a:lnB w="6350" cap="flat" cmpd="sng" algn="ctr">
-                      <a:solidFill>
-                        <a:srgbClr val="000000"/>
-                      </a:solidFill>
-                      <a:prstDash val="solid"/>
-                      <a:round/>
-                      <a:headEnd type="none" w="med" len="med"/>
-                      <a:tailEnd type="none" w="med" len="med"/>
-                    </a:lnB>
-                  </a:tcPr>
-                </a:tc>
-                <a:tc>
-                  <a:txBody>
-                    <a:bodyPr/>
-                    <a:lstStyle/>
-                    <a:p>
-                      <a:pPr algn="ctr" fontAlgn="ctr"/>
-                      <a:r>
-                        <a:rPr lang="en-IN" sz="800" b="0" i="0" u="none" strike="noStrike" dirty="0">
-                          <a:solidFill>
-                            <a:srgbClr val="000000"/>
-                          </a:solidFill>
-                          <a:effectLst/>
-                          <a:latin typeface="Candara" panose="020E0502030303020204" pitchFamily="34" charset="0"/>
-                        </a:rPr>
-                        <a:t>Fri</a:t>
-                      </a:r>
-                    </a:p>
-                  </a:txBody>
-                  <a:tcPr marL="4763" marR="4763" marT="4763" marB="0" anchor="ctr">
-                    <a:lnL w="6350" cap="flat" cmpd="sng" algn="ctr">
-                      <a:solidFill>
-                        <a:srgbClr val="000000"/>
-                      </a:solidFill>
-                      <a:prstDash val="solid"/>
-                      <a:round/>
-                      <a:headEnd type="none" w="med" len="med"/>
-                      <a:tailEnd type="none" w="med" len="med"/>
-                    </a:lnL>
-                    <a:lnR w="6350" cap="flat" cmpd="sng" algn="ctr">
-                      <a:solidFill>
-                        <a:srgbClr val="000000"/>
-                      </a:solidFill>
-                      <a:prstDash val="solid"/>
-                      <a:round/>
-                      <a:headEnd type="none" w="med" len="med"/>
-                      <a:tailEnd type="none" w="med" len="med"/>
-                    </a:lnR>
-                    <a:lnT w="6350" cap="flat" cmpd="sng" algn="ctr">
-                      <a:solidFill>
-                        <a:srgbClr val="000000"/>
-                      </a:solidFill>
-                      <a:prstDash val="solid"/>
-                      <a:round/>
-                      <a:headEnd type="none" w="med" len="med"/>
-                      <a:tailEnd type="none" w="med" len="med"/>
-                    </a:lnT>
-                    <a:lnB w="6350" cap="flat" cmpd="sng" algn="ctr">
-                      <a:solidFill>
-                        <a:srgbClr val="000000"/>
-                      </a:solidFill>
-                      <a:prstDash val="solid"/>
-                      <a:round/>
-                      <a:headEnd type="none" w="med" len="med"/>
-                      <a:tailEnd type="none" w="med" len="med"/>
-                    </a:lnB>
-                  </a:tcPr>
-                </a:tc>
-                <a:tc>
-                  <a:txBody>
-                    <a:bodyPr/>
-                    <a:lstStyle/>
-                    <a:p>
-                      <a:pPr algn="l" fontAlgn="ctr"/>
-                      <a:r>
-                        <a:rPr lang="en-IN" sz="800" b="0" i="0" u="none" strike="noStrike" dirty="0">
-                          <a:solidFill>
-                            <a:srgbClr val="000000"/>
-                          </a:solidFill>
-                          <a:effectLst/>
-                          <a:latin typeface="Candara" panose="020E0502030303020204" pitchFamily="34" charset="0"/>
-                        </a:rPr>
-                        <a:t>C#: Session 4</a:t>
-                      </a:r>
-                    </a:p>
-                  </a:txBody>
-                  <a:tcPr marL="4763" marR="4763" marT="4763" marB="0" anchor="ctr">
-                    <a:lnL w="6350" cap="flat" cmpd="sng" algn="ctr">
-                      <a:solidFill>
-                        <a:srgbClr val="000000"/>
-                      </a:solidFill>
-                      <a:prstDash val="solid"/>
-                      <a:round/>
-                      <a:headEnd type="none" w="med" len="med"/>
-                      <a:tailEnd type="none" w="med" len="med"/>
-                    </a:lnL>
-                    <a:lnR w="6350" cap="flat" cmpd="sng" algn="ctr">
-                      <a:solidFill>
-                        <a:srgbClr val="000000"/>
-                      </a:solidFill>
-                      <a:prstDash val="solid"/>
-                      <a:round/>
-                      <a:headEnd type="none" w="med" len="med"/>
-                      <a:tailEnd type="none" w="med" len="med"/>
-                    </a:lnR>
-                    <a:lnT w="6350" cap="flat" cmpd="sng" algn="ctr">
-                      <a:solidFill>
-                        <a:srgbClr val="000000"/>
-                      </a:solidFill>
-                      <a:prstDash val="solid"/>
-                      <a:round/>
-                      <a:headEnd type="none" w="med" len="med"/>
-                      <a:tailEnd type="none" w="med" len="med"/>
-                    </a:lnT>
-                    <a:lnB w="6350" cap="flat" cmpd="sng" algn="ctr">
-                      <a:solidFill>
-                        <a:srgbClr val="000000"/>
-                      </a:solidFill>
-                      <a:prstDash val="solid"/>
-                      <a:round/>
-                      <a:headEnd type="none" w="med" len="med"/>
-                      <a:tailEnd type="none" w="med" len="med"/>
-                    </a:lnB>
-                  </a:tcPr>
-                </a:tc>
-                <a:tc>
-                  <a:txBody>
-                    <a:bodyPr/>
-                    <a:lstStyle/>
-                    <a:p>
-                      <a:pPr algn="ctr" fontAlgn="ctr"/>
-                      <a:r>
-                        <a:rPr lang="en-IN" sz="800" b="0" i="0" u="none" strike="noStrike" dirty="0">
-                          <a:solidFill>
-                            <a:srgbClr val="000000"/>
-                          </a:solidFill>
-                          <a:effectLst/>
-                          <a:latin typeface="Candara" panose="020E0502030303020204" pitchFamily="34" charset="0"/>
-                        </a:rPr>
-                        <a:t>8</a:t>
-                      </a:r>
-                    </a:p>
-                  </a:txBody>
-                  <a:tcPr marL="4763" marR="4763" marT="4763" marB="0" anchor="ctr">
-                    <a:lnL w="6350" cap="flat" cmpd="sng" algn="ctr">
-                      <a:solidFill>
-                        <a:srgbClr val="000000"/>
-                      </a:solidFill>
-                      <a:prstDash val="solid"/>
-                      <a:round/>
-                      <a:headEnd type="none" w="med" len="med"/>
-                      <a:tailEnd type="none" w="med" len="med"/>
-                    </a:lnL>
-                    <a:lnR w="6350" cap="flat" cmpd="sng" algn="ctr">
-                      <a:solidFill>
-                        <a:srgbClr val="000000"/>
-                      </a:solidFill>
-                      <a:prstDash val="solid"/>
-                      <a:round/>
-                      <a:headEnd type="none" w="med" len="med"/>
-                      <a:tailEnd type="none" w="med" len="med"/>
-                    </a:lnR>
-                    <a:lnT w="6350" cap="flat" cmpd="sng" algn="ctr">
-                      <a:solidFill>
-                        <a:srgbClr val="000000"/>
-                      </a:solidFill>
-                      <a:prstDash val="solid"/>
-                      <a:round/>
-                      <a:headEnd type="none" w="med" len="med"/>
-                      <a:tailEnd type="none" w="med" len="med"/>
-                    </a:lnT>
-                    <a:lnB w="6350" cap="flat" cmpd="sng" algn="ctr">
-                      <a:solidFill>
-                        <a:srgbClr val="000000"/>
-                      </a:solidFill>
-                      <a:prstDash val="solid"/>
-                      <a:round/>
-                      <a:headEnd type="none" w="med" len="med"/>
-                      <a:tailEnd type="none" w="med" len="med"/>
-                    </a:lnB>
-                  </a:tcPr>
-                </a:tc>
-                <a:tc>
-                  <a:txBody>
-                    <a:bodyPr/>
-                    <a:lstStyle/>
-                    <a:p>
-                      <a:pPr algn="ctr" fontAlgn="ctr"/>
-                      <a:r>
-                        <a:rPr lang="en-IN" sz="800" b="0" i="0" u="none" strike="noStrike" dirty="0">
-                          <a:solidFill>
-                            <a:srgbClr val="000000"/>
-                          </a:solidFill>
-                          <a:effectLst/>
-                          <a:latin typeface="Candara" panose="020E0502030303020204" pitchFamily="34" charset="0"/>
-                        </a:rPr>
-                        <a:t>09:30AM to 5:30 PM</a:t>
-                      </a:r>
-                    </a:p>
-                  </a:txBody>
-                  <a:tcPr marL="4763" marR="4763" marT="4763" marB="0" anchor="ctr">
-                    <a:lnL w="6350" cap="flat" cmpd="sng" algn="ctr">
-                      <a:solidFill>
-                        <a:srgbClr val="000000"/>
-                      </a:solidFill>
-                      <a:prstDash val="solid"/>
-                      <a:round/>
-                      <a:headEnd type="none" w="med" len="med"/>
-                      <a:tailEnd type="none" w="med" len="med"/>
-                    </a:lnL>
-                    <a:lnR w="6350" cap="flat" cmpd="sng" algn="ctr">
-                      <a:solidFill>
-                        <a:srgbClr val="000000"/>
-                      </a:solidFill>
-                      <a:prstDash val="solid"/>
-                      <a:round/>
-                      <a:headEnd type="none" w="med" len="med"/>
-                      <a:tailEnd type="none" w="med" len="med"/>
-                    </a:lnR>
-                    <a:lnT w="6350" cap="flat" cmpd="sng" algn="ctr">
-                      <a:solidFill>
-                        <a:srgbClr val="000000"/>
-                      </a:solidFill>
-                      <a:prstDash val="solid"/>
-                      <a:round/>
-                      <a:headEnd type="none" w="med" len="med"/>
-                      <a:tailEnd type="none" w="med" len="med"/>
-                    </a:lnT>
-                    <a:lnB w="6350" cap="flat" cmpd="sng" algn="ctr">
-                      <a:solidFill>
-                        <a:srgbClr val="000000"/>
-                      </a:solidFill>
-                      <a:prstDash val="solid"/>
-                      <a:round/>
-                      <a:headEnd type="none" w="med" len="med"/>
-                      <a:tailEnd type="none" w="med" len="med"/>
-                    </a:lnB>
-                  </a:tcPr>
-                </a:tc>
-                <a:extLst>
-                  <a:ext uri="{0D108BD9-81ED-4DB2-BD59-A6C34878D82A}">
-                    <a16:rowId xmlns:a16="http://schemas.microsoft.com/office/drawing/2014/main" val="1172298094"/>
-                  </a:ext>
-                </a:extLst>
-              </a:tr>
-              <a:tr h="246514">
-                <a:tc>
-                  <a:txBody>
-                    <a:bodyPr/>
-                    <a:lstStyle/>
-                    <a:p>
-                      <a:pPr algn="ctr" fontAlgn="ctr"/>
-                      <a:r>
-                        <a:rPr lang="en-IN" sz="800" b="0" i="0" u="none" strike="noStrike" dirty="0">
-                          <a:solidFill>
-                            <a:srgbClr val="000000"/>
-                          </a:solidFill>
-                          <a:effectLst/>
-                          <a:latin typeface="Candara" panose="020E0502030303020204" pitchFamily="34" charset="0"/>
-                        </a:rPr>
-                        <a:t>27-Oct</a:t>
-                      </a:r>
-                    </a:p>
-                  </a:txBody>
-                  <a:tcPr marL="4763" marR="4763" marT="4763" marB="0" anchor="ctr">
-                    <a:lnL w="6350" cap="flat" cmpd="sng" algn="ctr">
-                      <a:solidFill>
-                        <a:srgbClr val="000000"/>
-                      </a:solidFill>
-                      <a:prstDash val="solid"/>
-                      <a:round/>
-                      <a:headEnd type="none" w="med" len="med"/>
-                      <a:tailEnd type="none" w="med" len="med"/>
-                    </a:lnL>
-                    <a:lnR w="6350" cap="flat" cmpd="sng" algn="ctr">
-                      <a:solidFill>
-                        <a:srgbClr val="000000"/>
-                      </a:solidFill>
-                      <a:prstDash val="solid"/>
-                      <a:round/>
-                      <a:headEnd type="none" w="med" len="med"/>
-                      <a:tailEnd type="none" w="med" len="med"/>
-                    </a:lnR>
-                    <a:lnT w="6350" cap="flat" cmpd="sng" algn="ctr">
-                      <a:solidFill>
-                        <a:srgbClr val="000000"/>
-                      </a:solidFill>
-                      <a:prstDash val="solid"/>
-                      <a:round/>
-                      <a:headEnd type="none" w="med" len="med"/>
-                      <a:tailEnd type="none" w="med" len="med"/>
-                    </a:lnT>
-                    <a:lnB w="6350" cap="flat" cmpd="sng" algn="ctr">
-                      <a:solidFill>
-                        <a:srgbClr val="000000"/>
-                      </a:solidFill>
-                      <a:prstDash val="solid"/>
-                      <a:round/>
-                      <a:headEnd type="none" w="med" len="med"/>
-                      <a:tailEnd type="none" w="med" len="med"/>
-                    </a:lnB>
-                  </a:tcPr>
-                </a:tc>
-                <a:tc>
-                  <a:txBody>
-                    <a:bodyPr/>
-                    <a:lstStyle/>
-                    <a:p>
-                      <a:pPr algn="ctr" fontAlgn="ctr"/>
-                      <a:r>
-                        <a:rPr lang="en-IN" sz="800" b="0" i="0" u="none" strike="noStrike" dirty="0">
-                          <a:solidFill>
-                            <a:srgbClr val="000000"/>
-                          </a:solidFill>
-                          <a:effectLst/>
-                          <a:latin typeface="Candara" panose="020E0502030303020204" pitchFamily="34" charset="0"/>
-                        </a:rPr>
-                        <a:t>Thu</a:t>
-                      </a:r>
-                    </a:p>
-                  </a:txBody>
-                  <a:tcPr marL="4763" marR="4763" marT="4763" marB="0" anchor="ctr">
-                    <a:lnL w="6350" cap="flat" cmpd="sng" algn="ctr">
-                      <a:solidFill>
-                        <a:srgbClr val="000000"/>
-                      </a:solidFill>
-                      <a:prstDash val="solid"/>
-                      <a:round/>
-                      <a:headEnd type="none" w="med" len="med"/>
-                      <a:tailEnd type="none" w="med" len="med"/>
-                    </a:lnL>
-                    <a:lnR w="6350" cap="flat" cmpd="sng" algn="ctr">
-                      <a:solidFill>
-                        <a:srgbClr val="000000"/>
-                      </a:solidFill>
-                      <a:prstDash val="solid"/>
-                      <a:round/>
-                      <a:headEnd type="none" w="med" len="med"/>
-                      <a:tailEnd type="none" w="med" len="med"/>
-                    </a:lnR>
-                    <a:lnT w="6350" cap="flat" cmpd="sng" algn="ctr">
-                      <a:solidFill>
-                        <a:srgbClr val="000000"/>
-                      </a:solidFill>
-                      <a:prstDash val="solid"/>
-                      <a:round/>
-                      <a:headEnd type="none" w="med" len="med"/>
-                      <a:tailEnd type="none" w="med" len="med"/>
-                    </a:lnT>
-                    <a:lnB w="6350" cap="flat" cmpd="sng" algn="ctr">
-                      <a:solidFill>
-                        <a:srgbClr val="000000"/>
-                      </a:solidFill>
-                      <a:prstDash val="solid"/>
-                      <a:round/>
-                      <a:headEnd type="none" w="med" len="med"/>
-                      <a:tailEnd type="none" w="med" len="med"/>
-                    </a:lnB>
-                  </a:tcPr>
-                </a:tc>
-                <a:tc>
-                  <a:txBody>
-                    <a:bodyPr/>
-                    <a:lstStyle/>
-                    <a:p>
-                      <a:pPr algn="l" fontAlgn="ctr"/>
-                      <a:r>
-                        <a:rPr lang="en-IN" sz="800" b="0" i="0" u="none" strike="noStrike" dirty="0">
-                          <a:solidFill>
-                            <a:srgbClr val="000000"/>
-                          </a:solidFill>
-                          <a:effectLst/>
-                          <a:latin typeface="Candara" panose="020E0502030303020204" pitchFamily="34" charset="0"/>
-                        </a:rPr>
-                        <a:t>Unit Testing: Session 5</a:t>
-                      </a:r>
-                    </a:p>
-                  </a:txBody>
-                  <a:tcPr marL="4763" marR="4763" marT="4763" marB="0" anchor="ctr">
-                    <a:lnL w="6350" cap="flat" cmpd="sng" algn="ctr">
-                      <a:solidFill>
-                        <a:srgbClr val="000000"/>
-                      </a:solidFill>
-                      <a:prstDash val="solid"/>
-                      <a:round/>
-                      <a:headEnd type="none" w="med" len="med"/>
-                      <a:tailEnd type="none" w="med" len="med"/>
-                    </a:lnL>
-                    <a:lnR w="6350" cap="flat" cmpd="sng" algn="ctr">
-                      <a:solidFill>
-                        <a:srgbClr val="000000"/>
-                      </a:solidFill>
-                      <a:prstDash val="solid"/>
-                      <a:round/>
-                      <a:headEnd type="none" w="med" len="med"/>
-                      <a:tailEnd type="none" w="med" len="med"/>
-                    </a:lnR>
-                    <a:lnT w="6350" cap="flat" cmpd="sng" algn="ctr">
-                      <a:solidFill>
-                        <a:srgbClr val="000000"/>
-                      </a:solidFill>
-                      <a:prstDash val="solid"/>
-                      <a:round/>
-                      <a:headEnd type="none" w="med" len="med"/>
-                      <a:tailEnd type="none" w="med" len="med"/>
-                    </a:lnT>
-                    <a:lnB w="6350" cap="flat" cmpd="sng" algn="ctr">
-                      <a:solidFill>
-                        <a:srgbClr val="000000"/>
-                      </a:solidFill>
-                      <a:prstDash val="solid"/>
-                      <a:round/>
-                      <a:headEnd type="none" w="med" len="med"/>
-                      <a:tailEnd type="none" w="med" len="med"/>
-                    </a:lnB>
-                  </a:tcPr>
-                </a:tc>
-                <a:tc>
-                  <a:txBody>
-                    <a:bodyPr/>
-                    <a:lstStyle/>
-                    <a:p>
-                      <a:pPr algn="ctr" fontAlgn="ctr"/>
-                      <a:r>
-                        <a:rPr lang="en-IN" sz="800" b="0" i="0" u="none" strike="noStrike" dirty="0">
-                          <a:solidFill>
-                            <a:srgbClr val="000000"/>
-                          </a:solidFill>
-                          <a:effectLst/>
-                          <a:latin typeface="Candara" panose="020E0502030303020204" pitchFamily="34" charset="0"/>
-                        </a:rPr>
-                        <a:t>8</a:t>
-                      </a:r>
-                    </a:p>
-                  </a:txBody>
-                  <a:tcPr marL="4763" marR="4763" marT="4763" marB="0" anchor="ctr">
-                    <a:lnL w="6350" cap="flat" cmpd="sng" algn="ctr">
-                      <a:solidFill>
-                        <a:srgbClr val="000000"/>
-                      </a:solidFill>
-                      <a:prstDash val="solid"/>
-                      <a:round/>
-                      <a:headEnd type="none" w="med" len="med"/>
-                      <a:tailEnd type="none" w="med" len="med"/>
-                    </a:lnL>
-                    <a:lnR w="6350" cap="flat" cmpd="sng" algn="ctr">
-                      <a:solidFill>
-                        <a:srgbClr val="000000"/>
-                      </a:solidFill>
-                      <a:prstDash val="solid"/>
-                      <a:round/>
-                      <a:headEnd type="none" w="med" len="med"/>
-                      <a:tailEnd type="none" w="med" len="med"/>
-                    </a:lnR>
-                    <a:lnT w="6350" cap="flat" cmpd="sng" algn="ctr">
-                      <a:solidFill>
-                        <a:srgbClr val="000000"/>
-                      </a:solidFill>
-                      <a:prstDash val="solid"/>
-                      <a:round/>
-                      <a:headEnd type="none" w="med" len="med"/>
-                      <a:tailEnd type="none" w="med" len="med"/>
-                    </a:lnT>
-                    <a:lnB w="6350" cap="flat" cmpd="sng" algn="ctr">
-                      <a:solidFill>
-                        <a:srgbClr val="000000"/>
-                      </a:solidFill>
-                      <a:prstDash val="solid"/>
-                      <a:round/>
-                      <a:headEnd type="none" w="med" len="med"/>
-                      <a:tailEnd type="none" w="med" len="med"/>
-                    </a:lnB>
-                  </a:tcPr>
-                </a:tc>
-                <a:tc>
-                  <a:txBody>
-                    <a:bodyPr/>
-                    <a:lstStyle/>
-                    <a:p>
-                      <a:pPr algn="ctr" fontAlgn="ctr"/>
-                      <a:r>
-                        <a:rPr lang="en-IN" sz="800" b="0" i="0" u="none" strike="noStrike" dirty="0">
-                          <a:solidFill>
-                            <a:srgbClr val="000000"/>
-                          </a:solidFill>
-                          <a:effectLst/>
-                          <a:latin typeface="Candara" panose="020E0502030303020204" pitchFamily="34" charset="0"/>
-                        </a:rPr>
-                        <a:t>09:30AM to 5:30 PM</a:t>
-                      </a:r>
-                    </a:p>
-                  </a:txBody>
-                  <a:tcPr marL="4763" marR="4763" marT="4763" marB="0" anchor="ctr">
-                    <a:lnL w="6350" cap="flat" cmpd="sng" algn="ctr">
-                      <a:solidFill>
-                        <a:srgbClr val="000000"/>
-                      </a:solidFill>
-                      <a:prstDash val="solid"/>
-                      <a:round/>
-                      <a:headEnd type="none" w="med" len="med"/>
-                      <a:tailEnd type="none" w="med" len="med"/>
-                    </a:lnL>
-                    <a:lnR w="6350" cap="flat" cmpd="sng" algn="ctr">
-                      <a:solidFill>
-                        <a:srgbClr val="000000"/>
-                      </a:solidFill>
-                      <a:prstDash val="solid"/>
-                      <a:round/>
-                      <a:headEnd type="none" w="med" len="med"/>
-                      <a:tailEnd type="none" w="med" len="med"/>
-                    </a:lnR>
-                    <a:lnT w="6350" cap="flat" cmpd="sng" algn="ctr">
-                      <a:solidFill>
-                        <a:srgbClr val="000000"/>
-                      </a:solidFill>
-                      <a:prstDash val="solid"/>
-                      <a:round/>
-                      <a:headEnd type="none" w="med" len="med"/>
-                      <a:tailEnd type="none" w="med" len="med"/>
-                    </a:lnT>
-                    <a:lnB w="6350" cap="flat" cmpd="sng" algn="ctr">
-                      <a:solidFill>
-                        <a:srgbClr val="000000"/>
-                      </a:solidFill>
-                      <a:prstDash val="solid"/>
-                      <a:round/>
-                      <a:headEnd type="none" w="med" len="med"/>
-                      <a:tailEnd type="none" w="med" len="med"/>
-                    </a:lnB>
-                  </a:tcPr>
-                </a:tc>
-                <a:extLst>
-                  <a:ext uri="{0D108BD9-81ED-4DB2-BD59-A6C34878D82A}">
-                    <a16:rowId xmlns:a16="http://schemas.microsoft.com/office/drawing/2014/main" val="1821144324"/>
-                  </a:ext>
-                </a:extLst>
-              </a:tr>
-              <a:tr h="246514">
-                <a:tc>
-                  <a:txBody>
-                    <a:bodyPr/>
-                    <a:lstStyle/>
-                    <a:p>
-                      <a:pPr algn="ctr" fontAlgn="ctr"/>
-                      <a:r>
-                        <a:rPr lang="en-IN" sz="800" b="0" i="0" u="none" strike="noStrike" dirty="0">
-                          <a:solidFill>
-                            <a:srgbClr val="000000"/>
-                          </a:solidFill>
-                          <a:effectLst/>
-                          <a:latin typeface="Candara" panose="020E0502030303020204" pitchFamily="34" charset="0"/>
-                        </a:rPr>
-                        <a:t>28-Oct</a:t>
-                      </a:r>
-                    </a:p>
-                  </a:txBody>
-                  <a:tcPr marL="4763" marR="4763" marT="4763" marB="0" anchor="ctr">
-                    <a:lnL w="6350" cap="flat" cmpd="sng" algn="ctr">
-                      <a:solidFill>
-                        <a:srgbClr val="000000"/>
-                      </a:solidFill>
-                      <a:prstDash val="solid"/>
-                      <a:round/>
-                      <a:headEnd type="none" w="med" len="med"/>
-                      <a:tailEnd type="none" w="med" len="med"/>
-                    </a:lnL>
-                    <a:lnR w="6350" cap="flat" cmpd="sng" algn="ctr">
-                      <a:solidFill>
-                        <a:srgbClr val="000000"/>
-                      </a:solidFill>
-                      <a:prstDash val="solid"/>
-                      <a:round/>
-                      <a:headEnd type="none" w="med" len="med"/>
-                      <a:tailEnd type="none" w="med" len="med"/>
-                    </a:lnR>
-                    <a:lnT w="6350" cap="flat" cmpd="sng" algn="ctr">
-                      <a:solidFill>
-                        <a:srgbClr val="000000"/>
-                      </a:solidFill>
-                      <a:prstDash val="solid"/>
-                      <a:round/>
-                      <a:headEnd type="none" w="med" len="med"/>
-                      <a:tailEnd type="none" w="med" len="med"/>
-                    </a:lnT>
-                    <a:lnB w="6350" cap="flat" cmpd="sng" algn="ctr">
-                      <a:solidFill>
-                        <a:srgbClr val="000000"/>
-                      </a:solidFill>
-                      <a:prstDash val="solid"/>
-                      <a:round/>
-                      <a:headEnd type="none" w="med" len="med"/>
-                      <a:tailEnd type="none" w="med" len="med"/>
-                    </a:lnB>
-                  </a:tcPr>
-                </a:tc>
-                <a:tc>
-                  <a:txBody>
-                    <a:bodyPr/>
-                    <a:lstStyle/>
-                    <a:p>
-                      <a:pPr algn="ctr" fontAlgn="ctr"/>
-                      <a:r>
-                        <a:rPr lang="en-IN" sz="800" b="0" i="0" u="none" strike="noStrike" dirty="0">
-                          <a:solidFill>
-                            <a:srgbClr val="000000"/>
-                          </a:solidFill>
-                          <a:effectLst/>
-                          <a:latin typeface="Candara" panose="020E0502030303020204" pitchFamily="34" charset="0"/>
-                        </a:rPr>
-                        <a:t>Fri</a:t>
-                      </a:r>
-                    </a:p>
-                  </a:txBody>
-                  <a:tcPr marL="4763" marR="4763" marT="4763" marB="0" anchor="ctr">
-                    <a:lnL w="6350" cap="flat" cmpd="sng" algn="ctr">
-                      <a:solidFill>
-                        <a:srgbClr val="000000"/>
-                      </a:solidFill>
-                      <a:prstDash val="solid"/>
-                      <a:round/>
-                      <a:headEnd type="none" w="med" len="med"/>
-                      <a:tailEnd type="none" w="med" len="med"/>
-                    </a:lnL>
-                    <a:lnR w="6350" cap="flat" cmpd="sng" algn="ctr">
-                      <a:solidFill>
-                        <a:srgbClr val="000000"/>
-                      </a:solidFill>
-                      <a:prstDash val="solid"/>
-                      <a:round/>
-                      <a:headEnd type="none" w="med" len="med"/>
-                      <a:tailEnd type="none" w="med" len="med"/>
-                    </a:lnR>
-                    <a:lnT w="6350" cap="flat" cmpd="sng" algn="ctr">
-                      <a:solidFill>
-                        <a:srgbClr val="000000"/>
-                      </a:solidFill>
-                      <a:prstDash val="solid"/>
-                      <a:round/>
-                      <a:headEnd type="none" w="med" len="med"/>
-                      <a:tailEnd type="none" w="med" len="med"/>
-                    </a:lnT>
-                    <a:lnB w="6350" cap="flat" cmpd="sng" algn="ctr">
-                      <a:solidFill>
-                        <a:srgbClr val="000000"/>
-                      </a:solidFill>
-                      <a:prstDash val="solid"/>
-                      <a:round/>
-                      <a:headEnd type="none" w="med" len="med"/>
-                      <a:tailEnd type="none" w="med" len="med"/>
-                    </a:lnB>
-                  </a:tcPr>
-                </a:tc>
-                <a:tc>
-                  <a:txBody>
-                    <a:bodyPr/>
-                    <a:lstStyle/>
-                    <a:p>
-                      <a:pPr algn="l" fontAlgn="ctr"/>
-                      <a:r>
-                        <a:rPr lang="en-IN" sz="800" b="0" i="0" u="none" strike="noStrike" dirty="0">
-                          <a:solidFill>
-                            <a:srgbClr val="000000"/>
-                          </a:solidFill>
-                          <a:effectLst/>
-                          <a:latin typeface="Candara" panose="020E0502030303020204" pitchFamily="34" charset="0"/>
-                        </a:rPr>
-                        <a:t>API: Session 6</a:t>
-                      </a:r>
-                    </a:p>
-                  </a:txBody>
-                  <a:tcPr marL="4763" marR="4763" marT="4763" marB="0" anchor="ctr">
-                    <a:lnL w="6350" cap="flat" cmpd="sng" algn="ctr">
-                      <a:solidFill>
-                        <a:srgbClr val="000000"/>
-                      </a:solidFill>
-                      <a:prstDash val="solid"/>
-                      <a:round/>
-                      <a:headEnd type="none" w="med" len="med"/>
-                      <a:tailEnd type="none" w="med" len="med"/>
-                    </a:lnL>
-                    <a:lnR w="6350" cap="flat" cmpd="sng" algn="ctr">
-                      <a:solidFill>
-                        <a:srgbClr val="000000"/>
-                      </a:solidFill>
-                      <a:prstDash val="solid"/>
-                      <a:round/>
-                      <a:headEnd type="none" w="med" len="med"/>
-                      <a:tailEnd type="none" w="med" len="med"/>
-                    </a:lnR>
-                    <a:lnT w="6350" cap="flat" cmpd="sng" algn="ctr">
-                      <a:solidFill>
-                        <a:srgbClr val="000000"/>
-                      </a:solidFill>
-                      <a:prstDash val="solid"/>
-                      <a:round/>
-                      <a:headEnd type="none" w="med" len="med"/>
-                      <a:tailEnd type="none" w="med" len="med"/>
-                    </a:lnT>
-                    <a:lnB w="6350" cap="flat" cmpd="sng" algn="ctr">
-                      <a:solidFill>
-                        <a:srgbClr val="000000"/>
-                      </a:solidFill>
-                      <a:prstDash val="solid"/>
-                      <a:round/>
-                      <a:headEnd type="none" w="med" len="med"/>
-                      <a:tailEnd type="none" w="med" len="med"/>
-                    </a:lnB>
-                  </a:tcPr>
-                </a:tc>
-                <a:tc>
-                  <a:txBody>
-                    <a:bodyPr/>
-                    <a:lstStyle/>
-                    <a:p>
-                      <a:pPr algn="ctr" fontAlgn="ctr"/>
-                      <a:r>
-                        <a:rPr lang="en-IN" sz="800" b="0" i="0" u="none" strike="noStrike" dirty="0">
-                          <a:solidFill>
-                            <a:srgbClr val="000000"/>
-                          </a:solidFill>
-                          <a:effectLst/>
-                          <a:latin typeface="Candara" panose="020E0502030303020204" pitchFamily="34" charset="0"/>
-                        </a:rPr>
-                        <a:t>8</a:t>
-                      </a:r>
-                    </a:p>
-                  </a:txBody>
-                  <a:tcPr marL="4763" marR="4763" marT="4763" marB="0" anchor="ctr">
-                    <a:lnL w="6350" cap="flat" cmpd="sng" algn="ctr">
-                      <a:solidFill>
-                        <a:srgbClr val="000000"/>
-                      </a:solidFill>
-                      <a:prstDash val="solid"/>
-                      <a:round/>
-                      <a:headEnd type="none" w="med" len="med"/>
-                      <a:tailEnd type="none" w="med" len="med"/>
-                    </a:lnL>
-                    <a:lnR w="6350" cap="flat" cmpd="sng" algn="ctr">
-                      <a:solidFill>
-                        <a:srgbClr val="000000"/>
-                      </a:solidFill>
-                      <a:prstDash val="solid"/>
-                      <a:round/>
-                      <a:headEnd type="none" w="med" len="med"/>
-                      <a:tailEnd type="none" w="med" len="med"/>
-                    </a:lnR>
-                    <a:lnT w="6350" cap="flat" cmpd="sng" algn="ctr">
-                      <a:solidFill>
-                        <a:srgbClr val="000000"/>
-                      </a:solidFill>
-                      <a:prstDash val="solid"/>
-                      <a:round/>
-                      <a:headEnd type="none" w="med" len="med"/>
-                      <a:tailEnd type="none" w="med" len="med"/>
-                    </a:lnT>
-                    <a:lnB w="6350" cap="flat" cmpd="sng" algn="ctr">
-                      <a:solidFill>
-                        <a:srgbClr val="000000"/>
-                      </a:solidFill>
-                      <a:prstDash val="solid"/>
-                      <a:round/>
-                      <a:headEnd type="none" w="med" len="med"/>
-                      <a:tailEnd type="none" w="med" len="med"/>
-                    </a:lnB>
-                  </a:tcPr>
-                </a:tc>
-                <a:tc>
-                  <a:txBody>
-                    <a:bodyPr/>
-                    <a:lstStyle/>
-                    <a:p>
-                      <a:pPr algn="ctr" fontAlgn="ctr"/>
-                      <a:r>
-                        <a:rPr lang="en-IN" sz="800" b="0" i="0" u="none" strike="noStrike" dirty="0">
-                          <a:solidFill>
-                            <a:srgbClr val="000000"/>
-                          </a:solidFill>
-                          <a:effectLst/>
-                          <a:latin typeface="Candara" panose="020E0502030303020204" pitchFamily="34" charset="0"/>
-                        </a:rPr>
-                        <a:t>09:30AM to 5:30 PM</a:t>
-                      </a:r>
-                    </a:p>
-                  </a:txBody>
-                  <a:tcPr marL="4763" marR="4763" marT="4763" marB="0" anchor="ctr">
-                    <a:lnL w="6350" cap="flat" cmpd="sng" algn="ctr">
-                      <a:solidFill>
-                        <a:srgbClr val="000000"/>
-                      </a:solidFill>
-                      <a:prstDash val="solid"/>
-                      <a:round/>
-                      <a:headEnd type="none" w="med" len="med"/>
-                      <a:tailEnd type="none" w="med" len="med"/>
-                    </a:lnL>
-                    <a:lnR w="6350" cap="flat" cmpd="sng" algn="ctr">
-                      <a:solidFill>
-                        <a:srgbClr val="000000"/>
-                      </a:solidFill>
-                      <a:prstDash val="solid"/>
-                      <a:round/>
-                      <a:headEnd type="none" w="med" len="med"/>
-                      <a:tailEnd type="none" w="med" len="med"/>
-                    </a:lnR>
-                    <a:lnT w="6350" cap="flat" cmpd="sng" algn="ctr">
-                      <a:solidFill>
-                        <a:srgbClr val="000000"/>
-                      </a:solidFill>
-                      <a:prstDash val="solid"/>
-                      <a:round/>
-                      <a:headEnd type="none" w="med" len="med"/>
-                      <a:tailEnd type="none" w="med" len="med"/>
-                    </a:lnT>
-                    <a:lnB w="6350" cap="flat" cmpd="sng" algn="ctr">
-                      <a:solidFill>
-                        <a:srgbClr val="000000"/>
-                      </a:solidFill>
-                      <a:prstDash val="solid"/>
-                      <a:round/>
-                      <a:headEnd type="none" w="med" len="med"/>
-                      <a:tailEnd type="none" w="med" len="med"/>
-                    </a:lnB>
-                  </a:tcPr>
-                </a:tc>
-                <a:extLst>
-                  <a:ext uri="{0D108BD9-81ED-4DB2-BD59-A6C34878D82A}">
-                    <a16:rowId xmlns:a16="http://schemas.microsoft.com/office/drawing/2014/main" val="3717821744"/>
-                  </a:ext>
-                </a:extLst>
-              </a:tr>
-            </a:tbl>
-          </a:graphicData>
-        </a:graphic>
-      </p:graphicFrame>
-    </p:spTree>
-  </p:cSld>
-  <p:clrMapOvr>
-    <a:masterClrMapping/>
-  </p:clrMapOvr>
-</p:sld>
-</file>
-
-<file path=ppt/slides/slide3.xml><?xml version="1.0" encoding="utf-8"?>
-<p:sld xmlns:a="http://schemas.openxmlformats.org/drawingml/2006/main" xmlns:r="http://schemas.openxmlformats.org/officeDocument/2006/relationships" xmlns:p="http://schemas.openxmlformats.org/presentationml/2006/main">
-  <p:cSld>
-    <p:spTree>
-      <p:nvGrpSpPr>
-        <p:cNvPr id="1" name=""/>
-        <p:cNvGrpSpPr/>
-        <p:nvPr/>
-      </p:nvGrpSpPr>
-      <p:grpSpPr>
-        <a:xfrm>
-          <a:off x="0" y="0"/>
-          <a:ext cx="0" cy="0"/>
-          <a:chOff x="0" y="0"/>
-          <a:chExt cx="0" cy="0"/>
-        </a:xfrm>
-      </p:grpSpPr>
-      <p:sp>
-        <p:nvSpPr>
-          <p:cNvPr id="2" name="Rectangle 1">
-            <a:extLst>
-              <a:ext uri="{FF2B5EF4-FFF2-40B4-BE49-F238E27FC236}">
-                <a16:creationId xmlns:a16="http://schemas.microsoft.com/office/drawing/2014/main" id="{E7D599C0-D44B-4BD8-BA8F-ADA415B80AA4}"/>
-              </a:ext>
-            </a:extLst>
-          </p:cNvPr>
-          <p:cNvSpPr/>
-          <p:nvPr/>
-        </p:nvSpPr>
-        <p:spPr>
-          <a:xfrm>
-            <a:off x="270382" y="1095107"/>
-            <a:ext cx="7938117" cy="507831"/>
-          </a:xfrm>
-          <a:prstGeom prst="rect">
-            <a:avLst/>
-          </a:prstGeom>
-        </p:spPr>
-        <p:txBody>
-          <a:bodyPr wrap="square">
-            <a:spAutoFit/>
-          </a:bodyPr>
-          <a:lstStyle/>
-          <a:p>
-            <a:pPr defTabSz="685800">
-              <a:defRPr/>
-            </a:pPr>
-            <a:r>
-              <a:rPr lang="en-IN" sz="2700" b="1" dirty="0">
-                <a:solidFill>
-                  <a:srgbClr val="E95332"/>
-                </a:solidFill>
-                <a:latin typeface="Candara" panose="020E0502030303020204" pitchFamily="34" charset="0"/>
-                <a:cs typeface="Arial"/>
-                <a:sym typeface="Arial"/>
-              </a:rPr>
               <a:t>Agenda for the Day</a:t>
             </a:r>
           </a:p>
@@ -7401,35 +4253,14 @@
           <a:lstStyle/>
           <a:p>
             <a:r>
-              <a:rPr lang="en-US" dirty="0">
+              <a:rPr lang="en-US">
                 <a:latin typeface="Candara" panose="020E0502030303020204" pitchFamily="34" charset="0"/>
               </a:rPr>
-              <a:t>Arrays</a:t>
-            </a:r>
-          </a:p>
-          <a:p>
-            <a:r>
-              <a:rPr lang="en-US" dirty="0">
-                <a:latin typeface="Candara" panose="020E0502030303020204" pitchFamily="34" charset="0"/>
-              </a:rPr>
-              <a:t>Rectangle Array</a:t>
-            </a:r>
-          </a:p>
-          <a:p>
-            <a:r>
-              <a:rPr lang="en-US" dirty="0">
-                <a:latin typeface="Candara" panose="020E0502030303020204" pitchFamily="34" charset="0"/>
-              </a:rPr>
-              <a:t>Jagged Array</a:t>
-            </a:r>
-          </a:p>
-          <a:p>
-            <a:r>
-              <a:rPr lang="en-US" dirty="0">
-                <a:latin typeface="Candara" panose="020E0502030303020204" pitchFamily="34" charset="0"/>
-              </a:rPr>
               <a:t>Strings</a:t>
             </a:r>
+            <a:endParaRPr lang="en-US" dirty="0">
+              <a:latin typeface="Candara" panose="020E0502030303020204" pitchFamily="34" charset="0"/>
+            </a:endParaRPr>
           </a:p>
           <a:p>
             <a:r>
@@ -7457,7 +4288,7 @@
 </p:sld>
 </file>
 
-<file path=ppt/slides/slide4.xml><?xml version="1.0" encoding="utf-8"?>
+<file path=ppt/slides/slide2.xml><?xml version="1.0" encoding="utf-8"?>
 <p:sld xmlns:a="http://schemas.openxmlformats.org/drawingml/2006/main" xmlns:r="http://schemas.openxmlformats.org/officeDocument/2006/relationships" xmlns:p="http://schemas.openxmlformats.org/presentationml/2006/main">
   <p:cSld>
     <p:spTree>
@@ -7774,6 +4605,631 @@
 </p:sld>
 </file>
 
+<file path=ppt/slides/slide3.xml><?xml version="1.0" encoding="utf-8"?>
+<p:sld xmlns:a="http://schemas.openxmlformats.org/drawingml/2006/main" xmlns:r="http://schemas.openxmlformats.org/officeDocument/2006/relationships" xmlns:p="http://schemas.openxmlformats.org/presentationml/2006/main">
+  <p:cSld>
+    <p:spTree>
+      <p:nvGrpSpPr>
+        <p:cNvPr id="1" name=""/>
+        <p:cNvGrpSpPr/>
+        <p:nvPr/>
+      </p:nvGrpSpPr>
+      <p:grpSpPr>
+        <a:xfrm>
+          <a:off x="0" y="0"/>
+          <a:ext cx="0" cy="0"/>
+          <a:chOff x="0" y="0"/>
+          <a:chExt cx="0" cy="0"/>
+        </a:xfrm>
+      </p:grpSpPr>
+      <p:sp>
+        <p:nvSpPr>
+          <p:cNvPr id="4" name="Title 3"/>
+          <p:cNvSpPr>
+            <a:spLocks noGrp="1"/>
+          </p:cNvSpPr>
+          <p:nvPr>
+            <p:ph type="title"/>
+          </p:nvPr>
+        </p:nvSpPr>
+        <p:spPr/>
+        <p:txBody>
+          <a:bodyPr/>
+          <a:lstStyle/>
+          <a:p>
+            <a:r>
+              <a:rPr lang="en-US" dirty="0">
+                <a:solidFill>
+                  <a:srgbClr val="FF0000"/>
+                </a:solidFill>
+              </a:rPr>
+              <a:t>Strings</a:t>
+            </a:r>
+          </a:p>
+        </p:txBody>
+      </p:sp>
+      <p:sp>
+        <p:nvSpPr>
+          <p:cNvPr id="7" name="Content Placeholder 6"/>
+          <p:cNvSpPr>
+            <a:spLocks noGrp="1"/>
+          </p:cNvSpPr>
+          <p:nvPr>
+            <p:ph idx="1"/>
+          </p:nvPr>
+        </p:nvSpPr>
+        <p:spPr/>
+        <p:txBody>
+          <a:bodyPr>
+            <a:normAutofit fontScale="92500" lnSpcReduction="20000"/>
+          </a:bodyPr>
+          <a:lstStyle/>
+          <a:p>
+            <a:pPr lvl="1"/>
+            <a:r>
+              <a:rPr lang="en-US" dirty="0">
+                <a:solidFill>
+                  <a:srgbClr val="C00000"/>
+                </a:solidFill>
+              </a:rPr>
+              <a:t>Methods of </a:t>
+            </a:r>
+            <a:r>
+              <a:rPr lang="en-US" dirty="0" err="1">
+                <a:solidFill>
+                  <a:srgbClr val="C00000"/>
+                </a:solidFill>
+              </a:rPr>
+              <a:t>System.String</a:t>
+            </a:r>
+            <a:r>
+              <a:rPr lang="en-US" dirty="0">
+                <a:solidFill>
+                  <a:srgbClr val="C00000"/>
+                </a:solidFill>
+              </a:rPr>
+              <a:t> class</a:t>
+            </a:r>
+          </a:p>
+          <a:p>
+            <a:pPr lvl="1"/>
+            <a:r>
+              <a:rPr lang="en-US" dirty="0">
+                <a:solidFill>
+                  <a:srgbClr val="C00000"/>
+                </a:solidFill>
+              </a:rPr>
+              <a:t>copy()-</a:t>
+            </a:r>
+            <a:r>
+              <a:rPr lang="en-US" dirty="0"/>
+              <a:t>it copy one string into another</a:t>
+            </a:r>
+          </a:p>
+          <a:p>
+            <a:pPr lvl="2"/>
+            <a:r>
+              <a:rPr lang="en-US" dirty="0"/>
+              <a:t>String. Copy(value)</a:t>
+            </a:r>
+          </a:p>
+          <a:p>
+            <a:pPr lvl="1"/>
+            <a:r>
+              <a:rPr lang="en-US" dirty="0">
+                <a:solidFill>
+                  <a:srgbClr val="C00000"/>
+                </a:solidFill>
+              </a:rPr>
+              <a:t>concat()-</a:t>
+            </a:r>
+            <a:r>
+              <a:rPr lang="en-US" dirty="0"/>
+              <a:t>it concats two strings</a:t>
+            </a:r>
+          </a:p>
+          <a:p>
+            <a:pPr lvl="2"/>
+            <a:r>
+              <a:rPr lang="en-US" dirty="0"/>
+              <a:t>String.Concat(s1,s2)</a:t>
+            </a:r>
+          </a:p>
+          <a:p>
+            <a:pPr lvl="1"/>
+            <a:r>
+              <a:rPr lang="en-US" dirty="0">
+                <a:solidFill>
+                  <a:srgbClr val="C00000"/>
+                </a:solidFill>
+              </a:rPr>
+              <a:t>compare()-</a:t>
+            </a:r>
+            <a:r>
+              <a:rPr lang="en-US" dirty="0"/>
+              <a:t>it compare two strings if strings are equal it returns 0 otherwise it returns +</a:t>
+            </a:r>
+            <a:r>
+              <a:rPr lang="en-US" dirty="0" err="1"/>
+              <a:t>ve</a:t>
+            </a:r>
+            <a:r>
+              <a:rPr lang="en-US" dirty="0"/>
+              <a:t> or -</a:t>
+            </a:r>
+            <a:r>
+              <a:rPr lang="en-US" dirty="0" err="1"/>
+              <a:t>ve</a:t>
+            </a:r>
+            <a:r>
+              <a:rPr lang="en-US" dirty="0"/>
+              <a:t> number</a:t>
+            </a:r>
+          </a:p>
+          <a:p>
+            <a:pPr lvl="1">
+              <a:buNone/>
+            </a:pPr>
+            <a:r>
+              <a:rPr lang="en-US" dirty="0">
+                <a:solidFill>
+                  <a:srgbClr val="FF0000"/>
+                </a:solidFill>
+              </a:rPr>
+              <a:t>   compare(string s1,string s2,bool </a:t>
+            </a:r>
+            <a:r>
+              <a:rPr lang="en-US" dirty="0" err="1">
+                <a:solidFill>
+                  <a:srgbClr val="FF0000"/>
+                </a:solidFill>
+              </a:rPr>
+              <a:t>ignorecase</a:t>
+            </a:r>
+            <a:r>
+              <a:rPr lang="en-US" dirty="0">
+                <a:solidFill>
+                  <a:srgbClr val="FF0000"/>
+                </a:solidFill>
+              </a:rPr>
+              <a:t>)</a:t>
+            </a:r>
+          </a:p>
+          <a:p>
+            <a:pPr lvl="1">
+              <a:buNone/>
+            </a:pPr>
+            <a:r>
+              <a:rPr lang="en-US" dirty="0"/>
+              <a:t>   if </a:t>
+            </a:r>
+            <a:r>
+              <a:rPr lang="en-US" dirty="0" err="1"/>
+              <a:t>ignorecase</a:t>
+            </a:r>
+            <a:r>
+              <a:rPr lang="en-US" dirty="0"/>
+              <a:t> is false it compare strings with case sensitive if it is  true compare strings with out case sensitive</a:t>
+            </a:r>
+          </a:p>
+          <a:p>
+            <a:pPr lvl="1"/>
+            <a:r>
+              <a:rPr lang="en-US" dirty="0">
+                <a:solidFill>
+                  <a:srgbClr val="C00000"/>
+                </a:solidFill>
+              </a:rPr>
+              <a:t>Equal(String s)- </a:t>
+            </a:r>
+            <a:r>
+              <a:rPr lang="en-US" dirty="0"/>
+              <a:t>it compare two strings and return </a:t>
+            </a:r>
+            <a:r>
+              <a:rPr lang="en-US" dirty="0" err="1"/>
+              <a:t>boolean</a:t>
+            </a:r>
+            <a:r>
+              <a:rPr lang="en-US" dirty="0"/>
+              <a:t> value</a:t>
+            </a:r>
+          </a:p>
+          <a:p>
+            <a:pPr lvl="1"/>
+            <a:r>
+              <a:rPr lang="en-US" dirty="0">
+                <a:solidFill>
+                  <a:srgbClr val="C00000"/>
+                </a:solidFill>
+              </a:rPr>
+              <a:t>split()-</a:t>
+            </a:r>
+            <a:r>
+              <a:rPr lang="en-US" dirty="0"/>
+              <a:t>split string into substrings based on separator</a:t>
+            </a:r>
+          </a:p>
+          <a:p>
+            <a:pPr lvl="1">
+              <a:buNone/>
+            </a:pPr>
+            <a:r>
+              <a:rPr lang="en-US" dirty="0">
+                <a:solidFill>
+                  <a:srgbClr val="C00000"/>
+                </a:solidFill>
+              </a:rPr>
+              <a:t>   string []s=s1.split('separator',' separator',....)</a:t>
+            </a:r>
+          </a:p>
+          <a:p>
+            <a:pPr lvl="1"/>
+            <a:r>
+              <a:rPr lang="en-US" dirty="0">
+                <a:solidFill>
+                  <a:srgbClr val="C00000"/>
+                </a:solidFill>
+              </a:rPr>
+              <a:t>join()-</a:t>
+            </a:r>
+            <a:r>
+              <a:rPr lang="en-US" dirty="0"/>
+              <a:t>it will join the array of strings into one string </a:t>
+            </a:r>
+          </a:p>
+          <a:p>
+            <a:pPr lvl="1">
+              <a:buNone/>
+            </a:pPr>
+            <a:r>
+              <a:rPr lang="en-US" dirty="0"/>
+              <a:t>   with separator</a:t>
+            </a:r>
+          </a:p>
+          <a:p>
+            <a:pPr lvl="1">
+              <a:buNone/>
+            </a:pPr>
+            <a:r>
+              <a:rPr lang="en-US" dirty="0">
+                <a:solidFill>
+                  <a:srgbClr val="C00000"/>
+                </a:solidFill>
+              </a:rPr>
+              <a:t>  string s=</a:t>
+            </a:r>
+            <a:r>
+              <a:rPr lang="en-US" dirty="0" err="1">
+                <a:solidFill>
+                  <a:srgbClr val="C00000"/>
+                </a:solidFill>
+              </a:rPr>
+              <a:t>string.join</a:t>
+            </a:r>
+            <a:r>
+              <a:rPr lang="en-US" dirty="0">
+                <a:solidFill>
+                  <a:srgbClr val="C00000"/>
+                </a:solidFill>
+              </a:rPr>
+              <a:t>('separator', array name)</a:t>
+            </a:r>
+          </a:p>
+          <a:p>
+            <a:pPr lvl="1"/>
+            <a:endParaRPr lang="en-US" dirty="0"/>
+          </a:p>
+        </p:txBody>
+      </p:sp>
+    </p:spTree>
+  </p:cSld>
+  <p:clrMapOvr>
+    <a:masterClrMapping/>
+  </p:clrMapOvr>
+</p:sld>
+</file>
+
+<file path=ppt/slides/slide4.xml><?xml version="1.0" encoding="utf-8"?>
+<p:sld xmlns:a="http://schemas.openxmlformats.org/drawingml/2006/main" xmlns:r="http://schemas.openxmlformats.org/officeDocument/2006/relationships" xmlns:p="http://schemas.openxmlformats.org/presentationml/2006/main">
+  <p:cSld>
+    <p:spTree>
+      <p:nvGrpSpPr>
+        <p:cNvPr id="1" name=""/>
+        <p:cNvGrpSpPr/>
+        <p:nvPr/>
+      </p:nvGrpSpPr>
+      <p:grpSpPr>
+        <a:xfrm>
+          <a:off x="0" y="0"/>
+          <a:ext cx="0" cy="0"/>
+          <a:chOff x="0" y="0"/>
+          <a:chExt cx="0" cy="0"/>
+        </a:xfrm>
+      </p:grpSpPr>
+      <p:sp>
+        <p:nvSpPr>
+          <p:cNvPr id="4" name="Title 3"/>
+          <p:cNvSpPr>
+            <a:spLocks noGrp="1"/>
+          </p:cNvSpPr>
+          <p:nvPr>
+            <p:ph type="title"/>
+          </p:nvPr>
+        </p:nvSpPr>
+        <p:spPr/>
+        <p:txBody>
+          <a:bodyPr/>
+          <a:lstStyle/>
+          <a:p>
+            <a:r>
+              <a:rPr lang="en-US" dirty="0">
+                <a:solidFill>
+                  <a:srgbClr val="FF0000"/>
+                </a:solidFill>
+              </a:rPr>
+              <a:t>Strings</a:t>
+            </a:r>
+          </a:p>
+        </p:txBody>
+      </p:sp>
+      <p:sp>
+        <p:nvSpPr>
+          <p:cNvPr id="7" name="Content Placeholder 6"/>
+          <p:cNvSpPr>
+            <a:spLocks noGrp="1"/>
+          </p:cNvSpPr>
+          <p:nvPr>
+            <p:ph idx="1"/>
+          </p:nvPr>
+        </p:nvSpPr>
+        <p:spPr/>
+        <p:txBody>
+          <a:bodyPr>
+            <a:normAutofit lnSpcReduction="10000"/>
+          </a:bodyPr>
+          <a:lstStyle/>
+          <a:p>
+            <a:pPr lvl="1"/>
+            <a:r>
+              <a:rPr lang="en-US" dirty="0">
+                <a:solidFill>
+                  <a:srgbClr val="C00000"/>
+                </a:solidFill>
+              </a:rPr>
+              <a:t>indexof("char")-</a:t>
+            </a:r>
+            <a:r>
+              <a:rPr lang="en-US" dirty="0"/>
+              <a:t>find the index of given char</a:t>
+            </a:r>
+          </a:p>
+          <a:p>
+            <a:pPr lvl="1"/>
+            <a:r>
+              <a:rPr lang="en-US" dirty="0">
+                <a:solidFill>
+                  <a:srgbClr val="C00000"/>
+                </a:solidFill>
+              </a:rPr>
+              <a:t>indexof(“string”)-</a:t>
+            </a:r>
+            <a:r>
+              <a:rPr lang="en-US" dirty="0"/>
+              <a:t>find the index of given string</a:t>
+            </a:r>
+          </a:p>
+          <a:p>
+            <a:pPr lvl="1"/>
+            <a:r>
+              <a:rPr lang="en-US" dirty="0">
+                <a:solidFill>
+                  <a:srgbClr val="C00000"/>
+                </a:solidFill>
+              </a:rPr>
+              <a:t>contains("substring")-</a:t>
+            </a:r>
+            <a:r>
+              <a:rPr lang="en-US" dirty="0"/>
+              <a:t>it</a:t>
+            </a:r>
+            <a:r>
+              <a:rPr lang="en-US" dirty="0">
+                <a:solidFill>
+                  <a:srgbClr val="C00000"/>
+                </a:solidFill>
+              </a:rPr>
+              <a:t> </a:t>
+            </a:r>
+            <a:r>
+              <a:rPr lang="en-US" dirty="0"/>
+              <a:t>returns Boolean values the substring exist in the string</a:t>
+            </a:r>
+          </a:p>
+          <a:p>
+            <a:pPr lvl="1"/>
+            <a:r>
+              <a:rPr lang="en-US" dirty="0">
+                <a:solidFill>
+                  <a:srgbClr val="C00000"/>
+                </a:solidFill>
+              </a:rPr>
+              <a:t>tolower()-</a:t>
+            </a:r>
+            <a:r>
+              <a:rPr lang="en-US" dirty="0"/>
+              <a:t>return string in lowercase</a:t>
+            </a:r>
+          </a:p>
+          <a:p>
+            <a:pPr lvl="1"/>
+            <a:r>
+              <a:rPr lang="en-US" dirty="0">
+                <a:solidFill>
+                  <a:srgbClr val="C00000"/>
+                </a:solidFill>
+              </a:rPr>
+              <a:t>toupper()-</a:t>
+            </a:r>
+            <a:r>
+              <a:rPr lang="en-US" dirty="0"/>
+              <a:t>return string in uppercase</a:t>
+            </a:r>
+          </a:p>
+          <a:p>
+            <a:pPr lvl="1"/>
+            <a:r>
+              <a:rPr lang="en-US" dirty="0">
+                <a:solidFill>
+                  <a:srgbClr val="C00000"/>
+                </a:solidFill>
+              </a:rPr>
+              <a:t>TocharArray()-</a:t>
+            </a:r>
+            <a:r>
+              <a:rPr lang="en-US" dirty="0"/>
+              <a:t>it converts string to char array</a:t>
+            </a:r>
+          </a:p>
+          <a:p>
+            <a:pPr lvl="1"/>
+            <a:r>
+              <a:rPr lang="en-US" dirty="0">
+                <a:solidFill>
+                  <a:srgbClr val="C00000"/>
+                </a:solidFill>
+              </a:rPr>
+              <a:t>replace("old string", "new string")-</a:t>
+            </a:r>
+            <a:r>
+              <a:rPr lang="en-US" dirty="0"/>
+              <a:t>it replace old string with new string</a:t>
+            </a:r>
+          </a:p>
+          <a:p>
+            <a:pPr lvl="1"/>
+            <a:r>
+              <a:rPr lang="en-US" dirty="0">
+                <a:solidFill>
+                  <a:srgbClr val="C00000"/>
+                </a:solidFill>
+              </a:rPr>
+              <a:t>replace('old char', 'new char')-</a:t>
+            </a:r>
+            <a:r>
+              <a:rPr lang="en-US" dirty="0"/>
+              <a:t>it replace old char with new char</a:t>
+            </a:r>
+          </a:p>
+          <a:p>
+            <a:pPr lvl="1"/>
+            <a:r>
+              <a:rPr lang="en-US" dirty="0">
+                <a:solidFill>
+                  <a:srgbClr val="C00000"/>
+                </a:solidFill>
+              </a:rPr>
+              <a:t>Substring(</a:t>
+            </a:r>
+            <a:r>
+              <a:rPr lang="en-US" dirty="0" err="1">
+                <a:solidFill>
+                  <a:srgbClr val="C00000"/>
+                </a:solidFill>
+              </a:rPr>
+              <a:t>int</a:t>
+            </a:r>
+            <a:r>
+              <a:rPr lang="en-US" dirty="0">
+                <a:solidFill>
+                  <a:srgbClr val="C00000"/>
+                </a:solidFill>
+              </a:rPr>
+              <a:t> index)-</a:t>
+            </a:r>
+            <a:r>
+              <a:rPr lang="en-US" dirty="0"/>
+              <a:t>it return the substring stating from index to total string.</a:t>
+            </a:r>
+          </a:p>
+          <a:p>
+            <a:pPr lvl="1"/>
+            <a:r>
+              <a:rPr lang="en-US" dirty="0">
+                <a:solidFill>
+                  <a:srgbClr val="C00000"/>
+                </a:solidFill>
+              </a:rPr>
+              <a:t>Substring(</a:t>
+            </a:r>
+            <a:r>
+              <a:rPr lang="en-US" dirty="0" err="1">
+                <a:solidFill>
+                  <a:srgbClr val="C00000"/>
+                </a:solidFill>
+              </a:rPr>
+              <a:t>int</a:t>
+            </a:r>
+            <a:r>
+              <a:rPr lang="en-US" dirty="0">
+                <a:solidFill>
+                  <a:srgbClr val="C00000"/>
+                </a:solidFill>
+              </a:rPr>
+              <a:t> index,int count)-</a:t>
+            </a:r>
+            <a:r>
+              <a:rPr lang="en-US" dirty="0"/>
+              <a:t>it return the substring starting from index to given counted chars </a:t>
+            </a:r>
+            <a:endParaRPr lang="en-US" dirty="0">
+              <a:solidFill>
+                <a:srgbClr val="C00000"/>
+              </a:solidFill>
+            </a:endParaRPr>
+          </a:p>
+          <a:p>
+            <a:pPr lvl="1"/>
+            <a:r>
+              <a:rPr lang="en-US" dirty="0">
+                <a:solidFill>
+                  <a:srgbClr val="C00000"/>
+                </a:solidFill>
+              </a:rPr>
+              <a:t>String. Format(format, "string”)-</a:t>
+            </a:r>
+            <a:r>
+              <a:rPr lang="en-US" dirty="0"/>
+              <a:t>it format the string</a:t>
+            </a:r>
+          </a:p>
+          <a:p>
+            <a:pPr lvl="1">
+              <a:buNone/>
+            </a:pPr>
+            <a:r>
+              <a:rPr lang="en-US" dirty="0"/>
+              <a:t> ex:string.format</a:t>
+            </a:r>
+            <a:r>
+              <a:rPr lang="en-US"/>
+              <a:t>(“{0:C}”,”</a:t>
+            </a:r>
+            <a:r>
+              <a:rPr lang="en-US" dirty="0"/>
+              <a:t>1234”)-$1234 </a:t>
+            </a:r>
+          </a:p>
+        </p:txBody>
+      </p:sp>
+    </p:spTree>
+  </p:cSld>
+  <p:clrMapOvr>
+    <a:masterClrMapping/>
+  </p:clrMapOvr>
+</p:sld>
+</file>
+
 <file path=ppt/slides/slide5.xml><?xml version="1.0" encoding="utf-8"?>
 <p:sld xmlns:a="http://schemas.openxmlformats.org/drawingml/2006/main" xmlns:r="http://schemas.openxmlformats.org/officeDocument/2006/relationships" xmlns:p="http://schemas.openxmlformats.org/presentationml/2006/main">
   <p:cSld>
@@ -7819,7 +5275,7 @@
       </p:sp>
       <p:sp>
         <p:nvSpPr>
-          <p:cNvPr id="7" name="Content Placeholder 6"/>
+          <p:cNvPr id="5" name="Content Placeholder 4"/>
           <p:cNvSpPr>
             <a:spLocks noGrp="1"/>
           </p:cNvSpPr>
@@ -7830,26 +5286,58 @@
         <p:spPr/>
         <p:txBody>
           <a:bodyPr>
-            <a:normAutofit fontScale="92500" lnSpcReduction="20000"/>
+            <a:normAutofit/>
           </a:bodyPr>
           <a:lstStyle/>
           <a:p>
+            <a:r>
+              <a:rPr lang="en-US" dirty="0">
+                <a:solidFill>
+                  <a:srgbClr val="C00000"/>
+                </a:solidFill>
+              </a:rPr>
+              <a:t>Formatting strings: </a:t>
+            </a:r>
+            <a:r>
+              <a:rPr lang="en-US" dirty="0"/>
+              <a:t>used for formatting the output.</a:t>
+            </a:r>
+          </a:p>
+          <a:p>
             <a:pPr lvl="1"/>
             <a:r>
+              <a:rPr lang="en-US" dirty="0"/>
+              <a:t>{0:Fn}-</a:t>
+            </a:r>
+            <a:r>
               <a:rPr lang="en-US" dirty="0">
                 <a:solidFill>
                   <a:srgbClr val="C00000"/>
                 </a:solidFill>
               </a:rPr>
-              <a:t>Methods of </a:t>
-            </a:r>
-            <a:r>
-              <a:rPr lang="en-US" dirty="0" err="1">
+              <a:t>To display fixed decimal points n=1,2,….</a:t>
+            </a:r>
+          </a:p>
+          <a:p>
+            <a:pPr lvl="1"/>
+            <a:r>
+              <a:rPr lang="en-US" dirty="0"/>
+              <a:t>{0:E}-</a:t>
+            </a:r>
+            <a:r>
+              <a:rPr lang="en-US" dirty="0">
                 <a:solidFill>
                   <a:srgbClr val="C00000"/>
                 </a:solidFill>
               </a:rPr>
-              <a:t>System.String</a:t>
+              <a:t>To display output in exponential format</a:t>
+            </a:r>
+          </a:p>
+          <a:p>
+            <a:pPr lvl="1"/>
+            <a:r>
+              <a:rPr lang="en-US" dirty="0"/>
+              <a:t>{0:C}-</a:t>
             </a:r>
             <a:r>
               <a:rPr lang="en-US" dirty="0">
@@ -7857,236 +5345,136 @@
                   <a:srgbClr val="C00000"/>
                 </a:solidFill>
               </a:rPr>
-              <a:t> class</a:t>
+              <a:t>To display in currency format-</a:t>
+            </a:r>
+            <a:r>
+              <a:rPr lang="en-US" dirty="0">
+                <a:solidFill>
+                  <a:schemeClr val="accent1"/>
+                </a:solidFill>
+              </a:rPr>
+              <a:t>$123</a:t>
             </a:r>
           </a:p>
           <a:p>
             <a:pPr lvl="1"/>
             <a:r>
+              <a:rPr lang="en-US" dirty="0"/>
+              <a:t>{0:P}-</a:t>
+            </a:r>
+            <a:r>
               <a:rPr lang="en-US" dirty="0">
                 <a:solidFill>
                   <a:srgbClr val="C00000"/>
                 </a:solidFill>
               </a:rPr>
-              <a:t>copy()-</a:t>
-            </a:r>
-            <a:r>
-              <a:rPr lang="en-US" dirty="0"/>
-              <a:t>it copy one string into another</a:t>
-            </a:r>
-          </a:p>
-          <a:p>
-            <a:pPr lvl="2"/>
-            <a:r>
-              <a:rPr lang="en-US" dirty="0"/>
-              <a:t>String. Copy(value)</a:t>
+              <a:t>To display in percentage format-</a:t>
+            </a:r>
+            <a:r>
+              <a:rPr lang="en-US" dirty="0">
+                <a:solidFill>
+                  <a:schemeClr val="accent1"/>
+                </a:solidFill>
+              </a:rPr>
+              <a:t>123%</a:t>
             </a:r>
           </a:p>
           <a:p>
             <a:pPr lvl="1"/>
             <a:r>
+              <a:rPr lang="en-US" dirty="0"/>
+              <a:t>{0:D}-</a:t>
+            </a:r>
+            <a:r>
               <a:rPr lang="en-US" dirty="0">
                 <a:solidFill>
                   <a:srgbClr val="C00000"/>
                 </a:solidFill>
               </a:rPr>
-              <a:t>concat()-</a:t>
-            </a:r>
-            <a:r>
-              <a:rPr lang="en-US" dirty="0"/>
-              <a:t>it concats two strings</a:t>
-            </a:r>
-          </a:p>
-          <a:p>
-            <a:pPr lvl="2"/>
-            <a:r>
-              <a:rPr lang="en-US" dirty="0"/>
-              <a:t>String.Concat(s1,s2)</a:t>
+              <a:t>To display date in long format-</a:t>
+            </a:r>
+            <a:r>
+              <a:rPr lang="en-US" dirty="0">
+                <a:solidFill>
+                  <a:schemeClr val="accent1"/>
+                </a:solidFill>
+              </a:rPr>
+              <a:t>March 5 2011</a:t>
             </a:r>
           </a:p>
           <a:p>
             <a:pPr lvl="1"/>
             <a:r>
+              <a:rPr lang="en-US" dirty="0"/>
+              <a:t>{0:d}-</a:t>
+            </a:r>
+            <a:r>
               <a:rPr lang="en-US" dirty="0">
                 <a:solidFill>
                   <a:srgbClr val="C00000"/>
                 </a:solidFill>
               </a:rPr>
-              <a:t>compare()-</a:t>
-            </a:r>
-            <a:r>
-              <a:rPr lang="en-US" dirty="0"/>
-              <a:t>it compare two strings if strings are equal it returns 0 otherwise it returns +</a:t>
-            </a:r>
-            <a:r>
-              <a:rPr lang="en-US" dirty="0" err="1"/>
-              <a:t>ve</a:t>
-            </a:r>
-            <a:r>
-              <a:rPr lang="en-US" dirty="0"/>
-              <a:t> or -</a:t>
-            </a:r>
-            <a:r>
-              <a:rPr lang="en-US" dirty="0" err="1"/>
-              <a:t>ve</a:t>
-            </a:r>
-            <a:r>
-              <a:rPr lang="en-US" dirty="0"/>
-              <a:t> number</a:t>
+              <a:t>To display date in small format-</a:t>
+            </a:r>
+            <a:r>
+              <a:rPr lang="en-US" dirty="0">
+                <a:solidFill>
+                  <a:schemeClr val="accent1"/>
+                </a:solidFill>
+              </a:rPr>
+              <a:t>02/5/2011</a:t>
+            </a:r>
+          </a:p>
+          <a:p>
+            <a:pPr lvl="1"/>
+            <a:r>
+              <a:rPr lang="en-US" dirty="0"/>
+              <a:t>{0:T}-</a:t>
+            </a:r>
+            <a:r>
+              <a:rPr lang="en-US" dirty="0">
+                <a:solidFill>
+                  <a:srgbClr val="C00000"/>
+                </a:solidFill>
+              </a:rPr>
+              <a:t>To display time in long format-</a:t>
+            </a:r>
+            <a:r>
+              <a:rPr lang="en-US" dirty="0">
+                <a:solidFill>
+                  <a:schemeClr val="accent1"/>
+                </a:solidFill>
+              </a:rPr>
+              <a:t>12:23:12</a:t>
+            </a:r>
+          </a:p>
+          <a:p>
+            <a:pPr lvl="1"/>
+            <a:r>
+              <a:rPr lang="en-US" dirty="0"/>
+              <a:t>{0:t}-</a:t>
+            </a:r>
+            <a:r>
+              <a:rPr lang="en-US" dirty="0">
+                <a:solidFill>
+                  <a:srgbClr val="C00000"/>
+                </a:solidFill>
+              </a:rPr>
+              <a:t>To display time in small format-</a:t>
+            </a:r>
+            <a:r>
+              <a:rPr lang="en-US" dirty="0">
+                <a:solidFill>
+                  <a:schemeClr val="accent1"/>
+                </a:solidFill>
+              </a:rPr>
+              <a:t>12:23</a:t>
             </a:r>
           </a:p>
           <a:p>
             <a:pPr lvl="1">
               <a:buNone/>
             </a:pPr>
-            <a:r>
-              <a:rPr lang="en-US" dirty="0">
-                <a:solidFill>
-                  <a:srgbClr val="FF0000"/>
-                </a:solidFill>
-              </a:rPr>
-              <a:t>   compare(string s1,string s2,bool </a:t>
-            </a:r>
-            <a:r>
-              <a:rPr lang="en-US" dirty="0" err="1">
-                <a:solidFill>
-                  <a:srgbClr val="FF0000"/>
-                </a:solidFill>
-              </a:rPr>
-              <a:t>ignorecase</a:t>
-            </a:r>
-            <a:r>
-              <a:rPr lang="en-US" dirty="0">
-                <a:solidFill>
-                  <a:srgbClr val="FF0000"/>
-                </a:solidFill>
-              </a:rPr>
-              <a:t>)</a:t>
-            </a:r>
-          </a:p>
-          <a:p>
-            <a:pPr lvl="1">
-              <a:buNone/>
-            </a:pPr>
-            <a:r>
-              <a:rPr lang="en-US" dirty="0"/>
-              <a:t>   if </a:t>
-            </a:r>
-            <a:r>
-              <a:rPr lang="en-US" dirty="0" err="1"/>
-              <a:t>ignorecase</a:t>
-            </a:r>
-            <a:r>
-              <a:rPr lang="en-US" dirty="0"/>
-              <a:t> is false it compare strings with case sensitive if it is  true compare strings with out case sensitive</a:t>
-            </a:r>
-          </a:p>
-          <a:p>
-            <a:pPr lvl="1"/>
-            <a:r>
-              <a:rPr lang="en-US" dirty="0">
-                <a:solidFill>
-                  <a:srgbClr val="C00000"/>
-                </a:solidFill>
-              </a:rPr>
-              <a:t>Equal(String s)- </a:t>
-            </a:r>
-            <a:r>
-              <a:rPr lang="en-US" dirty="0"/>
-              <a:t>it compare two strings and return </a:t>
-            </a:r>
-            <a:r>
-              <a:rPr lang="en-US" dirty="0" err="1"/>
-              <a:t>boolean</a:t>
-            </a:r>
-            <a:r>
-              <a:rPr lang="en-US" dirty="0"/>
-              <a:t> value</a:t>
-            </a:r>
-          </a:p>
-          <a:p>
-            <a:pPr lvl="1"/>
-            <a:r>
-              <a:rPr lang="en-US" dirty="0">
-                <a:solidFill>
-                  <a:srgbClr val="C00000"/>
-                </a:solidFill>
-              </a:rPr>
-              <a:t>split()-</a:t>
-            </a:r>
-            <a:r>
-              <a:rPr lang="en-US" dirty="0"/>
-              <a:t>split string into substrings based on separator</a:t>
-            </a:r>
-          </a:p>
-          <a:p>
-            <a:pPr lvl="1">
-              <a:buNone/>
-            </a:pPr>
-            <a:r>
-              <a:rPr lang="en-US" dirty="0">
-                <a:solidFill>
-                  <a:srgbClr val="C00000"/>
-                </a:solidFill>
-              </a:rPr>
-              <a:t>   string []s=s1.split('separator',' separator',....)</a:t>
-            </a:r>
-          </a:p>
-          <a:p>
-            <a:pPr lvl="1"/>
-            <a:r>
-              <a:rPr lang="en-US" dirty="0">
-                <a:solidFill>
-                  <a:srgbClr val="C00000"/>
-                </a:solidFill>
-              </a:rPr>
-              <a:t>join()-</a:t>
-            </a:r>
-            <a:r>
-              <a:rPr lang="en-US" dirty="0"/>
-              <a:t>it will join the array of strings into one string </a:t>
-            </a:r>
-          </a:p>
-          <a:p>
-            <a:pPr lvl="1">
-              <a:buNone/>
-            </a:pPr>
-            <a:r>
-              <a:rPr lang="en-US" dirty="0"/>
-              <a:t>   with separator</a:t>
-            </a:r>
-          </a:p>
-          <a:p>
-            <a:pPr lvl="1">
-              <a:buNone/>
-            </a:pPr>
-            <a:r>
-              <a:rPr lang="en-US" dirty="0">
-                <a:solidFill>
-                  <a:srgbClr val="C00000"/>
-                </a:solidFill>
-              </a:rPr>
-              <a:t>  string s=</a:t>
-            </a:r>
-            <a:r>
-              <a:rPr lang="en-US" dirty="0" err="1">
-                <a:solidFill>
-                  <a:srgbClr val="C00000"/>
-                </a:solidFill>
-              </a:rPr>
-              <a:t>string.join</a:t>
-            </a:r>
-            <a:r>
-              <a:rPr lang="en-US" dirty="0">
-                <a:solidFill>
-                  <a:srgbClr val="C00000"/>
-                </a:solidFill>
-              </a:rPr>
-              <a:t>('separator', array name)</a:t>
-            </a:r>
-          </a:p>
-          <a:p>
-            <a:pPr lvl="1"/>
             <a:endParaRPr lang="en-US" dirty="0"/>
           </a:p>
         </p:txBody>
@@ -8144,7 +5532,7 @@
       </p:sp>
       <p:sp>
         <p:nvSpPr>
-          <p:cNvPr id="7" name="Content Placeholder 6"/>
+          <p:cNvPr id="5" name="Content Placeholder 4"/>
           <p:cNvSpPr>
             <a:spLocks noGrp="1"/>
           </p:cNvSpPr>
@@ -8155,238 +5543,75 @@
         <p:spPr/>
         <p:txBody>
           <a:bodyPr>
-            <a:normAutofit lnSpcReduction="10000"/>
+            <a:normAutofit/>
           </a:bodyPr>
           <a:lstStyle/>
           <a:p>
-            <a:pPr lvl="1"/>
+            <a:pPr>
+              <a:buNone/>
+            </a:pPr>
             <a:r>
               <a:rPr lang="en-US" dirty="0">
                 <a:solidFill>
                   <a:srgbClr val="C00000"/>
                 </a:solidFill>
               </a:rPr>
-              <a:t>indexof("char")-</a:t>
-            </a:r>
-            <a:r>
-              <a:rPr lang="en-US" dirty="0"/>
-              <a:t>find the index of given char</a:t>
-            </a:r>
-          </a:p>
-          <a:p>
-            <a:pPr lvl="1"/>
+              <a:t>	Mutable strings: </a:t>
+            </a:r>
+            <a:r>
+              <a:rPr lang="en-US" dirty="0"/>
+              <a:t>The strings which are dynamic in length and which automatically increases its length.</a:t>
+            </a:r>
+          </a:p>
+          <a:p>
+            <a:r>
+              <a:rPr lang="en-US" dirty="0"/>
+              <a:t>Mutable string are recommended in developing projects</a:t>
+            </a:r>
+          </a:p>
+          <a:p>
+            <a:r>
+              <a:rPr lang="en-US" dirty="0"/>
+              <a:t>It increases the performance of the application</a:t>
+            </a:r>
+          </a:p>
+          <a:p>
+            <a:r>
+              <a:rPr lang="en-US" dirty="0"/>
+              <a:t>We can declare mutable strings using </a:t>
+            </a:r>
+          </a:p>
+          <a:p>
+            <a:pPr>
+              <a:buNone/>
+            </a:pPr>
+            <a:r>
+              <a:rPr lang="en-US" dirty="0"/>
+              <a:t>	</a:t>
+            </a:r>
             <a:r>
               <a:rPr lang="en-US" dirty="0">
                 <a:solidFill>
                   <a:srgbClr val="C00000"/>
                 </a:solidFill>
               </a:rPr>
-              <a:t>indexof(“string”)-</a:t>
-            </a:r>
-            <a:r>
-              <a:rPr lang="en-US" dirty="0"/>
-              <a:t>find the index of given string</a:t>
-            </a:r>
-          </a:p>
-          <a:p>
-            <a:pPr lvl="1"/>
-            <a:r>
-              <a:rPr lang="en-US" dirty="0">
-                <a:solidFill>
-                  <a:srgbClr val="C00000"/>
-                </a:solidFill>
-              </a:rPr>
-              <a:t>contains("substring")-</a:t>
-            </a:r>
-            <a:r>
-              <a:rPr lang="en-US" dirty="0"/>
-              <a:t>it</a:t>
-            </a:r>
-            <a:r>
-              <a:rPr lang="en-US" dirty="0">
-                <a:solidFill>
-                  <a:srgbClr val="C00000"/>
-                </a:solidFill>
-              </a:rPr>
-              <a:t> </a:t>
-            </a:r>
-            <a:r>
-              <a:rPr lang="en-US" dirty="0"/>
-              <a:t>returns Boolean values the substring exist in the string</a:t>
-            </a:r>
-          </a:p>
-          <a:p>
-            <a:pPr lvl="1"/>
-            <a:r>
-              <a:rPr lang="en-US" dirty="0">
-                <a:solidFill>
-                  <a:srgbClr val="C00000"/>
-                </a:solidFill>
-              </a:rPr>
-              <a:t>tolower()-</a:t>
-            </a:r>
-            <a:r>
-              <a:rPr lang="en-US" dirty="0"/>
-              <a:t>return string in lowercase</a:t>
-            </a:r>
-          </a:p>
-          <a:p>
-            <a:pPr lvl="1"/>
-            <a:r>
-              <a:rPr lang="en-US" dirty="0">
-                <a:solidFill>
-                  <a:srgbClr val="C00000"/>
-                </a:solidFill>
-              </a:rPr>
-              <a:t>toupper()-</a:t>
-            </a:r>
-            <a:r>
-              <a:rPr lang="en-US" dirty="0"/>
-              <a:t>return string in uppercase</a:t>
-            </a:r>
-          </a:p>
-          <a:p>
-            <a:pPr lvl="1"/>
-            <a:r>
-              <a:rPr lang="en-US" dirty="0">
-                <a:solidFill>
-                  <a:srgbClr val="C00000"/>
-                </a:solidFill>
-              </a:rPr>
-              <a:t>TocharArray()-</a:t>
-            </a:r>
-            <a:r>
-              <a:rPr lang="en-US" dirty="0"/>
-              <a:t>it converts string to char array</a:t>
-            </a:r>
-          </a:p>
-          <a:p>
-            <a:pPr lvl="1"/>
-            <a:r>
-              <a:rPr lang="en-US" dirty="0">
-                <a:solidFill>
-                  <a:srgbClr val="C00000"/>
-                </a:solidFill>
-              </a:rPr>
-              <a:t>replace("old string", "new string")-</a:t>
-            </a:r>
-            <a:r>
-              <a:rPr lang="en-US" dirty="0"/>
-              <a:t>it replace old string with new string</a:t>
-            </a:r>
-          </a:p>
-          <a:p>
-            <a:pPr lvl="1"/>
-            <a:r>
-              <a:rPr lang="en-US" dirty="0">
-                <a:solidFill>
-                  <a:srgbClr val="C00000"/>
-                </a:solidFill>
-              </a:rPr>
-              <a:t>replace('old char', 'new char')-</a:t>
-            </a:r>
-            <a:r>
-              <a:rPr lang="en-US" dirty="0"/>
-              <a:t>it replace old char with new char</a:t>
-            </a:r>
-          </a:p>
-          <a:p>
-            <a:pPr lvl="1"/>
-            <a:r>
-              <a:rPr lang="en-US" dirty="0">
-                <a:solidFill>
-                  <a:srgbClr val="C00000"/>
-                </a:solidFill>
-              </a:rPr>
-              <a:t>Substring(</a:t>
-            </a:r>
-            <a:r>
-              <a:rPr lang="en-US" dirty="0" err="1">
-                <a:solidFill>
-                  <a:srgbClr val="C00000"/>
-                </a:solidFill>
-              </a:rPr>
-              <a:t>int</a:t>
-            </a:r>
-            <a:r>
-              <a:rPr lang="en-US" dirty="0">
-                <a:solidFill>
-                  <a:srgbClr val="C00000"/>
-                </a:solidFill>
-              </a:rPr>
-              <a:t> index)-</a:t>
-            </a:r>
-            <a:r>
-              <a:rPr lang="en-US" dirty="0"/>
-              <a:t>it return the substring stating from index to total string.</a:t>
-            </a:r>
-          </a:p>
-          <a:p>
-            <a:pPr lvl="1"/>
-            <a:r>
-              <a:rPr lang="en-US" dirty="0">
-                <a:solidFill>
-                  <a:srgbClr val="C00000"/>
-                </a:solidFill>
-              </a:rPr>
-              <a:t>Substring(</a:t>
-            </a:r>
-            <a:r>
-              <a:rPr lang="en-US" dirty="0" err="1">
-                <a:solidFill>
-                  <a:srgbClr val="C00000"/>
-                </a:solidFill>
-              </a:rPr>
-              <a:t>int</a:t>
-            </a:r>
-            <a:r>
-              <a:rPr lang="en-US" dirty="0">
-                <a:solidFill>
-                  <a:srgbClr val="C00000"/>
-                </a:solidFill>
-              </a:rPr>
-              <a:t> index,int count)-</a:t>
-            </a:r>
-            <a:r>
-              <a:rPr lang="en-US" dirty="0"/>
-              <a:t>it return the substring starting from index to given counted chars </a:t>
-            </a:r>
-            <a:endParaRPr lang="en-US" dirty="0">
-              <a:solidFill>
-                <a:srgbClr val="C00000"/>
-              </a:solidFill>
-            </a:endParaRPr>
-          </a:p>
-          <a:p>
-            <a:pPr lvl="1"/>
-            <a:r>
-              <a:rPr lang="en-US" dirty="0">
-                <a:solidFill>
-                  <a:srgbClr val="C00000"/>
-                </a:solidFill>
-              </a:rPr>
-              <a:t>String. Format(format, "string”)-</a:t>
-            </a:r>
-            <a:r>
-              <a:rPr lang="en-US" dirty="0"/>
-              <a:t>it format the string</a:t>
-            </a:r>
-          </a:p>
-          <a:p>
-            <a:pPr lvl="1">
-              <a:buNone/>
-            </a:pPr>
-            <a:r>
-              <a:rPr lang="en-US" dirty="0"/>
-              <a:t> ex:string.format</a:t>
-            </a:r>
-            <a:r>
-              <a:rPr lang="en-US"/>
-              <a:t>(“{0:C}”,”</a:t>
-            </a:r>
-            <a:r>
-              <a:rPr lang="en-US" dirty="0"/>
-              <a:t>1234”)-$1234 </a:t>
+              <a:t>StringBuilder</a:t>
+            </a:r>
+            <a:r>
+              <a:rPr lang="en-US" dirty="0"/>
+              <a:t> class comes with </a:t>
+            </a:r>
+            <a:r>
+              <a:rPr lang="en-US" dirty="0">
+                <a:solidFill>
+                  <a:srgbClr val="00B0F0"/>
+                </a:solidFill>
+              </a:rPr>
+              <a:t>System. Text </a:t>
+            </a:r>
+            <a:r>
+              <a:rPr lang="en-US" dirty="0"/>
+              <a:t>namespace</a:t>
             </a:r>
           </a:p>
         </p:txBody>
@@ -8437,7 +5662,7 @@
                   <a:srgbClr val="FF0000"/>
                 </a:solidFill>
               </a:rPr>
-              <a:t>Strings</a:t>
+              <a:t>String Builder</a:t>
             </a:r>
           </a:p>
         </p:txBody>
@@ -8455,196 +5680,236 @@
         <p:spPr/>
         <p:txBody>
           <a:bodyPr>
-            <a:normAutofit/>
+            <a:normAutofit fontScale="85000" lnSpcReduction="10000"/>
           </a:bodyPr>
           <a:lstStyle/>
           <a:p>
             <a:r>
+              <a:rPr lang="en-US" dirty="0"/>
+              <a:t>Stringbuilder is a predefined class under System. Text namespace</a:t>
+            </a:r>
+          </a:p>
+          <a:p>
+            <a:r>
+              <a:rPr lang="en-US" dirty="0"/>
+              <a:t>Stringbuilder useful for appending, removing, replacing, or inserting characters. </a:t>
+            </a:r>
+          </a:p>
+          <a:p>
+            <a:r>
               <a:rPr lang="en-US" dirty="0">
                 <a:solidFill>
                   <a:srgbClr val="C00000"/>
                 </a:solidFill>
               </a:rPr>
-              <a:t>Formatting strings: </a:t>
-            </a:r>
-            <a:r>
-              <a:rPr lang="en-US" dirty="0"/>
-              <a:t>used for formatting the output.</a:t>
+              <a:t>Methods of </a:t>
+            </a:r>
+            <a:r>
+              <a:rPr lang="en-US" dirty="0" err="1">
+                <a:solidFill>
+                  <a:srgbClr val="C00000"/>
+                </a:solidFill>
+              </a:rPr>
+              <a:t>stringbuilder</a:t>
+            </a:r>
+            <a:r>
+              <a:rPr lang="en-US" dirty="0">
+                <a:solidFill>
+                  <a:srgbClr val="C00000"/>
+                </a:solidFill>
+              </a:rPr>
+              <a:t>:</a:t>
+            </a:r>
+          </a:p>
+          <a:p>
+            <a:r>
+              <a:rPr lang="en-US" dirty="0">
+                <a:solidFill>
+                  <a:srgbClr val="C00000"/>
+                </a:solidFill>
+              </a:rPr>
+              <a:t>Append() -</a:t>
+            </a:r>
+            <a:r>
+              <a:rPr lang="en-US" dirty="0"/>
+              <a:t>Appends string to the end of the current StringBuilder. </a:t>
+            </a:r>
+          </a:p>
+          <a:p>
+            <a:r>
+              <a:rPr lang="en-US" dirty="0">
+                <a:solidFill>
+                  <a:srgbClr val="C00000"/>
+                </a:solidFill>
+              </a:rPr>
+              <a:t>Insert()- </a:t>
+            </a:r>
+            <a:r>
+              <a:rPr lang="en-US" dirty="0"/>
+              <a:t>Inserts a string or object into the specified index of the current StringBuilder</a:t>
+            </a:r>
+            <a:r>
+              <a:rPr lang="en-US" dirty="0">
+                <a:solidFill>
+                  <a:srgbClr val="C00000"/>
+                </a:solidFill>
+              </a:rPr>
+              <a:t>. </a:t>
             </a:r>
           </a:p>
           <a:p>
             <a:pPr lvl="1"/>
             <a:r>
-              <a:rPr lang="en-US" dirty="0"/>
-              <a:t>{0:Fn}-</a:t>
-            </a:r>
-            <a:r>
               <a:rPr lang="en-US" dirty="0">
                 <a:solidFill>
                   <a:srgbClr val="C00000"/>
                 </a:solidFill>
               </a:rPr>
-              <a:t>To display fixed decimal points n=1,2,….</a:t>
+              <a:t>Insert(</a:t>
+            </a:r>
+            <a:r>
+              <a:rPr lang="en-US" dirty="0" err="1">
+                <a:solidFill>
+                  <a:srgbClr val="C00000"/>
+                </a:solidFill>
+              </a:rPr>
+              <a:t>int</a:t>
+            </a:r>
+            <a:r>
+              <a:rPr lang="en-US" dirty="0">
+                <a:solidFill>
+                  <a:srgbClr val="C00000"/>
+                </a:solidFill>
+              </a:rPr>
+              <a:t> index, string value)</a:t>
             </a:r>
           </a:p>
           <a:p>
             <a:pPr lvl="1"/>
             <a:r>
-              <a:rPr lang="en-US" dirty="0"/>
-              <a:t>{0:E}-</a:t>
-            </a:r>
-            <a:r>
               <a:rPr lang="en-US" dirty="0">
                 <a:solidFill>
                   <a:srgbClr val="C00000"/>
                 </a:solidFill>
               </a:rPr>
-              <a:t>To display output in exponential format</a:t>
+              <a:t>Insert(</a:t>
+            </a:r>
+            <a:r>
+              <a:rPr lang="en-US" dirty="0" err="1">
+                <a:solidFill>
+                  <a:srgbClr val="C00000"/>
+                </a:solidFill>
+              </a:rPr>
+              <a:t>int</a:t>
+            </a:r>
+            <a:r>
+              <a:rPr lang="en-US" dirty="0">
+                <a:solidFill>
+                  <a:srgbClr val="C00000"/>
+                </a:solidFill>
+              </a:rPr>
+              <a:t> index, char value)</a:t>
+            </a:r>
+          </a:p>
+          <a:p>
+            <a:r>
+              <a:rPr lang="en-US" dirty="0">
+                <a:solidFill>
+                  <a:srgbClr val="C00000"/>
+                </a:solidFill>
+              </a:rPr>
+              <a:t>Remove() -</a:t>
+            </a:r>
+            <a:r>
+              <a:rPr lang="en-US" dirty="0"/>
+              <a:t>Removes a specified number of characters from the current StringBuilder</a:t>
+            </a:r>
+            <a:r>
+              <a:rPr lang="en-US" dirty="0">
+                <a:solidFill>
+                  <a:srgbClr val="C00000"/>
+                </a:solidFill>
+              </a:rPr>
+              <a:t>. </a:t>
             </a:r>
           </a:p>
           <a:p>
             <a:pPr lvl="1"/>
             <a:r>
-              <a:rPr lang="en-US" dirty="0"/>
-              <a:t>{0:C}-</a:t>
-            </a:r>
-            <a:r>
               <a:rPr lang="en-US" dirty="0">
                 <a:solidFill>
                   <a:srgbClr val="C00000"/>
                 </a:solidFill>
               </a:rPr>
-              <a:t>To display in currency format-</a:t>
-            </a:r>
-            <a:r>
-              <a:rPr lang="en-US" dirty="0">
-                <a:solidFill>
-                  <a:schemeClr val="accent1"/>
-                </a:solidFill>
-              </a:rPr>
-              <a:t>$123</a:t>
+              <a:t>Remove(</a:t>
+            </a:r>
+            <a:r>
+              <a:rPr lang="en-US" dirty="0" err="1">
+                <a:solidFill>
+                  <a:srgbClr val="C00000"/>
+                </a:solidFill>
+              </a:rPr>
+              <a:t>int</a:t>
+            </a:r>
+            <a:r>
+              <a:rPr lang="en-US" dirty="0">
+                <a:solidFill>
+                  <a:srgbClr val="C00000"/>
+                </a:solidFill>
+              </a:rPr>
+              <a:t> startindex,int length)</a:t>
+            </a:r>
+          </a:p>
+          <a:p>
+            <a:r>
+              <a:rPr lang="en-US" dirty="0">
+                <a:solidFill>
+                  <a:srgbClr val="C00000"/>
+                </a:solidFill>
+              </a:rPr>
+              <a:t>Replace()- </a:t>
+            </a:r>
+            <a:r>
+              <a:rPr lang="en-US" dirty="0"/>
+              <a:t>Replaces a specified character at a specified index. </a:t>
             </a:r>
           </a:p>
           <a:p>
             <a:pPr lvl="1"/>
             <a:r>
               <a:rPr lang="en-US" dirty="0"/>
-              <a:t>{0:P}-</a:t>
-            </a:r>
-            <a:r>
-              <a:rPr lang="en-US" dirty="0">
-                <a:solidFill>
-                  <a:srgbClr val="C00000"/>
-                </a:solidFill>
-              </a:rPr>
-              <a:t>To display in percentage format-</a:t>
-            </a:r>
-            <a:r>
-              <a:rPr lang="en-US" dirty="0">
-                <a:solidFill>
-                  <a:schemeClr val="accent1"/>
-                </a:solidFill>
-              </a:rPr>
-              <a:t>123%</a:t>
+              <a:t>Replace(‘</a:t>
+            </a:r>
+            <a:r>
+              <a:rPr lang="en-US" dirty="0" err="1"/>
+              <a:t>oldchar’,’newchar</a:t>
+            </a:r>
+            <a:r>
+              <a:rPr lang="en-US" dirty="0"/>
+              <a:t>’)</a:t>
             </a:r>
           </a:p>
           <a:p>
             <a:pPr lvl="1"/>
             <a:r>
               <a:rPr lang="en-US" dirty="0"/>
-              <a:t>{0:D}-</a:t>
-            </a:r>
-            <a:r>
-              <a:rPr lang="en-US" dirty="0">
-                <a:solidFill>
-                  <a:srgbClr val="C00000"/>
-                </a:solidFill>
-              </a:rPr>
-              <a:t>To display date in long format-</a:t>
-            </a:r>
-            <a:r>
-              <a:rPr lang="en-US" dirty="0">
-                <a:solidFill>
-                  <a:schemeClr val="accent1"/>
-                </a:solidFill>
-              </a:rPr>
-              <a:t>March 5 2011</a:t>
-            </a:r>
-          </a:p>
-          <a:p>
-            <a:pPr lvl="1"/>
-            <a:r>
-              <a:rPr lang="en-US" dirty="0"/>
-              <a:t>{0:d}-</a:t>
-            </a:r>
-            <a:r>
-              <a:rPr lang="en-US" dirty="0">
-                <a:solidFill>
-                  <a:srgbClr val="C00000"/>
-                </a:solidFill>
-              </a:rPr>
-              <a:t>To display date in small format-</a:t>
-            </a:r>
-            <a:r>
-              <a:rPr lang="en-US" dirty="0">
-                <a:solidFill>
-                  <a:schemeClr val="accent1"/>
-                </a:solidFill>
-              </a:rPr>
-              <a:t>02/5/2011</a:t>
-            </a:r>
-          </a:p>
-          <a:p>
-            <a:pPr lvl="1"/>
-            <a:r>
-              <a:rPr lang="en-US" dirty="0"/>
-              <a:t>{0:T}-</a:t>
-            </a:r>
-            <a:r>
-              <a:rPr lang="en-US" dirty="0">
-                <a:solidFill>
-                  <a:srgbClr val="C00000"/>
-                </a:solidFill>
-              </a:rPr>
-              <a:t>To display time in long format-</a:t>
-            </a:r>
-            <a:r>
-              <a:rPr lang="en-US" dirty="0">
-                <a:solidFill>
-                  <a:schemeClr val="accent1"/>
-                </a:solidFill>
-              </a:rPr>
-              <a:t>12:23:12</a:t>
-            </a:r>
-          </a:p>
-          <a:p>
-            <a:pPr lvl="1"/>
-            <a:r>
-              <a:rPr lang="en-US" dirty="0"/>
-              <a:t>{0:t}-</a:t>
-            </a:r>
-            <a:r>
-              <a:rPr lang="en-US" dirty="0">
-                <a:solidFill>
-                  <a:srgbClr val="C00000"/>
-                </a:solidFill>
-              </a:rPr>
-              <a:t>To display time in small format-</a:t>
-            </a:r>
-            <a:r>
-              <a:rPr lang="en-US" dirty="0">
-                <a:solidFill>
-                  <a:schemeClr val="accent1"/>
-                </a:solidFill>
-              </a:rPr>
-              <a:t>12:23</a:t>
-            </a:r>
-          </a:p>
-          <a:p>
-            <a:pPr lvl="1">
-              <a:buNone/>
-            </a:pPr>
-            <a:endParaRPr lang="en-US" dirty="0"/>
+              <a:t>Replace(‘</a:t>
+            </a:r>
+            <a:r>
+              <a:rPr lang="en-US" dirty="0" err="1"/>
+              <a:t>oldstring”,’newstring</a:t>
+            </a:r>
+            <a:r>
+              <a:rPr lang="en-US" dirty="0"/>
+              <a:t>’);</a:t>
+            </a:r>
+          </a:p>
+          <a:p>
+            <a:endParaRPr lang="en-US" dirty="0">
+              <a:solidFill>
+                <a:srgbClr val="C00000"/>
+              </a:solidFill>
+            </a:endParaRPr>
           </a:p>
         </p:txBody>
       </p:sp>
@@ -8675,117 +5940,288 @@
       </p:grpSpPr>
       <p:sp>
         <p:nvSpPr>
-          <p:cNvPr id="4" name="Title 3"/>
-          <p:cNvSpPr>
-            <a:spLocks noGrp="1"/>
-          </p:cNvSpPr>
-          <p:nvPr>
-            <p:ph type="title"/>
-          </p:nvPr>
-        </p:nvSpPr>
-        <p:spPr/>
-        <p:txBody>
-          <a:bodyPr/>
-          <a:lstStyle/>
-          <a:p>
-            <a:r>
-              <a:rPr lang="en-US" dirty="0">
-                <a:solidFill>
-                  <a:srgbClr val="FF0000"/>
-                </a:solidFill>
-              </a:rPr>
-              <a:t>Strings</a:t>
-            </a:r>
-          </a:p>
-        </p:txBody>
-      </p:sp>
-      <p:sp>
-        <p:nvSpPr>
-          <p:cNvPr id="5" name="Content Placeholder 4"/>
-          <p:cNvSpPr>
-            <a:spLocks noGrp="1"/>
-          </p:cNvSpPr>
-          <p:nvPr>
-            <p:ph idx="1"/>
-          </p:nvPr>
-        </p:nvSpPr>
-        <p:spPr/>
-        <p:txBody>
-          <a:bodyPr>
-            <a:normAutofit/>
+          <p:cNvPr id="2" name="Rectangle 1">
+            <a:extLst>
+              <a:ext uri="{FF2B5EF4-FFF2-40B4-BE49-F238E27FC236}">
+                <a16:creationId xmlns:a16="http://schemas.microsoft.com/office/drawing/2014/main" id="{E7D599C0-D44B-4BD8-BA8F-ADA415B80AA4}"/>
+              </a:ext>
+            </a:extLst>
+          </p:cNvPr>
+          <p:cNvSpPr/>
+          <p:nvPr/>
+        </p:nvSpPr>
+        <p:spPr>
+          <a:xfrm>
+            <a:off x="270382" y="1095107"/>
+            <a:ext cx="7938117" cy="507831"/>
+          </a:xfrm>
+          <a:prstGeom prst="rect">
+            <a:avLst/>
+          </a:prstGeom>
+        </p:spPr>
+        <p:txBody>
+          <a:bodyPr wrap="square">
+            <a:spAutoFit/>
           </a:bodyPr>
           <a:lstStyle/>
           <a:p>
-            <a:pPr>
-              <a:buNone/>
+            <a:pPr defTabSz="685800">
+              <a:defRPr/>
             </a:pPr>
             <a:r>
-              <a:rPr lang="en-US" dirty="0">
-                <a:solidFill>
-                  <a:srgbClr val="C00000"/>
-                </a:solidFill>
-              </a:rPr>
-              <a:t>	Mutable strings: </a:t>
-            </a:r>
-            <a:r>
-              <a:rPr lang="en-US" dirty="0"/>
-              <a:t>The strings which are dynamic in length and which automatically increases its length.</a:t>
-            </a:r>
-          </a:p>
-          <a:p>
-            <a:r>
-              <a:rPr lang="en-US" dirty="0"/>
-              <a:t>Mutable string are recommended in developing projects</a:t>
-            </a:r>
-          </a:p>
-          <a:p>
-            <a:r>
-              <a:rPr lang="en-US" dirty="0"/>
-              <a:t>It increases the performance of the application</a:t>
-            </a:r>
-          </a:p>
-          <a:p>
-            <a:r>
-              <a:rPr lang="en-US" dirty="0"/>
-              <a:t>We can declare mutable strings using </a:t>
-            </a:r>
-          </a:p>
-          <a:p>
-            <a:pPr>
-              <a:buNone/>
-            </a:pPr>
-            <a:r>
-              <a:rPr lang="en-US" dirty="0"/>
-              <a:t>	</a:t>
-            </a:r>
-            <a:r>
-              <a:rPr lang="en-US" dirty="0">
-                <a:solidFill>
-                  <a:srgbClr val="C00000"/>
-                </a:solidFill>
-              </a:rPr>
-              <a:t>StringBuilder</a:t>
-            </a:r>
-            <a:r>
-              <a:rPr lang="en-US" dirty="0"/>
-              <a:t> class comes with </a:t>
-            </a:r>
-            <a:r>
-              <a:rPr lang="en-US" dirty="0">
-                <a:solidFill>
-                  <a:srgbClr val="00B0F0"/>
-                </a:solidFill>
-              </a:rPr>
-              <a:t>System. Text </a:t>
-            </a:r>
-            <a:r>
-              <a:rPr lang="en-US" dirty="0"/>
-              <a:t>namespace</a:t>
-            </a:r>
+              <a:rPr lang="en-IN" sz="2700" b="1" dirty="0">
+                <a:solidFill>
+                  <a:srgbClr val="E95332"/>
+                </a:solidFill>
+                <a:latin typeface="Candara" panose="020E0502030303020204" pitchFamily="34" charset="0"/>
+                <a:cs typeface="Arial"/>
+                <a:sym typeface="Arial"/>
+              </a:rPr>
+              <a:t>Overall Summary</a:t>
+            </a:r>
+          </a:p>
+        </p:txBody>
+      </p:sp>
+      <p:sp>
+        <p:nvSpPr>
+          <p:cNvPr id="3" name="Content Placeholder 6">
+            <a:extLst>
+              <a:ext uri="{FF2B5EF4-FFF2-40B4-BE49-F238E27FC236}">
+                <a16:creationId xmlns:a16="http://schemas.microsoft.com/office/drawing/2014/main" id="{CF71614C-6C6F-F4EF-F0D3-3D460CB1F025}"/>
+              </a:ext>
+            </a:extLst>
+          </p:cNvPr>
+          <p:cNvSpPr txBox="1">
+            <a:spLocks/>
+          </p:cNvSpPr>
+          <p:nvPr/>
+        </p:nvSpPr>
+        <p:spPr>
+          <a:xfrm>
+            <a:off x="382605" y="1709086"/>
+            <a:ext cx="8132746" cy="3780887"/>
+          </a:xfrm>
+          <a:prstGeom prst="rect">
+            <a:avLst/>
+          </a:prstGeom>
+        </p:spPr>
+        <p:txBody>
+          <a:bodyPr/>
+          <a:lstStyle>
+            <a:lvl1pPr marL="228600" indent="-228600" algn="l" defTabSz="914400" rtl="0" eaLnBrk="1" latinLnBrk="0" hangingPunct="1">
+              <a:lnSpc>
+                <a:spcPct val="90000"/>
+              </a:lnSpc>
+              <a:spcBef>
+                <a:spcPts val="1000"/>
+              </a:spcBef>
+              <a:buFont typeface="Arial" panose="020B0604020202020204" pitchFamily="34" charset="0"/>
+              <a:buChar char="•"/>
+              <a:defRPr sz="2800" kern="1200">
+                <a:solidFill>
+                  <a:schemeClr val="tx1"/>
+                </a:solidFill>
+                <a:latin typeface="+mn-lt"/>
+                <a:ea typeface="+mn-ea"/>
+                <a:cs typeface="+mn-cs"/>
+              </a:defRPr>
+            </a:lvl1pPr>
+            <a:lvl2pPr marL="685800" indent="-228600" algn="l" defTabSz="914400" rtl="0" eaLnBrk="1" latinLnBrk="0" hangingPunct="1">
+              <a:lnSpc>
+                <a:spcPct val="90000"/>
+              </a:lnSpc>
+              <a:spcBef>
+                <a:spcPts val="500"/>
+              </a:spcBef>
+              <a:buFont typeface="Arial" panose="020B0604020202020204" pitchFamily="34" charset="0"/>
+              <a:buChar char="•"/>
+              <a:defRPr sz="2400" kern="1200">
+                <a:solidFill>
+                  <a:schemeClr val="tx1"/>
+                </a:solidFill>
+                <a:latin typeface="+mn-lt"/>
+                <a:ea typeface="+mn-ea"/>
+                <a:cs typeface="+mn-cs"/>
+              </a:defRPr>
+            </a:lvl2pPr>
+            <a:lvl3pPr marL="1143000" indent="-228600" algn="l" defTabSz="914400" rtl="0" eaLnBrk="1" latinLnBrk="0" hangingPunct="1">
+              <a:lnSpc>
+                <a:spcPct val="90000"/>
+              </a:lnSpc>
+              <a:spcBef>
+                <a:spcPts val="500"/>
+              </a:spcBef>
+              <a:buFont typeface="Arial" panose="020B0604020202020204" pitchFamily="34" charset="0"/>
+              <a:buChar char="•"/>
+              <a:defRPr sz="2000" kern="1200">
+                <a:solidFill>
+                  <a:schemeClr val="tx1"/>
+                </a:solidFill>
+                <a:latin typeface="+mn-lt"/>
+                <a:ea typeface="+mn-ea"/>
+                <a:cs typeface="+mn-cs"/>
+              </a:defRPr>
+            </a:lvl3pPr>
+            <a:lvl4pPr marL="1600200" indent="-228600" algn="l" defTabSz="914400" rtl="0" eaLnBrk="1" latinLnBrk="0" hangingPunct="1">
+              <a:lnSpc>
+                <a:spcPct val="90000"/>
+              </a:lnSpc>
+              <a:spcBef>
+                <a:spcPts val="500"/>
+              </a:spcBef>
+              <a:buFont typeface="Arial" panose="020B0604020202020204" pitchFamily="34" charset="0"/>
+              <a:buChar char="•"/>
+              <a:defRPr sz="1800" kern="1200">
+                <a:solidFill>
+                  <a:schemeClr val="tx1"/>
+                </a:solidFill>
+                <a:latin typeface="+mn-lt"/>
+                <a:ea typeface="+mn-ea"/>
+                <a:cs typeface="+mn-cs"/>
+              </a:defRPr>
+            </a:lvl4pPr>
+            <a:lvl5pPr marL="2057400" indent="-228600" algn="l" defTabSz="914400" rtl="0" eaLnBrk="1" latinLnBrk="0" hangingPunct="1">
+              <a:lnSpc>
+                <a:spcPct val="90000"/>
+              </a:lnSpc>
+              <a:spcBef>
+                <a:spcPts val="500"/>
+              </a:spcBef>
+              <a:buFont typeface="Arial" panose="020B0604020202020204" pitchFamily="34" charset="0"/>
+              <a:buChar char="•"/>
+              <a:defRPr sz="1800" kern="1200">
+                <a:solidFill>
+                  <a:schemeClr val="tx1"/>
+                </a:solidFill>
+                <a:latin typeface="+mn-lt"/>
+                <a:ea typeface="+mn-ea"/>
+                <a:cs typeface="+mn-cs"/>
+              </a:defRPr>
+            </a:lvl5pPr>
+            <a:lvl6pPr marL="2514600" indent="-228600" algn="l" defTabSz="914400" rtl="0" eaLnBrk="1" latinLnBrk="0" hangingPunct="1">
+              <a:lnSpc>
+                <a:spcPct val="90000"/>
+              </a:lnSpc>
+              <a:spcBef>
+                <a:spcPts val="500"/>
+              </a:spcBef>
+              <a:buFont typeface="Arial" panose="020B0604020202020204" pitchFamily="34" charset="0"/>
+              <a:buChar char="•"/>
+              <a:defRPr sz="1800" kern="1200">
+                <a:solidFill>
+                  <a:schemeClr val="tx1"/>
+                </a:solidFill>
+                <a:latin typeface="+mn-lt"/>
+                <a:ea typeface="+mn-ea"/>
+                <a:cs typeface="+mn-cs"/>
+              </a:defRPr>
+            </a:lvl6pPr>
+            <a:lvl7pPr marL="2971800" indent="-228600" algn="l" defTabSz="914400" rtl="0" eaLnBrk="1" latinLnBrk="0" hangingPunct="1">
+              <a:lnSpc>
+                <a:spcPct val="90000"/>
+              </a:lnSpc>
+              <a:spcBef>
+                <a:spcPts val="500"/>
+              </a:spcBef>
+              <a:buFont typeface="Arial" panose="020B0604020202020204" pitchFamily="34" charset="0"/>
+              <a:buChar char="•"/>
+              <a:defRPr sz="1800" kern="1200">
+                <a:solidFill>
+                  <a:schemeClr val="tx1"/>
+                </a:solidFill>
+                <a:latin typeface="+mn-lt"/>
+                <a:ea typeface="+mn-ea"/>
+                <a:cs typeface="+mn-cs"/>
+              </a:defRPr>
+            </a:lvl7pPr>
+            <a:lvl8pPr marL="3429000" indent="-228600" algn="l" defTabSz="914400" rtl="0" eaLnBrk="1" latinLnBrk="0" hangingPunct="1">
+              <a:lnSpc>
+                <a:spcPct val="90000"/>
+              </a:lnSpc>
+              <a:spcBef>
+                <a:spcPts val="500"/>
+              </a:spcBef>
+              <a:buFont typeface="Arial" panose="020B0604020202020204" pitchFamily="34" charset="0"/>
+              <a:buChar char="•"/>
+              <a:defRPr sz="1800" kern="1200">
+                <a:solidFill>
+                  <a:schemeClr val="tx1"/>
+                </a:solidFill>
+                <a:latin typeface="+mn-lt"/>
+                <a:ea typeface="+mn-ea"/>
+                <a:cs typeface="+mn-cs"/>
+              </a:defRPr>
+            </a:lvl8pPr>
+            <a:lvl9pPr marL="3886200" indent="-228600" algn="l" defTabSz="914400" rtl="0" eaLnBrk="1" latinLnBrk="0" hangingPunct="1">
+              <a:lnSpc>
+                <a:spcPct val="90000"/>
+              </a:lnSpc>
+              <a:spcBef>
+                <a:spcPts val="500"/>
+              </a:spcBef>
+              <a:buFont typeface="Arial" panose="020B0604020202020204" pitchFamily="34" charset="0"/>
+              <a:buChar char="•"/>
+              <a:defRPr sz="1800" kern="1200">
+                <a:solidFill>
+                  <a:schemeClr val="tx1"/>
+                </a:solidFill>
+                <a:latin typeface="+mn-lt"/>
+                <a:ea typeface="+mn-ea"/>
+                <a:cs typeface="+mn-cs"/>
+              </a:defRPr>
+            </a:lvl9pPr>
+          </a:lstStyle>
+          <a:p>
+            <a:r>
+              <a:rPr lang="en-US" sz="2000" dirty="0">
+                <a:latin typeface="Candara" panose="020E0502030303020204" pitchFamily="34" charset="0"/>
+              </a:rPr>
+              <a:t>Arrays</a:t>
+            </a:r>
+          </a:p>
+          <a:p>
+            <a:r>
+              <a:rPr lang="en-US" sz="2000" dirty="0">
+                <a:latin typeface="Candara" panose="020E0502030303020204" pitchFamily="34" charset="0"/>
+              </a:rPr>
+              <a:t>Rectangle Array</a:t>
+            </a:r>
+          </a:p>
+          <a:p>
+            <a:r>
+              <a:rPr lang="en-US" sz="2000" dirty="0">
+                <a:latin typeface="Candara" panose="020E0502030303020204" pitchFamily="34" charset="0"/>
+              </a:rPr>
+              <a:t>Jagged Array</a:t>
+            </a:r>
+          </a:p>
+          <a:p>
+            <a:r>
+              <a:rPr lang="en-US" sz="2000" dirty="0">
+                <a:latin typeface="Candara" panose="020E0502030303020204" pitchFamily="34" charset="0"/>
+              </a:rPr>
+              <a:t>Strings</a:t>
+            </a:r>
+          </a:p>
+          <a:p>
+            <a:r>
+              <a:rPr lang="en-US" sz="2000" dirty="0">
+                <a:latin typeface="Candara" panose="020E0502030303020204" pitchFamily="34" charset="0"/>
+              </a:rPr>
+              <a:t>String Builder</a:t>
+            </a:r>
+          </a:p>
+          <a:p>
+            <a:endParaRPr lang="en-US" sz="2100" dirty="0"/>
           </a:p>
         </p:txBody>
       </p:sp>
     </p:spTree>
+    <p:extLst>
+      <p:ext uri="{BB962C8B-B14F-4D97-AF65-F5344CB8AC3E}">
+        <p14:creationId xmlns:p14="http://schemas.microsoft.com/office/powerpoint/2010/main" val="1600188569"/>
+      </p:ext>
+    </p:extLst>
   </p:cSld>
   <p:clrMapOvr>
     <a:masterClrMapping/>
@@ -8812,277 +6248,54 @@
       </p:grpSpPr>
       <p:sp>
         <p:nvSpPr>
-          <p:cNvPr id="4" name="Title 3"/>
-          <p:cNvSpPr>
-            <a:spLocks noGrp="1"/>
-          </p:cNvSpPr>
-          <p:nvPr>
-            <p:ph type="title"/>
-          </p:nvPr>
-        </p:nvSpPr>
-        <p:spPr/>
-        <p:txBody>
-          <a:bodyPr/>
-          <a:lstStyle/>
-          <a:p>
-            <a:r>
-              <a:rPr lang="en-US" dirty="0">
-                <a:solidFill>
-                  <a:srgbClr val="FF0000"/>
-                </a:solidFill>
-              </a:rPr>
-              <a:t>String Builder</a:t>
-            </a:r>
-          </a:p>
-        </p:txBody>
-      </p:sp>
-      <p:sp>
-        <p:nvSpPr>
-          <p:cNvPr id="5" name="Content Placeholder 4"/>
-          <p:cNvSpPr>
-            <a:spLocks noGrp="1"/>
-          </p:cNvSpPr>
-          <p:nvPr>
-            <p:ph idx="1"/>
-          </p:nvPr>
-        </p:nvSpPr>
-        <p:spPr/>
-        <p:txBody>
-          <a:bodyPr>
-            <a:normAutofit fontScale="85000" lnSpcReduction="10000"/>
+          <p:cNvPr id="2" name="Rectangle 1">
+            <a:extLst>
+              <a:ext uri="{FF2B5EF4-FFF2-40B4-BE49-F238E27FC236}">
+                <a16:creationId xmlns:a16="http://schemas.microsoft.com/office/drawing/2014/main" id="{E7D599C0-D44B-4BD8-BA8F-ADA415B80AA4}"/>
+              </a:ext>
+            </a:extLst>
+          </p:cNvPr>
+          <p:cNvSpPr/>
+          <p:nvPr/>
+        </p:nvSpPr>
+        <p:spPr>
+          <a:xfrm>
+            <a:off x="3013582" y="3002488"/>
+            <a:ext cx="4265900" cy="507831"/>
+          </a:xfrm>
+          <a:prstGeom prst="rect">
+            <a:avLst/>
+          </a:prstGeom>
+        </p:spPr>
+        <p:txBody>
+          <a:bodyPr wrap="square">
+            <a:spAutoFit/>
           </a:bodyPr>
           <a:lstStyle/>
           <a:p>
-            <a:r>
-              <a:rPr lang="en-US" dirty="0"/>
-              <a:t>Stringbuilder is a predefined class under System. Text namespace</a:t>
-            </a:r>
-          </a:p>
-          <a:p>
-            <a:r>
-              <a:rPr lang="en-US" dirty="0"/>
-              <a:t>Stringbuilder useful for appending, removing, replacing, or inserting characters. </a:t>
-            </a:r>
-          </a:p>
-          <a:p>
-            <a:r>
-              <a:rPr lang="en-US" dirty="0">
-                <a:solidFill>
-                  <a:srgbClr val="C00000"/>
-                </a:solidFill>
-              </a:rPr>
-              <a:t>Methods of </a:t>
-            </a:r>
-            <a:r>
-              <a:rPr lang="en-US" dirty="0" err="1">
-                <a:solidFill>
-                  <a:srgbClr val="C00000"/>
-                </a:solidFill>
-              </a:rPr>
-              <a:t>stringbuilder</a:t>
-            </a:r>
-            <a:r>
-              <a:rPr lang="en-US" dirty="0">
-                <a:solidFill>
-                  <a:srgbClr val="C00000"/>
-                </a:solidFill>
-              </a:rPr>
-              <a:t>:</a:t>
-            </a:r>
-          </a:p>
-          <a:p>
-            <a:r>
-              <a:rPr lang="en-US" dirty="0">
-                <a:solidFill>
-                  <a:srgbClr val="C00000"/>
-                </a:solidFill>
-              </a:rPr>
-              <a:t>Append() -</a:t>
-            </a:r>
-            <a:r>
-              <a:rPr lang="en-US" dirty="0"/>
-              <a:t>Appends string to the end of the current StringBuilder. </a:t>
-            </a:r>
-          </a:p>
-          <a:p>
-            <a:r>
-              <a:rPr lang="en-US" dirty="0">
-                <a:solidFill>
-                  <a:srgbClr val="C00000"/>
-                </a:solidFill>
-              </a:rPr>
-              <a:t>Insert()- </a:t>
-            </a:r>
-            <a:r>
-              <a:rPr lang="en-US" dirty="0"/>
-              <a:t>Inserts a string or object into the specified index of the current StringBuilder</a:t>
-            </a:r>
-            <a:r>
-              <a:rPr lang="en-US" dirty="0">
-                <a:solidFill>
-                  <a:srgbClr val="C00000"/>
-                </a:solidFill>
-              </a:rPr>
-              <a:t>. </a:t>
-            </a:r>
-          </a:p>
-          <a:p>
-            <a:pPr lvl="1"/>
-            <a:r>
-              <a:rPr lang="en-US" dirty="0">
-                <a:solidFill>
-                  <a:srgbClr val="C00000"/>
-                </a:solidFill>
-              </a:rPr>
-              <a:t>Insert(</a:t>
-            </a:r>
-            <a:r>
-              <a:rPr lang="en-US" dirty="0" err="1">
-                <a:solidFill>
-                  <a:srgbClr val="C00000"/>
-                </a:solidFill>
-              </a:rPr>
-              <a:t>int</a:t>
-            </a:r>
-            <a:r>
-              <a:rPr lang="en-US" dirty="0">
-                <a:solidFill>
-                  <a:srgbClr val="C00000"/>
-                </a:solidFill>
-              </a:rPr>
-              <a:t> index, string value)</a:t>
-            </a:r>
-          </a:p>
-          <a:p>
-            <a:pPr lvl="1"/>
-            <a:r>
-              <a:rPr lang="en-US" dirty="0">
-                <a:solidFill>
-                  <a:srgbClr val="C00000"/>
-                </a:solidFill>
-              </a:rPr>
-              <a:t>Insert(</a:t>
-            </a:r>
-            <a:r>
-              <a:rPr lang="en-US" dirty="0" err="1">
-                <a:solidFill>
-                  <a:srgbClr val="C00000"/>
-                </a:solidFill>
-              </a:rPr>
-              <a:t>int</a:t>
-            </a:r>
-            <a:r>
-              <a:rPr lang="en-US" dirty="0">
-                <a:solidFill>
-                  <a:srgbClr val="C00000"/>
-                </a:solidFill>
-              </a:rPr>
-              <a:t> index, char value)</a:t>
-            </a:r>
-          </a:p>
-          <a:p>
-            <a:r>
-              <a:rPr lang="en-US" dirty="0">
-                <a:solidFill>
-                  <a:srgbClr val="C00000"/>
-                </a:solidFill>
-              </a:rPr>
-              <a:t>Remove() -</a:t>
-            </a:r>
-            <a:r>
-              <a:rPr lang="en-US" dirty="0"/>
-              <a:t>Removes a specified number of characters from the current StringBuilder</a:t>
-            </a:r>
-            <a:r>
-              <a:rPr lang="en-US" dirty="0">
-                <a:solidFill>
-                  <a:srgbClr val="C00000"/>
-                </a:solidFill>
-              </a:rPr>
-              <a:t>. </a:t>
-            </a:r>
-          </a:p>
-          <a:p>
-            <a:pPr lvl="1"/>
-            <a:r>
-              <a:rPr lang="en-US" dirty="0">
-                <a:solidFill>
-                  <a:srgbClr val="C00000"/>
-                </a:solidFill>
-              </a:rPr>
-              <a:t>Remove(</a:t>
-            </a:r>
-            <a:r>
-              <a:rPr lang="en-US" dirty="0" err="1">
-                <a:solidFill>
-                  <a:srgbClr val="C00000"/>
-                </a:solidFill>
-              </a:rPr>
-              <a:t>int</a:t>
-            </a:r>
-            <a:r>
-              <a:rPr lang="en-US" dirty="0">
-                <a:solidFill>
-                  <a:srgbClr val="C00000"/>
-                </a:solidFill>
-              </a:rPr>
-              <a:t> startindex,int length)</a:t>
-            </a:r>
-          </a:p>
-          <a:p>
-            <a:r>
-              <a:rPr lang="en-US" dirty="0">
-                <a:solidFill>
-                  <a:srgbClr val="C00000"/>
-                </a:solidFill>
-              </a:rPr>
-              <a:t>Replace()- </a:t>
-            </a:r>
-            <a:r>
-              <a:rPr lang="en-US" dirty="0"/>
-              <a:t>Replaces a specified character at a specified index. </a:t>
-            </a:r>
-          </a:p>
-          <a:p>
-            <a:pPr lvl="1"/>
-            <a:r>
-              <a:rPr lang="en-US" dirty="0"/>
-              <a:t>Replace(‘</a:t>
-            </a:r>
-            <a:r>
-              <a:rPr lang="en-US" dirty="0" err="1"/>
-              <a:t>oldchar’,’newchar</a:t>
-            </a:r>
-            <a:r>
-              <a:rPr lang="en-US" dirty="0"/>
-              <a:t>’)</a:t>
-            </a:r>
-          </a:p>
-          <a:p>
-            <a:pPr lvl="1"/>
-            <a:r>
-              <a:rPr lang="en-US" dirty="0"/>
-              <a:t>Replace(‘</a:t>
-            </a:r>
-            <a:r>
-              <a:rPr lang="en-US" dirty="0" err="1"/>
-              <a:t>oldstring”,’newstring</a:t>
-            </a:r>
-            <a:r>
-              <a:rPr lang="en-US" dirty="0"/>
-              <a:t>’);</a:t>
-            </a:r>
-          </a:p>
-          <a:p>
-            <a:endParaRPr lang="en-US" dirty="0">
-              <a:solidFill>
-                <a:srgbClr val="C00000"/>
-              </a:solidFill>
-            </a:endParaRPr>
+            <a:pPr defTabSz="685800">
+              <a:defRPr/>
+            </a:pPr>
+            <a:r>
+              <a:rPr lang="en-IN" sz="2700" b="1" dirty="0">
+                <a:solidFill>
+                  <a:srgbClr val="E95332"/>
+                </a:solidFill>
+                <a:latin typeface="Candara" panose="020E0502030303020204" pitchFamily="34" charset="0"/>
+                <a:cs typeface="Arial"/>
+                <a:sym typeface="Arial"/>
+              </a:rPr>
+              <a:t>THANK YOU </a:t>
+            </a:r>
           </a:p>
         </p:txBody>
       </p:sp>
     </p:spTree>
+    <p:extLst>
+      <p:ext uri="{BB962C8B-B14F-4D97-AF65-F5344CB8AC3E}">
+        <p14:creationId xmlns:p14="http://schemas.microsoft.com/office/powerpoint/2010/main" val="2700154142"/>
+      </p:ext>
+    </p:extLst>
   </p:cSld>
   <p:clrMapOvr>
     <a:masterClrMapping/>
